--- a/R for Data Science/R for DS AUA.pptx
+++ b/R for Data Science/R for DS AUA.pptx
@@ -138,6 +138,42 @@
     <p:sldId id="440" r:id="rId132"/>
     <p:sldId id="438" r:id="rId133"/>
     <p:sldId id="439" r:id="rId134"/>
+    <p:sldId id="441" r:id="rId135"/>
+    <p:sldId id="442" r:id="rId136"/>
+    <p:sldId id="443" r:id="rId137"/>
+    <p:sldId id="444" r:id="rId138"/>
+    <p:sldId id="445" r:id="rId139"/>
+    <p:sldId id="446" r:id="rId140"/>
+    <p:sldId id="447" r:id="rId141"/>
+    <p:sldId id="448" r:id="rId142"/>
+    <p:sldId id="449" r:id="rId143"/>
+    <p:sldId id="450" r:id="rId144"/>
+    <p:sldId id="451" r:id="rId145"/>
+    <p:sldId id="452" r:id="rId146"/>
+    <p:sldId id="453" r:id="rId147"/>
+    <p:sldId id="454" r:id="rId148"/>
+    <p:sldId id="455" r:id="rId149"/>
+    <p:sldId id="456" r:id="rId150"/>
+    <p:sldId id="457" r:id="rId151"/>
+    <p:sldId id="458" r:id="rId152"/>
+    <p:sldId id="459" r:id="rId153"/>
+    <p:sldId id="460" r:id="rId154"/>
+    <p:sldId id="462" r:id="rId155"/>
+    <p:sldId id="461" r:id="rId156"/>
+    <p:sldId id="463" r:id="rId157"/>
+    <p:sldId id="464" r:id="rId158"/>
+    <p:sldId id="465" r:id="rId159"/>
+    <p:sldId id="466" r:id="rId160"/>
+    <p:sldId id="467" r:id="rId161"/>
+    <p:sldId id="468" r:id="rId162"/>
+    <p:sldId id="469" r:id="rId163"/>
+    <p:sldId id="470" r:id="rId164"/>
+    <p:sldId id="471" r:id="rId165"/>
+    <p:sldId id="472" r:id="rId166"/>
+    <p:sldId id="473" r:id="rId167"/>
+    <p:sldId id="474" r:id="rId168"/>
+    <p:sldId id="475" r:id="rId169"/>
+    <p:sldId id="476" r:id="rId170"/>
   </p:sldIdLst>
   <p:sldSz cx="12192000" cy="6858000"/>
   <p:notesSz cx="6858000" cy="9144000"/>
@@ -449,7 +485,7 @@
             <a:fld id="{A9DF6EFB-3F44-496C-A842-1E0B3D3B975A}" type="datetimeFigureOut">
               <a:rPr lang="en-US" smtClean="0"/>
               <a:pPr/>
-              <a:t>6/30/2019</a:t>
+              <a:t>7/1/2019</a:t>
             </a:fld>
             <a:endParaRPr lang="en-US" dirty="0"/>
           </a:p>
@@ -677,7 +713,7 @@
           <a:p>
             <a:fld id="{A9DF6EFB-3F44-496C-A842-1E0B3D3B975A}" type="datetimeFigureOut">
               <a:rPr lang="en-US" smtClean="0"/>
-              <a:t>6/30/2019</a:t>
+              <a:t>7/1/2019</a:t>
             </a:fld>
             <a:endParaRPr lang="en-US" dirty="0"/>
           </a:p>
@@ -1968,7 +2004,7 @@
           <a:p>
             <a:fld id="{A9DF6EFB-3F44-496C-A842-1E0B3D3B975A}" type="datetimeFigureOut">
               <a:rPr lang="en-US" smtClean="0"/>
-              <a:t>6/30/2019</a:t>
+              <a:t>7/1/2019</a:t>
             </a:fld>
             <a:endParaRPr lang="en-US" dirty="0"/>
           </a:p>
@@ -2754,7 +2790,7 @@
           <a:p>
             <a:fld id="{A9DF6EFB-3F44-496C-A842-1E0B3D3B975A}" type="datetimeFigureOut">
               <a:rPr lang="en-US" smtClean="0"/>
-              <a:t>6/30/2019</a:t>
+              <a:t>7/1/2019</a:t>
             </a:fld>
             <a:endParaRPr lang="en-US" dirty="0"/>
           </a:p>
@@ -3446,7 +3482,7 @@
           <a:p>
             <a:fld id="{A9DF6EFB-3F44-496C-A842-1E0B3D3B975A}" type="datetimeFigureOut">
               <a:rPr lang="en-US" smtClean="0"/>
-              <a:t>6/30/2019</a:t>
+              <a:t>7/1/2019</a:t>
             </a:fld>
             <a:endParaRPr lang="en-US" dirty="0"/>
           </a:p>
@@ -4044,7 +4080,7 @@
           <a:p>
             <a:fld id="{A9DF6EFB-3F44-496C-A842-1E0B3D3B975A}" type="datetimeFigureOut">
               <a:rPr lang="en-US" smtClean="0"/>
-              <a:t>6/30/2019</a:t>
+              <a:t>7/1/2019</a:t>
             </a:fld>
             <a:endParaRPr lang="en-US" dirty="0"/>
           </a:p>
@@ -5725,7 +5761,7 @@
             <a:fld id="{A9DF6EFB-3F44-496C-A842-1E0B3D3B975A}" type="datetimeFigureOut">
               <a:rPr lang="en-US" smtClean="0"/>
               <a:pPr/>
-              <a:t>6/30/2019</a:t>
+              <a:t>7/1/2019</a:t>
             </a:fld>
             <a:endParaRPr lang="en-US" dirty="0"/>
           </a:p>
@@ -6470,7 +6506,7 @@
             <a:fld id="{A9DF6EFB-3F44-496C-A842-1E0B3D3B975A}" type="datetimeFigureOut">
               <a:rPr lang="en-US" smtClean="0"/>
               <a:pPr/>
-              <a:t>6/30/2019</a:t>
+              <a:t>7/1/2019</a:t>
             </a:fld>
             <a:endParaRPr lang="en-US" dirty="0"/>
           </a:p>
@@ -6944,7 +6980,7 @@
           <a:p>
             <a:fld id="{A9DF6EFB-3F44-496C-A842-1E0B3D3B975A}" type="datetimeFigureOut">
               <a:rPr lang="en-US" smtClean="0"/>
-              <a:t>6/30/2019</a:t>
+              <a:t>7/1/2019</a:t>
             </a:fld>
             <a:endParaRPr lang="en-US" dirty="0"/>
           </a:p>
@@ -7350,7 +7386,7 @@
           <a:p>
             <a:fld id="{A9DF6EFB-3F44-496C-A842-1E0B3D3B975A}" type="datetimeFigureOut">
               <a:rPr lang="en-US" smtClean="0"/>
-              <a:t>6/30/2019</a:t>
+              <a:t>7/1/2019</a:t>
             </a:fld>
             <a:endParaRPr lang="en-US" dirty="0"/>
           </a:p>
@@ -7756,7 +7792,7 @@
           <a:p>
             <a:fld id="{A9DF6EFB-3F44-496C-A842-1E0B3D3B975A}" type="datetimeFigureOut">
               <a:rPr lang="en-US" smtClean="0"/>
-              <a:t>6/30/2019</a:t>
+              <a:t>7/1/2019</a:t>
             </a:fld>
             <a:endParaRPr lang="en-US" dirty="0"/>
           </a:p>
@@ -8350,7 +8386,7 @@
           <a:p>
             <a:fld id="{A9DF6EFB-3F44-496C-A842-1E0B3D3B975A}" type="datetimeFigureOut">
               <a:rPr lang="en-US" smtClean="0"/>
-              <a:t>6/30/2019</a:t>
+              <a:t>7/1/2019</a:t>
             </a:fld>
             <a:endParaRPr lang="en-US" dirty="0"/>
           </a:p>
@@ -9414,7 +9450,7 @@
           <a:p>
             <a:fld id="{A9DF6EFB-3F44-496C-A842-1E0B3D3B975A}" type="datetimeFigureOut">
               <a:rPr lang="en-US" smtClean="0"/>
-              <a:t>6/30/2019</a:t>
+              <a:t>7/1/2019</a:t>
             </a:fld>
             <a:endParaRPr lang="en-US" dirty="0"/>
           </a:p>
@@ -10388,7 +10424,7 @@
           <a:p>
             <a:fld id="{A9DF6EFB-3F44-496C-A842-1E0B3D3B975A}" type="datetimeFigureOut">
               <a:rPr lang="en-US" smtClean="0"/>
-              <a:t>6/30/2019</a:t>
+              <a:t>7/1/2019</a:t>
             </a:fld>
             <a:endParaRPr lang="en-US" dirty="0"/>
           </a:p>
@@ -18029,7 +18065,7 @@
         <p:spPr>
           <a:xfrm>
             <a:off x="1233948" y="1979193"/>
-            <a:ext cx="10348452" cy="2677656"/>
+            <a:ext cx="10348452" cy="3108543"/>
           </a:xfrm>
           <a:prstGeom prst="rect">
             <a:avLst/>
@@ -18110,7 +18146,17 @@
                   <a:srgbClr val="0070C0"/>
                 </a:solidFill>
               </a:rPr>
-              <a:t> %&gt;%  filter(country == "China", year == 2002)</a:t>
+              <a:t> %&gt;%  </a:t>
+            </a:r>
+          </a:p>
+          <a:p>
+            <a:r>
+              <a:rPr lang="en-US" sz="2800" dirty="0">
+                <a:solidFill>
+                  <a:srgbClr val="0070C0"/>
+                </a:solidFill>
+              </a:rPr>
+              <a:t>	filter(country == "China", year == 2002)</a:t>
             </a:r>
           </a:p>
         </p:txBody>
@@ -19317,7 +19363,7 @@
         </p:blipFill>
         <p:spPr>
           <a:xfrm>
-            <a:off x="6096000" y="811162"/>
+            <a:off x="6452726" y="646937"/>
             <a:ext cx="5475984" cy="2590334"/>
           </a:xfrm>
           <a:prstGeom prst="rect">
@@ -19347,7 +19393,7 @@
         </p:blipFill>
         <p:spPr>
           <a:xfrm>
-            <a:off x="5944215" y="3714324"/>
+            <a:off x="6499445" y="3467019"/>
             <a:ext cx="5382547" cy="2744044"/>
           </a:xfrm>
           <a:prstGeom prst="rect">
@@ -20635,7 +20681,7 @@
         </p:blipFill>
         <p:spPr>
           <a:xfrm>
-            <a:off x="6962658" y="1614967"/>
+            <a:off x="7069663" y="1614967"/>
             <a:ext cx="4831136" cy="3369988"/>
           </a:xfrm>
           <a:prstGeom prst="rect">
@@ -22283,8 +22329,8 @@
         </p:blipFill>
         <p:spPr>
           <a:xfrm>
-            <a:off x="3237429" y="2362200"/>
-            <a:ext cx="5044518" cy="3518834"/>
+            <a:off x="3827363" y="2077780"/>
+            <a:ext cx="5832829" cy="4068725"/>
           </a:xfrm>
           <a:prstGeom prst="rect">
             <a:avLst/>
@@ -22527,6 +22573,1190 @@
 </p:sld>
 </file>
 
+<file path=ppt/slides/slide134.xml><?xml version="1.0" encoding="utf-8"?>
+<p:sld xmlns:a="http://schemas.openxmlformats.org/drawingml/2006/main" xmlns:r="http://schemas.openxmlformats.org/officeDocument/2006/relationships" xmlns:p="http://schemas.openxmlformats.org/presentationml/2006/main">
+  <p:cSld>
+    <p:spTree>
+      <p:nvGrpSpPr>
+        <p:cNvPr id="1" name=""/>
+        <p:cNvGrpSpPr/>
+        <p:nvPr/>
+      </p:nvGrpSpPr>
+      <p:grpSpPr>
+        <a:xfrm>
+          <a:off x="0" y="0"/>
+          <a:ext cx="0" cy="0"/>
+          <a:chOff x="0" y="0"/>
+          <a:chExt cx="0" cy="0"/>
+        </a:xfrm>
+      </p:grpSpPr>
+      <p:sp>
+        <p:nvSpPr>
+          <p:cNvPr id="2" name="Title 1">
+            <a:extLst>
+              <a:ext uri="{FF2B5EF4-FFF2-40B4-BE49-F238E27FC236}">
+                <a16:creationId xmlns:a16="http://schemas.microsoft.com/office/drawing/2014/main" id="{13C4C6D7-E0C1-4A85-8798-132AA308A6A2}"/>
+              </a:ext>
+            </a:extLst>
+          </p:cNvPr>
+          <p:cNvSpPr>
+            <a:spLocks noGrp="1"/>
+          </p:cNvSpPr>
+          <p:nvPr>
+            <p:ph type="title"/>
+          </p:nvPr>
+        </p:nvSpPr>
+        <p:spPr/>
+        <p:txBody>
+          <a:bodyPr/>
+          <a:lstStyle/>
+          <a:p>
+            <a:r>
+              <a:rPr lang="en-US" dirty="0"/>
+              <a:t>Faceting</a:t>
+            </a:r>
+          </a:p>
+        </p:txBody>
+      </p:sp>
+      <p:sp>
+        <p:nvSpPr>
+          <p:cNvPr id="3" name="Rectangle 2">
+            <a:extLst>
+              <a:ext uri="{FF2B5EF4-FFF2-40B4-BE49-F238E27FC236}">
+                <a16:creationId xmlns:a16="http://schemas.microsoft.com/office/drawing/2014/main" id="{A5D01117-E73B-4666-A5B3-1A0642A15EE5}"/>
+              </a:ext>
+            </a:extLst>
+          </p:cNvPr>
+          <p:cNvSpPr/>
+          <p:nvPr/>
+        </p:nvSpPr>
+        <p:spPr>
+          <a:xfrm>
+            <a:off x="1160205" y="1598956"/>
+            <a:ext cx="8249265" cy="1569660"/>
+          </a:xfrm>
+          <a:prstGeom prst="rect">
+            <a:avLst/>
+          </a:prstGeom>
+        </p:spPr>
+        <p:txBody>
+          <a:bodyPr wrap="square">
+            <a:spAutoFit/>
+          </a:bodyPr>
+          <a:lstStyle/>
+          <a:p>
+            <a:r>
+              <a:rPr lang="en-US" sz="2400" dirty="0" err="1">
+                <a:solidFill>
+                  <a:srgbClr val="444444"/>
+                </a:solidFill>
+                <a:latin typeface="RobotoMono-Regular"/>
+              </a:rPr>
+              <a:t>ggplot</a:t>
+            </a:r>
+            <a:r>
+              <a:rPr lang="en-US" sz="2400" dirty="0">
+                <a:solidFill>
+                  <a:srgbClr val="444444"/>
+                </a:solidFill>
+                <a:latin typeface="RobotoMono-Regular"/>
+              </a:rPr>
+              <a:t>(gapminder_2007, </a:t>
+            </a:r>
+            <a:r>
+              <a:rPr lang="en-US" sz="2400" dirty="0" err="1">
+                <a:solidFill>
+                  <a:srgbClr val="444444"/>
+                </a:solidFill>
+                <a:latin typeface="RobotoMono-Regular"/>
+              </a:rPr>
+              <a:t>aes</a:t>
+            </a:r>
+            <a:r>
+              <a:rPr lang="en-US" sz="2400" dirty="0">
+                <a:solidFill>
+                  <a:srgbClr val="444444"/>
+                </a:solidFill>
+                <a:latin typeface="RobotoMono-Regular"/>
+              </a:rPr>
+              <a:t>(x = </a:t>
+            </a:r>
+            <a:r>
+              <a:rPr lang="en-US" sz="2400" dirty="0" err="1">
+                <a:solidFill>
+                  <a:srgbClr val="444444"/>
+                </a:solidFill>
+                <a:latin typeface="RobotoMono-Regular"/>
+              </a:rPr>
+              <a:t>gdpPercap</a:t>
+            </a:r>
+            <a:r>
+              <a:rPr lang="en-US" sz="2400" dirty="0">
+                <a:solidFill>
+                  <a:srgbClr val="444444"/>
+                </a:solidFill>
+                <a:latin typeface="RobotoMono-Regular"/>
+              </a:rPr>
+              <a:t>, y = </a:t>
+            </a:r>
+            <a:r>
+              <a:rPr lang="en-US" sz="2400" dirty="0" err="1">
+                <a:solidFill>
+                  <a:srgbClr val="444444"/>
+                </a:solidFill>
+                <a:latin typeface="RobotoMono-Regular"/>
+              </a:rPr>
+              <a:t>lifeExp</a:t>
+            </a:r>
+            <a:r>
+              <a:rPr lang="en-US" sz="2400" dirty="0">
+                <a:solidFill>
+                  <a:srgbClr val="444444"/>
+                </a:solidFill>
+                <a:latin typeface="RobotoMono-Regular"/>
+              </a:rPr>
+              <a:t>)) +</a:t>
+            </a:r>
+          </a:p>
+          <a:p>
+            <a:pPr lvl="1"/>
+            <a:r>
+              <a:rPr lang="en-US" sz="2400" dirty="0" err="1">
+                <a:solidFill>
+                  <a:srgbClr val="444444"/>
+                </a:solidFill>
+                <a:latin typeface="RobotoMono-Regular"/>
+              </a:rPr>
+              <a:t>geom_point</a:t>
+            </a:r>
+            <a:r>
+              <a:rPr lang="en-US" sz="2400" dirty="0">
+                <a:solidFill>
+                  <a:srgbClr val="444444"/>
+                </a:solidFill>
+                <a:latin typeface="RobotoMono-Regular"/>
+              </a:rPr>
+              <a:t>() +</a:t>
+            </a:r>
+          </a:p>
+          <a:p>
+            <a:pPr lvl="1"/>
+            <a:r>
+              <a:rPr lang="en-US" sz="2400" dirty="0">
+                <a:solidFill>
+                  <a:srgbClr val="444444"/>
+                </a:solidFill>
+                <a:latin typeface="RobotoMono-Regular"/>
+              </a:rPr>
+              <a:t>scale_x_log10() +</a:t>
+            </a:r>
+          </a:p>
+          <a:p>
+            <a:pPr lvl="1"/>
+            <a:r>
+              <a:rPr lang="en-US" sz="2400" dirty="0" err="1">
+                <a:solidFill>
+                  <a:srgbClr val="444444"/>
+                </a:solidFill>
+                <a:latin typeface="RobotoMono-Regular"/>
+              </a:rPr>
+              <a:t>facet_wrap</a:t>
+            </a:r>
+            <a:r>
+              <a:rPr lang="en-US" sz="2400" dirty="0">
+                <a:solidFill>
+                  <a:srgbClr val="444444"/>
+                </a:solidFill>
+                <a:latin typeface="RobotoMono-Regular"/>
+              </a:rPr>
+              <a:t>(~ continent)</a:t>
+            </a:r>
+            <a:endParaRPr lang="en-US" sz="2400" dirty="0"/>
+          </a:p>
+        </p:txBody>
+      </p:sp>
+      <p:pic>
+        <p:nvPicPr>
+          <p:cNvPr id="4" name="Picture 3">
+            <a:extLst>
+              <a:ext uri="{FF2B5EF4-FFF2-40B4-BE49-F238E27FC236}">
+                <a16:creationId xmlns:a16="http://schemas.microsoft.com/office/drawing/2014/main" id="{19CCB896-B9B7-4D3F-8D94-C09432E8851F}"/>
+              </a:ext>
+            </a:extLst>
+          </p:cNvPr>
+          <p:cNvPicPr>
+            <a:picLocks noChangeAspect="1"/>
+          </p:cNvPicPr>
+          <p:nvPr/>
+        </p:nvPicPr>
+        <p:blipFill>
+          <a:blip r:embed="rId2"/>
+          <a:stretch>
+            <a:fillRect/>
+          </a:stretch>
+        </p:blipFill>
+        <p:spPr>
+          <a:xfrm>
+            <a:off x="5880697" y="2225032"/>
+            <a:ext cx="5151098" cy="4045433"/>
+          </a:xfrm>
+          <a:prstGeom prst="rect">
+            <a:avLst/>
+          </a:prstGeom>
+        </p:spPr>
+      </p:pic>
+    </p:spTree>
+    <p:extLst>
+      <p:ext uri="{BB962C8B-B14F-4D97-AF65-F5344CB8AC3E}">
+        <p14:creationId xmlns:p14="http://schemas.microsoft.com/office/powerpoint/2010/main" val="1945357456"/>
+      </p:ext>
+    </p:extLst>
+  </p:cSld>
+  <p:clrMapOvr>
+    <a:masterClrMapping/>
+  </p:clrMapOvr>
+</p:sld>
+</file>
+
+<file path=ppt/slides/slide135.xml><?xml version="1.0" encoding="utf-8"?>
+<p:sld xmlns:a="http://schemas.openxmlformats.org/drawingml/2006/main" xmlns:r="http://schemas.openxmlformats.org/officeDocument/2006/relationships" xmlns:p="http://schemas.openxmlformats.org/presentationml/2006/main">
+  <p:cSld>
+    <p:spTree>
+      <p:nvGrpSpPr>
+        <p:cNvPr id="1" name=""/>
+        <p:cNvGrpSpPr/>
+        <p:nvPr/>
+      </p:nvGrpSpPr>
+      <p:grpSpPr>
+        <a:xfrm>
+          <a:off x="0" y="0"/>
+          <a:ext cx="0" cy="0"/>
+          <a:chOff x="0" y="0"/>
+          <a:chExt cx="0" cy="0"/>
+        </a:xfrm>
+      </p:grpSpPr>
+      <p:sp>
+        <p:nvSpPr>
+          <p:cNvPr id="2" name="Title 1">
+            <a:extLst>
+              <a:ext uri="{FF2B5EF4-FFF2-40B4-BE49-F238E27FC236}">
+                <a16:creationId xmlns:a16="http://schemas.microsoft.com/office/drawing/2014/main" id="{13C4C6D7-E0C1-4A85-8798-132AA308A6A2}"/>
+              </a:ext>
+            </a:extLst>
+          </p:cNvPr>
+          <p:cNvSpPr>
+            <a:spLocks noGrp="1"/>
+          </p:cNvSpPr>
+          <p:nvPr>
+            <p:ph type="title"/>
+          </p:nvPr>
+        </p:nvSpPr>
+        <p:spPr/>
+        <p:txBody>
+          <a:bodyPr/>
+          <a:lstStyle/>
+          <a:p>
+            <a:r>
+              <a:rPr lang="en-US" dirty="0"/>
+              <a:t>Time to Practice - Faceting by year</a:t>
+            </a:r>
+          </a:p>
+        </p:txBody>
+      </p:sp>
+      <p:pic>
+        <p:nvPicPr>
+          <p:cNvPr id="6" name="Picture 5">
+            <a:extLst>
+              <a:ext uri="{FF2B5EF4-FFF2-40B4-BE49-F238E27FC236}">
+                <a16:creationId xmlns:a16="http://schemas.microsoft.com/office/drawing/2014/main" id="{2E3478F5-0A4F-47D9-A6CB-237DAC088083}"/>
+              </a:ext>
+            </a:extLst>
+          </p:cNvPr>
+          <p:cNvPicPr>
+            <a:picLocks noChangeAspect="1"/>
+          </p:cNvPicPr>
+          <p:nvPr/>
+        </p:nvPicPr>
+        <p:blipFill>
+          <a:blip r:embed="rId2"/>
+          <a:stretch>
+            <a:fillRect/>
+          </a:stretch>
+        </p:blipFill>
+        <p:spPr>
+          <a:xfrm>
+            <a:off x="1982033" y="1458378"/>
+            <a:ext cx="8227934" cy="5275107"/>
+          </a:xfrm>
+          <a:prstGeom prst="rect">
+            <a:avLst/>
+          </a:prstGeom>
+        </p:spPr>
+      </p:pic>
+    </p:spTree>
+    <p:extLst>
+      <p:ext uri="{BB962C8B-B14F-4D97-AF65-F5344CB8AC3E}">
+        <p14:creationId xmlns:p14="http://schemas.microsoft.com/office/powerpoint/2010/main" val="892645569"/>
+      </p:ext>
+    </p:extLst>
+  </p:cSld>
+  <p:clrMapOvr>
+    <a:masterClrMapping/>
+  </p:clrMapOvr>
+</p:sld>
+</file>
+
+<file path=ppt/slides/slide136.xml><?xml version="1.0" encoding="utf-8"?>
+<p:sld xmlns:a="http://schemas.openxmlformats.org/drawingml/2006/main" xmlns:r="http://schemas.openxmlformats.org/officeDocument/2006/relationships" xmlns:p="http://schemas.openxmlformats.org/presentationml/2006/main">
+  <p:cSld>
+    <p:spTree>
+      <p:nvGrpSpPr>
+        <p:cNvPr id="1" name=""/>
+        <p:cNvGrpSpPr/>
+        <p:nvPr/>
+      </p:nvGrpSpPr>
+      <p:grpSpPr>
+        <a:xfrm>
+          <a:off x="0" y="0"/>
+          <a:ext cx="0" cy="0"/>
+          <a:chOff x="0" y="0"/>
+          <a:chExt cx="0" cy="0"/>
+        </a:xfrm>
+      </p:grpSpPr>
+      <p:sp>
+        <p:nvSpPr>
+          <p:cNvPr id="2" name="Title 1">
+            <a:extLst>
+              <a:ext uri="{FF2B5EF4-FFF2-40B4-BE49-F238E27FC236}">
+                <a16:creationId xmlns:a16="http://schemas.microsoft.com/office/drawing/2014/main" id="{13C4C6D7-E0C1-4A85-8798-132AA308A6A2}"/>
+              </a:ext>
+            </a:extLst>
+          </p:cNvPr>
+          <p:cNvSpPr>
+            <a:spLocks noGrp="1"/>
+          </p:cNvSpPr>
+          <p:nvPr>
+            <p:ph type="title"/>
+          </p:nvPr>
+        </p:nvSpPr>
+        <p:spPr/>
+        <p:txBody>
+          <a:bodyPr/>
+          <a:lstStyle/>
+          <a:p>
+            <a:r>
+              <a:rPr lang="en-US" dirty="0"/>
+              <a:t>Time to Practice - Faceting by year - </a:t>
+            </a:r>
+            <a:r>
+              <a:rPr lang="en-US" dirty="0" err="1"/>
+              <a:t>Solu</a:t>
+            </a:r>
+            <a:endParaRPr lang="en-US" dirty="0"/>
+          </a:p>
+        </p:txBody>
+      </p:sp>
+      <p:sp>
+        <p:nvSpPr>
+          <p:cNvPr id="3" name="Rectangle 2">
+            <a:extLst>
+              <a:ext uri="{FF2B5EF4-FFF2-40B4-BE49-F238E27FC236}">
+                <a16:creationId xmlns:a16="http://schemas.microsoft.com/office/drawing/2014/main" id="{EEE96BA7-DF93-44D6-8D25-A5EB4A18B098}"/>
+              </a:ext>
+            </a:extLst>
+          </p:cNvPr>
+          <p:cNvSpPr/>
+          <p:nvPr/>
+        </p:nvSpPr>
+        <p:spPr>
+          <a:xfrm>
+            <a:off x="1158055" y="1475205"/>
+            <a:ext cx="8708615" cy="4893647"/>
+          </a:xfrm>
+          <a:prstGeom prst="rect">
+            <a:avLst/>
+          </a:prstGeom>
+        </p:spPr>
+        <p:txBody>
+          <a:bodyPr wrap="square">
+            <a:spAutoFit/>
+          </a:bodyPr>
+          <a:lstStyle/>
+          <a:p>
+            <a:r>
+              <a:rPr lang="en-US" sz="2400" dirty="0"/>
+              <a:t>library(</a:t>
+            </a:r>
+            <a:r>
+              <a:rPr lang="en-US" sz="2400" dirty="0" err="1"/>
+              <a:t>gapminder</a:t>
+            </a:r>
+            <a:r>
+              <a:rPr lang="en-US" sz="2400" dirty="0"/>
+              <a:t>)</a:t>
+            </a:r>
+          </a:p>
+          <a:p>
+            <a:r>
+              <a:rPr lang="en-US" sz="2400" dirty="0"/>
+              <a:t>library(</a:t>
+            </a:r>
+            <a:r>
+              <a:rPr lang="en-US" sz="2400" dirty="0" err="1"/>
+              <a:t>dplyr</a:t>
+            </a:r>
+            <a:r>
+              <a:rPr lang="en-US" sz="2400" dirty="0"/>
+              <a:t>)</a:t>
+            </a:r>
+          </a:p>
+          <a:p>
+            <a:r>
+              <a:rPr lang="en-US" sz="2400" dirty="0"/>
+              <a:t>library(ggplot2)</a:t>
+            </a:r>
+          </a:p>
+          <a:p>
+            <a:endParaRPr lang="en-US" sz="2400" dirty="0"/>
+          </a:p>
+          <a:p>
+            <a:r>
+              <a:rPr lang="en-US" sz="2400" dirty="0"/>
+              <a:t># Scatter plot comparing </a:t>
+            </a:r>
+            <a:r>
+              <a:rPr lang="en-US" sz="2400" dirty="0" err="1"/>
+              <a:t>gdpPercap</a:t>
+            </a:r>
+            <a:r>
+              <a:rPr lang="en-US" sz="2400" dirty="0"/>
+              <a:t> and </a:t>
+            </a:r>
+            <a:r>
+              <a:rPr lang="en-US" sz="2400" dirty="0" err="1"/>
+              <a:t>lifeExp</a:t>
+            </a:r>
+            <a:r>
+              <a:rPr lang="en-US" sz="2400" dirty="0"/>
+              <a:t>, with color representing continent# and size representing population, faceted by year</a:t>
+            </a:r>
+          </a:p>
+          <a:p>
+            <a:endParaRPr lang="en-US" sz="2400" dirty="0"/>
+          </a:p>
+          <a:p>
+            <a:r>
+              <a:rPr lang="en-US" sz="2400" dirty="0" err="1"/>
+              <a:t>ggplot</a:t>
+            </a:r>
+            <a:r>
+              <a:rPr lang="en-US" sz="2400" dirty="0"/>
+              <a:t>(</a:t>
+            </a:r>
+            <a:r>
+              <a:rPr lang="en-US" sz="2400" dirty="0" err="1"/>
+              <a:t>gapminder</a:t>
+            </a:r>
+            <a:r>
+              <a:rPr lang="en-US" sz="2400" dirty="0"/>
+              <a:t>, </a:t>
+            </a:r>
+            <a:r>
+              <a:rPr lang="en-US" sz="2400" dirty="0" err="1"/>
+              <a:t>aes</a:t>
+            </a:r>
+            <a:r>
+              <a:rPr lang="en-US" sz="2400" dirty="0"/>
+              <a:t>(x = </a:t>
+            </a:r>
+            <a:r>
+              <a:rPr lang="en-US" sz="2400" dirty="0" err="1"/>
+              <a:t>gdpPercap</a:t>
+            </a:r>
+            <a:r>
+              <a:rPr lang="en-US" sz="2400" dirty="0"/>
+              <a:t>, y = </a:t>
+            </a:r>
+            <a:r>
+              <a:rPr lang="en-US" sz="2400" dirty="0" err="1"/>
+              <a:t>lifeExp</a:t>
+            </a:r>
+            <a:r>
+              <a:rPr lang="en-US" sz="2400" dirty="0"/>
+              <a:t>, color = continent, size = pop)) +  </a:t>
+            </a:r>
+          </a:p>
+          <a:p>
+            <a:pPr lvl="1"/>
+            <a:r>
+              <a:rPr lang="en-US" sz="2400" dirty="0" err="1"/>
+              <a:t>geom_point</a:t>
+            </a:r>
+            <a:r>
+              <a:rPr lang="en-US" sz="2400" dirty="0"/>
+              <a:t>() +  </a:t>
+            </a:r>
+          </a:p>
+          <a:p>
+            <a:pPr lvl="1"/>
+            <a:r>
+              <a:rPr lang="en-US" sz="2400" dirty="0"/>
+              <a:t>scale_x_log10() +  </a:t>
+            </a:r>
+          </a:p>
+          <a:p>
+            <a:pPr lvl="1"/>
+            <a:r>
+              <a:rPr lang="en-US" sz="2400" dirty="0" err="1"/>
+              <a:t>facet_wrap</a:t>
+            </a:r>
+            <a:r>
+              <a:rPr lang="en-US" sz="2400" dirty="0"/>
+              <a:t>(~ year)</a:t>
+            </a:r>
+          </a:p>
+        </p:txBody>
+      </p:sp>
+    </p:spTree>
+    <p:extLst>
+      <p:ext uri="{BB962C8B-B14F-4D97-AF65-F5344CB8AC3E}">
+        <p14:creationId xmlns:p14="http://schemas.microsoft.com/office/powerpoint/2010/main" val="386268280"/>
+      </p:ext>
+    </p:extLst>
+  </p:cSld>
+  <p:clrMapOvr>
+    <a:masterClrMapping/>
+  </p:clrMapOvr>
+</p:sld>
+</file>
+
+<file path=ppt/slides/slide137.xml><?xml version="1.0" encoding="utf-8"?>
+<p:sld xmlns:a="http://schemas.openxmlformats.org/drawingml/2006/main" xmlns:r="http://schemas.openxmlformats.org/officeDocument/2006/relationships" xmlns:p="http://schemas.openxmlformats.org/presentationml/2006/main">
+  <p:cSld>
+    <p:spTree>
+      <p:nvGrpSpPr>
+        <p:cNvPr id="1" name=""/>
+        <p:cNvGrpSpPr/>
+        <p:nvPr/>
+      </p:nvGrpSpPr>
+      <p:grpSpPr>
+        <a:xfrm>
+          <a:off x="0" y="0"/>
+          <a:ext cx="0" cy="0"/>
+          <a:chOff x="0" y="0"/>
+          <a:chExt cx="0" cy="0"/>
+        </a:xfrm>
+      </p:grpSpPr>
+      <p:sp>
+        <p:nvSpPr>
+          <p:cNvPr id="2" name="Title 1">
+            <a:extLst>
+              <a:ext uri="{FF2B5EF4-FFF2-40B4-BE49-F238E27FC236}">
+                <a16:creationId xmlns:a16="http://schemas.microsoft.com/office/drawing/2014/main" id="{E0F1377B-5431-4211-A5A8-7BA5A56BF605}"/>
+              </a:ext>
+            </a:extLst>
+          </p:cNvPr>
+          <p:cNvSpPr>
+            <a:spLocks noGrp="1"/>
+          </p:cNvSpPr>
+          <p:nvPr>
+            <p:ph type="title"/>
+          </p:nvPr>
+        </p:nvSpPr>
+        <p:spPr/>
+        <p:txBody>
+          <a:bodyPr/>
+          <a:lstStyle/>
+          <a:p>
+            <a:r>
+              <a:rPr lang="en-US" dirty="0"/>
+              <a:t>Summarize</a:t>
+            </a:r>
+          </a:p>
+        </p:txBody>
+      </p:sp>
+      <p:pic>
+        <p:nvPicPr>
+          <p:cNvPr id="3" name="Picture 2">
+            <a:extLst>
+              <a:ext uri="{FF2B5EF4-FFF2-40B4-BE49-F238E27FC236}">
+                <a16:creationId xmlns:a16="http://schemas.microsoft.com/office/drawing/2014/main" id="{5D432B12-3AC8-4490-8A10-E68C7209D7C8}"/>
+              </a:ext>
+            </a:extLst>
+          </p:cNvPr>
+          <p:cNvPicPr>
+            <a:picLocks noChangeAspect="1"/>
+          </p:cNvPicPr>
+          <p:nvPr/>
+        </p:nvPicPr>
+        <p:blipFill>
+          <a:blip r:embed="rId2"/>
+          <a:stretch>
+            <a:fillRect/>
+          </a:stretch>
+        </p:blipFill>
+        <p:spPr>
+          <a:xfrm>
+            <a:off x="615174" y="2452687"/>
+            <a:ext cx="10162364" cy="2119313"/>
+          </a:xfrm>
+          <a:prstGeom prst="rect">
+            <a:avLst/>
+          </a:prstGeom>
+        </p:spPr>
+      </p:pic>
+    </p:spTree>
+    <p:extLst>
+      <p:ext uri="{BB962C8B-B14F-4D97-AF65-F5344CB8AC3E}">
+        <p14:creationId xmlns:p14="http://schemas.microsoft.com/office/powerpoint/2010/main" val="2208137534"/>
+      </p:ext>
+    </p:extLst>
+  </p:cSld>
+  <p:clrMapOvr>
+    <a:masterClrMapping/>
+  </p:clrMapOvr>
+</p:sld>
+</file>
+
+<file path=ppt/slides/slide138.xml><?xml version="1.0" encoding="utf-8"?>
+<p:sld xmlns:a="http://schemas.openxmlformats.org/drawingml/2006/main" xmlns:r="http://schemas.openxmlformats.org/officeDocument/2006/relationships" xmlns:p="http://schemas.openxmlformats.org/presentationml/2006/main">
+  <p:cSld>
+    <p:spTree>
+      <p:nvGrpSpPr>
+        <p:cNvPr id="1" name=""/>
+        <p:cNvGrpSpPr/>
+        <p:nvPr/>
+      </p:nvGrpSpPr>
+      <p:grpSpPr>
+        <a:xfrm>
+          <a:off x="0" y="0"/>
+          <a:ext cx="0" cy="0"/>
+          <a:chOff x="0" y="0"/>
+          <a:chExt cx="0" cy="0"/>
+        </a:xfrm>
+      </p:grpSpPr>
+      <p:sp>
+        <p:nvSpPr>
+          <p:cNvPr id="2" name="Title 1">
+            <a:extLst>
+              <a:ext uri="{FF2B5EF4-FFF2-40B4-BE49-F238E27FC236}">
+                <a16:creationId xmlns:a16="http://schemas.microsoft.com/office/drawing/2014/main" id="{70D8D313-BD77-41E6-B3C3-37EE3A57E4D7}"/>
+              </a:ext>
+            </a:extLst>
+          </p:cNvPr>
+          <p:cNvSpPr>
+            <a:spLocks noGrp="1"/>
+          </p:cNvSpPr>
+          <p:nvPr>
+            <p:ph type="title"/>
+          </p:nvPr>
+        </p:nvSpPr>
+        <p:spPr/>
+        <p:txBody>
+          <a:bodyPr/>
+          <a:lstStyle/>
+          <a:p>
+            <a:r>
+              <a:rPr lang="en-US" dirty="0"/>
+              <a:t>Summarize</a:t>
+            </a:r>
+          </a:p>
+        </p:txBody>
+      </p:sp>
+      <p:sp>
+        <p:nvSpPr>
+          <p:cNvPr id="3" name="Rectangle 2">
+            <a:extLst>
+              <a:ext uri="{FF2B5EF4-FFF2-40B4-BE49-F238E27FC236}">
+                <a16:creationId xmlns:a16="http://schemas.microsoft.com/office/drawing/2014/main" id="{128C36D3-FD30-4232-8C86-76D449282970}"/>
+              </a:ext>
+            </a:extLst>
+          </p:cNvPr>
+          <p:cNvSpPr/>
+          <p:nvPr/>
+        </p:nvSpPr>
+        <p:spPr>
+          <a:xfrm>
+            <a:off x="997973" y="1342554"/>
+            <a:ext cx="10972799" cy="954107"/>
+          </a:xfrm>
+          <a:prstGeom prst="rect">
+            <a:avLst/>
+          </a:prstGeom>
+        </p:spPr>
+        <p:txBody>
+          <a:bodyPr wrap="square">
+            <a:spAutoFit/>
+          </a:bodyPr>
+          <a:lstStyle/>
+          <a:p>
+            <a:r>
+              <a:rPr lang="en-US" sz="2800" dirty="0"/>
+              <a:t>Use the </a:t>
+            </a:r>
+            <a:r>
+              <a:rPr lang="en-US" sz="2800" i="1" dirty="0"/>
+              <a:t>median</a:t>
+            </a:r>
+            <a:r>
+              <a:rPr lang="en-US" sz="2800" dirty="0"/>
+              <a:t>() function within a </a:t>
+            </a:r>
+            <a:r>
+              <a:rPr lang="en-US" sz="2800" i="1" dirty="0"/>
+              <a:t>summarize</a:t>
+            </a:r>
+            <a:r>
+              <a:rPr lang="en-US" sz="2800" dirty="0"/>
+              <a:t>() to find the median life expectancy. Save it into a column called </a:t>
+            </a:r>
+            <a:r>
+              <a:rPr lang="en-US" sz="2800" i="1" dirty="0" err="1"/>
+              <a:t>medianLifeExp</a:t>
+            </a:r>
+            <a:endParaRPr lang="en-US" sz="2800" i="1" dirty="0"/>
+          </a:p>
+        </p:txBody>
+      </p:sp>
+      <p:pic>
+        <p:nvPicPr>
+          <p:cNvPr id="4" name="Picture 3">
+            <a:extLst>
+              <a:ext uri="{FF2B5EF4-FFF2-40B4-BE49-F238E27FC236}">
+                <a16:creationId xmlns:a16="http://schemas.microsoft.com/office/drawing/2014/main" id="{9FC3000B-9607-4C72-88DB-B75AAA4030E8}"/>
+              </a:ext>
+            </a:extLst>
+          </p:cNvPr>
+          <p:cNvPicPr>
+            <a:picLocks noChangeAspect="1"/>
+          </p:cNvPicPr>
+          <p:nvPr/>
+        </p:nvPicPr>
+        <p:blipFill>
+          <a:blip r:embed="rId2"/>
+          <a:stretch>
+            <a:fillRect/>
+          </a:stretch>
+        </p:blipFill>
+        <p:spPr>
+          <a:xfrm>
+            <a:off x="4224798" y="5127532"/>
+            <a:ext cx="2857500" cy="1247775"/>
+          </a:xfrm>
+          <a:prstGeom prst="rect">
+            <a:avLst/>
+          </a:prstGeom>
+        </p:spPr>
+      </p:pic>
+      <p:sp>
+        <p:nvSpPr>
+          <p:cNvPr id="5" name="Rectangle 4">
+            <a:extLst>
+              <a:ext uri="{FF2B5EF4-FFF2-40B4-BE49-F238E27FC236}">
+                <a16:creationId xmlns:a16="http://schemas.microsoft.com/office/drawing/2014/main" id="{26812EEA-2714-4028-8B44-FAC3C8B0E294}"/>
+              </a:ext>
+            </a:extLst>
+          </p:cNvPr>
+          <p:cNvSpPr/>
+          <p:nvPr/>
+        </p:nvSpPr>
+        <p:spPr>
+          <a:xfrm>
+            <a:off x="1029314" y="2505670"/>
+            <a:ext cx="7952454" cy="2308324"/>
+          </a:xfrm>
+          <a:prstGeom prst="rect">
+            <a:avLst/>
+          </a:prstGeom>
+        </p:spPr>
+        <p:txBody>
+          <a:bodyPr wrap="square">
+            <a:spAutoFit/>
+          </a:bodyPr>
+          <a:lstStyle/>
+          <a:p>
+            <a:r>
+              <a:rPr lang="en-US" sz="2400" dirty="0">
+                <a:solidFill>
+                  <a:srgbClr val="0070C0"/>
+                </a:solidFill>
+              </a:rPr>
+              <a:t>library(</a:t>
+            </a:r>
+            <a:r>
+              <a:rPr lang="en-US" sz="2400" dirty="0" err="1">
+                <a:solidFill>
+                  <a:srgbClr val="0070C0"/>
+                </a:solidFill>
+              </a:rPr>
+              <a:t>gapminder</a:t>
+            </a:r>
+            <a:r>
+              <a:rPr lang="en-US" sz="2400" dirty="0">
+                <a:solidFill>
+                  <a:srgbClr val="0070C0"/>
+                </a:solidFill>
+              </a:rPr>
+              <a:t>)</a:t>
+            </a:r>
+          </a:p>
+          <a:p>
+            <a:r>
+              <a:rPr lang="en-US" sz="2400" dirty="0">
+                <a:solidFill>
+                  <a:srgbClr val="0070C0"/>
+                </a:solidFill>
+              </a:rPr>
+              <a:t>library(</a:t>
+            </a:r>
+            <a:r>
+              <a:rPr lang="en-US" sz="2400" dirty="0" err="1">
+                <a:solidFill>
+                  <a:srgbClr val="0070C0"/>
+                </a:solidFill>
+              </a:rPr>
+              <a:t>dplyr</a:t>
+            </a:r>
+            <a:r>
+              <a:rPr lang="en-US" sz="2400" dirty="0">
+                <a:solidFill>
+                  <a:srgbClr val="0070C0"/>
+                </a:solidFill>
+              </a:rPr>
+              <a:t>)</a:t>
+            </a:r>
+          </a:p>
+          <a:p>
+            <a:endParaRPr lang="en-US" sz="2400" dirty="0"/>
+          </a:p>
+          <a:p>
+            <a:r>
+              <a:rPr lang="en-US" sz="2400" dirty="0"/>
+              <a:t># Summarize to find the median life expectancy</a:t>
+            </a:r>
+          </a:p>
+          <a:p>
+            <a:r>
+              <a:rPr lang="en-US" sz="2400" dirty="0" err="1">
+                <a:solidFill>
+                  <a:srgbClr val="0070C0"/>
+                </a:solidFill>
+              </a:rPr>
+              <a:t>gapminder</a:t>
+            </a:r>
+            <a:r>
+              <a:rPr lang="en-US" sz="2400" dirty="0">
+                <a:solidFill>
+                  <a:srgbClr val="0070C0"/>
+                </a:solidFill>
+              </a:rPr>
+              <a:t> %&gt;%  </a:t>
+            </a:r>
+          </a:p>
+          <a:p>
+            <a:r>
+              <a:rPr lang="en-US" sz="2400" dirty="0">
+                <a:solidFill>
+                  <a:srgbClr val="0070C0"/>
+                </a:solidFill>
+              </a:rPr>
+              <a:t>	summarize(</a:t>
+            </a:r>
+            <a:r>
+              <a:rPr lang="en-US" sz="2400" dirty="0" err="1">
+                <a:solidFill>
+                  <a:srgbClr val="0070C0"/>
+                </a:solidFill>
+              </a:rPr>
+              <a:t>medianLifeExp</a:t>
+            </a:r>
+            <a:r>
+              <a:rPr lang="en-US" sz="2400" dirty="0">
+                <a:solidFill>
+                  <a:srgbClr val="0070C0"/>
+                </a:solidFill>
+              </a:rPr>
+              <a:t> = median(</a:t>
+            </a:r>
+            <a:r>
+              <a:rPr lang="en-US" sz="2400" dirty="0" err="1">
+                <a:solidFill>
+                  <a:srgbClr val="0070C0"/>
+                </a:solidFill>
+              </a:rPr>
+              <a:t>lifeExp</a:t>
+            </a:r>
+            <a:r>
+              <a:rPr lang="en-US" sz="2400" dirty="0">
+                <a:solidFill>
+                  <a:srgbClr val="0070C0"/>
+                </a:solidFill>
+              </a:rPr>
+              <a:t>))</a:t>
+            </a:r>
+          </a:p>
+        </p:txBody>
+      </p:sp>
+    </p:spTree>
+    <p:extLst>
+      <p:ext uri="{BB962C8B-B14F-4D97-AF65-F5344CB8AC3E}">
+        <p14:creationId xmlns:p14="http://schemas.microsoft.com/office/powerpoint/2010/main" val="384543663"/>
+      </p:ext>
+    </p:extLst>
+  </p:cSld>
+  <p:clrMapOvr>
+    <a:masterClrMapping/>
+  </p:clrMapOvr>
+</p:sld>
+</file>
+
+<file path=ppt/slides/slide139.xml><?xml version="1.0" encoding="utf-8"?>
+<p:sld xmlns:a="http://schemas.openxmlformats.org/drawingml/2006/main" xmlns:r="http://schemas.openxmlformats.org/officeDocument/2006/relationships" xmlns:p="http://schemas.openxmlformats.org/presentationml/2006/main">
+  <p:cSld>
+    <p:spTree>
+      <p:nvGrpSpPr>
+        <p:cNvPr id="1" name=""/>
+        <p:cNvGrpSpPr/>
+        <p:nvPr/>
+      </p:nvGrpSpPr>
+      <p:grpSpPr>
+        <a:xfrm>
+          <a:off x="0" y="0"/>
+          <a:ext cx="0" cy="0"/>
+          <a:chOff x="0" y="0"/>
+          <a:chExt cx="0" cy="0"/>
+        </a:xfrm>
+      </p:grpSpPr>
+      <p:sp>
+        <p:nvSpPr>
+          <p:cNvPr id="2" name="Title 1">
+            <a:extLst>
+              <a:ext uri="{FF2B5EF4-FFF2-40B4-BE49-F238E27FC236}">
+                <a16:creationId xmlns:a16="http://schemas.microsoft.com/office/drawing/2014/main" id="{70D8D313-BD77-41E6-B3C3-37EE3A57E4D7}"/>
+              </a:ext>
+            </a:extLst>
+          </p:cNvPr>
+          <p:cNvSpPr>
+            <a:spLocks noGrp="1"/>
+          </p:cNvSpPr>
+          <p:nvPr>
+            <p:ph type="title"/>
+          </p:nvPr>
+        </p:nvSpPr>
+        <p:spPr/>
+        <p:txBody>
+          <a:bodyPr/>
+          <a:lstStyle/>
+          <a:p>
+            <a:r>
+              <a:rPr lang="en-US" dirty="0"/>
+              <a:t>Summarize one year </a:t>
+            </a:r>
+          </a:p>
+        </p:txBody>
+      </p:sp>
+      <p:sp>
+        <p:nvSpPr>
+          <p:cNvPr id="5" name="Rectangle 4">
+            <a:extLst>
+              <a:ext uri="{FF2B5EF4-FFF2-40B4-BE49-F238E27FC236}">
+                <a16:creationId xmlns:a16="http://schemas.microsoft.com/office/drawing/2014/main" id="{26812EEA-2714-4028-8B44-FAC3C8B0E294}"/>
+              </a:ext>
+            </a:extLst>
+          </p:cNvPr>
+          <p:cNvSpPr/>
+          <p:nvPr/>
+        </p:nvSpPr>
+        <p:spPr>
+          <a:xfrm>
+            <a:off x="997973" y="2449876"/>
+            <a:ext cx="7952454" cy="2677656"/>
+          </a:xfrm>
+          <a:prstGeom prst="rect">
+            <a:avLst/>
+          </a:prstGeom>
+        </p:spPr>
+        <p:txBody>
+          <a:bodyPr wrap="square">
+            <a:spAutoFit/>
+          </a:bodyPr>
+          <a:lstStyle/>
+          <a:p>
+            <a:r>
+              <a:rPr lang="en-US" sz="2400" dirty="0">
+                <a:solidFill>
+                  <a:srgbClr val="0070C0"/>
+                </a:solidFill>
+              </a:rPr>
+              <a:t>library(</a:t>
+            </a:r>
+            <a:r>
+              <a:rPr lang="en-US" sz="2400" dirty="0" err="1">
+                <a:solidFill>
+                  <a:srgbClr val="0070C0"/>
+                </a:solidFill>
+              </a:rPr>
+              <a:t>gapminder</a:t>
+            </a:r>
+            <a:r>
+              <a:rPr lang="en-US" sz="2400" dirty="0">
+                <a:solidFill>
+                  <a:srgbClr val="0070C0"/>
+                </a:solidFill>
+              </a:rPr>
+              <a:t>)</a:t>
+            </a:r>
+          </a:p>
+          <a:p>
+            <a:r>
+              <a:rPr lang="en-US" sz="2400" dirty="0">
+                <a:solidFill>
+                  <a:srgbClr val="0070C0"/>
+                </a:solidFill>
+              </a:rPr>
+              <a:t>library(</a:t>
+            </a:r>
+            <a:r>
+              <a:rPr lang="en-US" sz="2400" dirty="0" err="1">
+                <a:solidFill>
+                  <a:srgbClr val="0070C0"/>
+                </a:solidFill>
+              </a:rPr>
+              <a:t>dplyr</a:t>
+            </a:r>
+            <a:r>
+              <a:rPr lang="en-US" sz="2400" dirty="0">
+                <a:solidFill>
+                  <a:srgbClr val="0070C0"/>
+                </a:solidFill>
+              </a:rPr>
+              <a:t>)</a:t>
+            </a:r>
+          </a:p>
+          <a:p>
+            <a:endParaRPr lang="en-US" sz="2400" dirty="0"/>
+          </a:p>
+          <a:p>
+            <a:r>
+              <a:rPr lang="en-US" sz="2400" dirty="0"/>
+              <a:t># Summarize to find the median life expectancy</a:t>
+            </a:r>
+          </a:p>
+          <a:p>
+            <a:r>
+              <a:rPr lang="en-US" sz="2400" dirty="0" err="1">
+                <a:solidFill>
+                  <a:srgbClr val="0070C0"/>
+                </a:solidFill>
+              </a:rPr>
+              <a:t>gapminder</a:t>
+            </a:r>
+            <a:r>
+              <a:rPr lang="en-US" sz="2400" dirty="0">
+                <a:solidFill>
+                  <a:srgbClr val="0070C0"/>
+                </a:solidFill>
+              </a:rPr>
+              <a:t> %&gt;% </a:t>
+            </a:r>
+          </a:p>
+          <a:p>
+            <a:r>
+              <a:rPr lang="en-US" sz="2400" dirty="0">
+                <a:solidFill>
+                  <a:srgbClr val="0070C0"/>
+                </a:solidFill>
+              </a:rPr>
+              <a:t>	filter(year == 2007) %&gt;% </a:t>
+            </a:r>
+          </a:p>
+          <a:p>
+            <a:r>
+              <a:rPr lang="en-US" sz="2400" dirty="0">
+                <a:solidFill>
+                  <a:srgbClr val="0070C0"/>
+                </a:solidFill>
+              </a:rPr>
+              <a:t>	summarize(</a:t>
+            </a:r>
+            <a:r>
+              <a:rPr lang="en-US" sz="2400" dirty="0" err="1">
+                <a:solidFill>
+                  <a:srgbClr val="0070C0"/>
+                </a:solidFill>
+              </a:rPr>
+              <a:t>medianLifeExp</a:t>
+            </a:r>
+            <a:r>
+              <a:rPr lang="en-US" sz="2400" dirty="0">
+                <a:solidFill>
+                  <a:srgbClr val="0070C0"/>
+                </a:solidFill>
+              </a:rPr>
+              <a:t> = median(</a:t>
+            </a:r>
+            <a:r>
+              <a:rPr lang="en-US" sz="2400" dirty="0" err="1">
+                <a:solidFill>
+                  <a:srgbClr val="0070C0"/>
+                </a:solidFill>
+              </a:rPr>
+              <a:t>lifeExp</a:t>
+            </a:r>
+            <a:r>
+              <a:rPr lang="en-US" sz="2400" dirty="0">
+                <a:solidFill>
+                  <a:srgbClr val="0070C0"/>
+                </a:solidFill>
+              </a:rPr>
+              <a:t>))</a:t>
+            </a:r>
+          </a:p>
+        </p:txBody>
+      </p:sp>
+      <p:pic>
+        <p:nvPicPr>
+          <p:cNvPr id="6" name="Picture 5">
+            <a:extLst>
+              <a:ext uri="{FF2B5EF4-FFF2-40B4-BE49-F238E27FC236}">
+                <a16:creationId xmlns:a16="http://schemas.microsoft.com/office/drawing/2014/main" id="{16CB222F-5E3C-4E55-AAB1-B2CF1F0C2307}"/>
+              </a:ext>
+            </a:extLst>
+          </p:cNvPr>
+          <p:cNvPicPr>
+            <a:picLocks noChangeAspect="1"/>
+          </p:cNvPicPr>
+          <p:nvPr/>
+        </p:nvPicPr>
+        <p:blipFill>
+          <a:blip r:embed="rId2"/>
+          <a:stretch>
+            <a:fillRect/>
+          </a:stretch>
+        </p:blipFill>
+        <p:spPr>
+          <a:xfrm>
+            <a:off x="7389556" y="5280747"/>
+            <a:ext cx="2781300" cy="1190625"/>
+          </a:xfrm>
+          <a:prstGeom prst="rect">
+            <a:avLst/>
+          </a:prstGeom>
+        </p:spPr>
+      </p:pic>
+    </p:spTree>
+    <p:extLst>
+      <p:ext uri="{BB962C8B-B14F-4D97-AF65-F5344CB8AC3E}">
+        <p14:creationId xmlns:p14="http://schemas.microsoft.com/office/powerpoint/2010/main" val="1279661565"/>
+      </p:ext>
+    </p:extLst>
+  </p:cSld>
+  <p:clrMapOvr>
+    <a:masterClrMapping/>
+  </p:clrMapOvr>
+</p:sld>
+</file>
+
 <file path=ppt/slides/slide14.xml><?xml version="1.0" encoding="utf-8"?>
 <p:sld xmlns:a="http://schemas.openxmlformats.org/drawingml/2006/main" xmlns:r="http://schemas.openxmlformats.org/officeDocument/2006/relationships" xmlns:p="http://schemas.openxmlformats.org/presentationml/2006/main">
   <p:cSld>
@@ -22936,6 +24166,3056 @@
     <p:extLst>
       <p:ext uri="{BB962C8B-B14F-4D97-AF65-F5344CB8AC3E}">
         <p14:creationId xmlns:p14="http://schemas.microsoft.com/office/powerpoint/2010/main" val="1695461088"/>
+      </p:ext>
+    </p:extLst>
+  </p:cSld>
+  <p:clrMapOvr>
+    <a:masterClrMapping/>
+  </p:clrMapOvr>
+</p:sld>
+</file>
+
+<file path=ppt/slides/slide140.xml><?xml version="1.0" encoding="utf-8"?>
+<p:sld xmlns:a="http://schemas.openxmlformats.org/drawingml/2006/main" xmlns:r="http://schemas.openxmlformats.org/officeDocument/2006/relationships" xmlns:p="http://schemas.openxmlformats.org/presentationml/2006/main">
+  <p:cSld>
+    <p:spTree>
+      <p:nvGrpSpPr>
+        <p:cNvPr id="1" name=""/>
+        <p:cNvGrpSpPr/>
+        <p:nvPr/>
+      </p:nvGrpSpPr>
+      <p:grpSpPr>
+        <a:xfrm>
+          <a:off x="0" y="0"/>
+          <a:ext cx="0" cy="0"/>
+          <a:chOff x="0" y="0"/>
+          <a:chExt cx="0" cy="0"/>
+        </a:xfrm>
+      </p:grpSpPr>
+      <p:sp>
+        <p:nvSpPr>
+          <p:cNvPr id="2" name="Title 1">
+            <a:extLst>
+              <a:ext uri="{FF2B5EF4-FFF2-40B4-BE49-F238E27FC236}">
+                <a16:creationId xmlns:a16="http://schemas.microsoft.com/office/drawing/2014/main" id="{70D8D313-BD77-41E6-B3C3-37EE3A57E4D7}"/>
+              </a:ext>
+            </a:extLst>
+          </p:cNvPr>
+          <p:cNvSpPr>
+            <a:spLocks noGrp="1"/>
+          </p:cNvSpPr>
+          <p:nvPr>
+            <p:ph type="title"/>
+          </p:nvPr>
+        </p:nvSpPr>
+        <p:spPr/>
+        <p:txBody>
+          <a:bodyPr/>
+          <a:lstStyle/>
+          <a:p>
+            <a:r>
+              <a:rPr lang="en-US" dirty="0"/>
+              <a:t>Summarize 2 variables</a:t>
+            </a:r>
+          </a:p>
+        </p:txBody>
+      </p:sp>
+      <p:sp>
+        <p:nvSpPr>
+          <p:cNvPr id="5" name="Rectangle 4">
+            <a:extLst>
+              <a:ext uri="{FF2B5EF4-FFF2-40B4-BE49-F238E27FC236}">
+                <a16:creationId xmlns:a16="http://schemas.microsoft.com/office/drawing/2014/main" id="{26812EEA-2714-4028-8B44-FAC3C8B0E294}"/>
+              </a:ext>
+            </a:extLst>
+          </p:cNvPr>
+          <p:cNvSpPr/>
+          <p:nvPr/>
+        </p:nvSpPr>
+        <p:spPr>
+          <a:xfrm>
+            <a:off x="1086463" y="3390252"/>
+            <a:ext cx="7952454" cy="3046988"/>
+          </a:xfrm>
+          <a:prstGeom prst="rect">
+            <a:avLst/>
+          </a:prstGeom>
+        </p:spPr>
+        <p:txBody>
+          <a:bodyPr wrap="square">
+            <a:spAutoFit/>
+          </a:bodyPr>
+          <a:lstStyle/>
+          <a:p>
+            <a:r>
+              <a:rPr lang="en-US" sz="2400" dirty="0">
+                <a:solidFill>
+                  <a:srgbClr val="0070C0"/>
+                </a:solidFill>
+              </a:rPr>
+              <a:t>library(</a:t>
+            </a:r>
+            <a:r>
+              <a:rPr lang="en-US" sz="2400" dirty="0" err="1">
+                <a:solidFill>
+                  <a:srgbClr val="0070C0"/>
+                </a:solidFill>
+              </a:rPr>
+              <a:t>gapminder</a:t>
+            </a:r>
+            <a:r>
+              <a:rPr lang="en-US" sz="2400" dirty="0">
+                <a:solidFill>
+                  <a:srgbClr val="0070C0"/>
+                </a:solidFill>
+              </a:rPr>
+              <a:t>)</a:t>
+            </a:r>
+          </a:p>
+          <a:p>
+            <a:r>
+              <a:rPr lang="en-US" sz="2400" dirty="0">
+                <a:solidFill>
+                  <a:srgbClr val="0070C0"/>
+                </a:solidFill>
+              </a:rPr>
+              <a:t>library(</a:t>
+            </a:r>
+            <a:r>
+              <a:rPr lang="en-US" sz="2400" dirty="0" err="1">
+                <a:solidFill>
+                  <a:srgbClr val="0070C0"/>
+                </a:solidFill>
+              </a:rPr>
+              <a:t>dplyr</a:t>
+            </a:r>
+            <a:r>
+              <a:rPr lang="en-US" sz="2400" dirty="0">
+                <a:solidFill>
+                  <a:srgbClr val="0070C0"/>
+                </a:solidFill>
+              </a:rPr>
+              <a:t>)</a:t>
+            </a:r>
+          </a:p>
+          <a:p>
+            <a:endParaRPr lang="en-US" sz="2400" dirty="0"/>
+          </a:p>
+          <a:p>
+            <a:r>
+              <a:rPr lang="en-US" sz="2400" dirty="0"/>
+              <a:t># Summarize to find the median life expectancy</a:t>
+            </a:r>
+          </a:p>
+          <a:p>
+            <a:r>
+              <a:rPr lang="en-US" sz="2400" dirty="0" err="1">
+                <a:solidFill>
+                  <a:srgbClr val="0070C0"/>
+                </a:solidFill>
+              </a:rPr>
+              <a:t>gapminder</a:t>
+            </a:r>
+            <a:r>
+              <a:rPr lang="en-US" sz="2400" dirty="0">
+                <a:solidFill>
+                  <a:srgbClr val="0070C0"/>
+                </a:solidFill>
+              </a:rPr>
+              <a:t> %&gt;% </a:t>
+            </a:r>
+          </a:p>
+          <a:p>
+            <a:r>
+              <a:rPr lang="en-US" sz="2400" dirty="0">
+                <a:solidFill>
+                  <a:srgbClr val="0070C0"/>
+                </a:solidFill>
+              </a:rPr>
+              <a:t>	filter(year == 1957) %&gt;% </a:t>
+            </a:r>
+          </a:p>
+          <a:p>
+            <a:r>
+              <a:rPr lang="en-US" sz="2400" dirty="0">
+                <a:solidFill>
+                  <a:srgbClr val="0070C0"/>
+                </a:solidFill>
+              </a:rPr>
+              <a:t>	summarize(</a:t>
+            </a:r>
+            <a:r>
+              <a:rPr lang="en-US" sz="2400" dirty="0" err="1">
+                <a:solidFill>
+                  <a:srgbClr val="0070C0"/>
+                </a:solidFill>
+              </a:rPr>
+              <a:t>medianLifeExp</a:t>
+            </a:r>
+            <a:r>
+              <a:rPr lang="en-US" sz="2400" dirty="0">
+                <a:solidFill>
+                  <a:srgbClr val="0070C0"/>
+                </a:solidFill>
+              </a:rPr>
+              <a:t> = median(</a:t>
+            </a:r>
+            <a:r>
+              <a:rPr lang="en-US" sz="2400" dirty="0" err="1">
+                <a:solidFill>
+                  <a:srgbClr val="0070C0"/>
+                </a:solidFill>
+              </a:rPr>
+              <a:t>lifeExp</a:t>
+            </a:r>
+            <a:r>
+              <a:rPr lang="en-US" sz="2400" dirty="0">
+                <a:solidFill>
+                  <a:srgbClr val="0070C0"/>
+                </a:solidFill>
+              </a:rPr>
+              <a:t>),</a:t>
+            </a:r>
+          </a:p>
+          <a:p>
+            <a:r>
+              <a:rPr lang="en-US" sz="2400" dirty="0">
+                <a:solidFill>
+                  <a:srgbClr val="0070C0"/>
+                </a:solidFill>
+              </a:rPr>
+              <a:t>		        </a:t>
+            </a:r>
+            <a:r>
+              <a:rPr lang="en-US" sz="2400" dirty="0" err="1">
+                <a:solidFill>
+                  <a:srgbClr val="0070C0"/>
+                </a:solidFill>
+              </a:rPr>
+              <a:t>maxGdpPercap</a:t>
+            </a:r>
+            <a:r>
+              <a:rPr lang="en-US" sz="2400" dirty="0">
+                <a:solidFill>
+                  <a:srgbClr val="0070C0"/>
+                </a:solidFill>
+              </a:rPr>
+              <a:t> = max(</a:t>
+            </a:r>
+            <a:r>
+              <a:rPr lang="en-US" sz="2400" dirty="0" err="1">
+                <a:solidFill>
+                  <a:srgbClr val="0070C0"/>
+                </a:solidFill>
+              </a:rPr>
+              <a:t>gdpPercap</a:t>
+            </a:r>
+            <a:r>
+              <a:rPr lang="en-US" sz="2400" dirty="0">
+                <a:solidFill>
+                  <a:srgbClr val="0070C0"/>
+                </a:solidFill>
+              </a:rPr>
+              <a:t>))</a:t>
+            </a:r>
+          </a:p>
+        </p:txBody>
+      </p:sp>
+      <p:sp>
+        <p:nvSpPr>
+          <p:cNvPr id="3" name="Rectangle 2">
+            <a:extLst>
+              <a:ext uri="{FF2B5EF4-FFF2-40B4-BE49-F238E27FC236}">
+                <a16:creationId xmlns:a16="http://schemas.microsoft.com/office/drawing/2014/main" id="{C5D3AB5E-E2DB-4A8B-8E28-550DB4F4D9DE}"/>
+              </a:ext>
+            </a:extLst>
+          </p:cNvPr>
+          <p:cNvSpPr/>
+          <p:nvPr/>
+        </p:nvSpPr>
+        <p:spPr>
+          <a:xfrm>
+            <a:off x="835742" y="1557996"/>
+            <a:ext cx="10746658" cy="1569660"/>
+          </a:xfrm>
+          <a:prstGeom prst="rect">
+            <a:avLst/>
+          </a:prstGeom>
+        </p:spPr>
+        <p:txBody>
+          <a:bodyPr wrap="square">
+            <a:spAutoFit/>
+          </a:bodyPr>
+          <a:lstStyle/>
+          <a:p>
+            <a:r>
+              <a:rPr lang="en-US" sz="2400" dirty="0"/>
+              <a:t>Find both the median life expectancy (</a:t>
+            </a:r>
+            <a:r>
+              <a:rPr lang="en-US" sz="2400" dirty="0" err="1">
+                <a:solidFill>
+                  <a:srgbClr val="0070C0"/>
+                </a:solidFill>
+              </a:rPr>
+              <a:t>lifeExp</a:t>
+            </a:r>
+            <a:r>
+              <a:rPr lang="en-US" sz="2400" dirty="0"/>
+              <a:t>) and the maximum GDP per capita (</a:t>
+            </a:r>
+            <a:r>
+              <a:rPr lang="en-US" sz="2400" dirty="0" err="1">
+                <a:solidFill>
+                  <a:srgbClr val="0070C0"/>
+                </a:solidFill>
+              </a:rPr>
+              <a:t>gdpPercap</a:t>
+            </a:r>
+            <a:r>
+              <a:rPr lang="en-US" sz="2400" dirty="0"/>
+              <a:t>) in the year 1957, calling them </a:t>
+            </a:r>
+            <a:r>
+              <a:rPr lang="en-US" sz="2400" dirty="0" err="1">
+                <a:solidFill>
+                  <a:srgbClr val="0070C0"/>
+                </a:solidFill>
+              </a:rPr>
+              <a:t>medianLifeExp</a:t>
+            </a:r>
+            <a:r>
+              <a:rPr lang="en-US" sz="2400" dirty="0"/>
+              <a:t> and </a:t>
+            </a:r>
+            <a:r>
+              <a:rPr lang="en-US" sz="2400" dirty="0" err="1">
+                <a:solidFill>
+                  <a:srgbClr val="0070C0"/>
+                </a:solidFill>
+              </a:rPr>
+              <a:t>maxGdpPercap</a:t>
+            </a:r>
+            <a:r>
+              <a:rPr lang="en-US" sz="2400" dirty="0"/>
+              <a:t> respectively. You can use the </a:t>
+            </a:r>
+            <a:r>
+              <a:rPr lang="en-US" sz="2400" dirty="0">
+                <a:solidFill>
+                  <a:srgbClr val="0070C0"/>
+                </a:solidFill>
+              </a:rPr>
+              <a:t>max</a:t>
+            </a:r>
+            <a:r>
+              <a:rPr lang="en-US" sz="2400" dirty="0"/>
+              <a:t>() function to find the maximum.</a:t>
+            </a:r>
+          </a:p>
+        </p:txBody>
+      </p:sp>
+      <p:pic>
+        <p:nvPicPr>
+          <p:cNvPr id="4" name="Picture 3">
+            <a:extLst>
+              <a:ext uri="{FF2B5EF4-FFF2-40B4-BE49-F238E27FC236}">
+                <a16:creationId xmlns:a16="http://schemas.microsoft.com/office/drawing/2014/main" id="{B867A2F1-8512-4FE9-8107-75A34A98D033}"/>
+              </a:ext>
+            </a:extLst>
+          </p:cNvPr>
+          <p:cNvPicPr>
+            <a:picLocks noChangeAspect="1"/>
+          </p:cNvPicPr>
+          <p:nvPr/>
+        </p:nvPicPr>
+        <p:blipFill>
+          <a:blip r:embed="rId2"/>
+          <a:stretch>
+            <a:fillRect/>
+          </a:stretch>
+        </p:blipFill>
+        <p:spPr>
+          <a:xfrm>
+            <a:off x="8220075" y="4518503"/>
+            <a:ext cx="3362325" cy="1009650"/>
+          </a:xfrm>
+          <a:prstGeom prst="rect">
+            <a:avLst/>
+          </a:prstGeom>
+        </p:spPr>
+      </p:pic>
+    </p:spTree>
+    <p:extLst>
+      <p:ext uri="{BB962C8B-B14F-4D97-AF65-F5344CB8AC3E}">
+        <p14:creationId xmlns:p14="http://schemas.microsoft.com/office/powerpoint/2010/main" val="1346043602"/>
+      </p:ext>
+    </p:extLst>
+  </p:cSld>
+  <p:clrMapOvr>
+    <a:masterClrMapping/>
+  </p:clrMapOvr>
+</p:sld>
+</file>
+
+<file path=ppt/slides/slide141.xml><?xml version="1.0" encoding="utf-8"?>
+<p:sld xmlns:a="http://schemas.openxmlformats.org/drawingml/2006/main" xmlns:r="http://schemas.openxmlformats.org/officeDocument/2006/relationships" xmlns:p="http://schemas.openxmlformats.org/presentationml/2006/main">
+  <p:cSld>
+    <p:spTree>
+      <p:nvGrpSpPr>
+        <p:cNvPr id="1" name=""/>
+        <p:cNvGrpSpPr/>
+        <p:nvPr/>
+      </p:nvGrpSpPr>
+      <p:grpSpPr>
+        <a:xfrm>
+          <a:off x="0" y="0"/>
+          <a:ext cx="0" cy="0"/>
+          <a:chOff x="0" y="0"/>
+          <a:chExt cx="0" cy="0"/>
+        </a:xfrm>
+      </p:grpSpPr>
+      <p:sp>
+        <p:nvSpPr>
+          <p:cNvPr id="2" name="Title 1">
+            <a:extLst>
+              <a:ext uri="{FF2B5EF4-FFF2-40B4-BE49-F238E27FC236}">
+                <a16:creationId xmlns:a16="http://schemas.microsoft.com/office/drawing/2014/main" id="{F639F456-8542-441B-8168-A4533FF2A909}"/>
+              </a:ext>
+            </a:extLst>
+          </p:cNvPr>
+          <p:cNvSpPr>
+            <a:spLocks noGrp="1"/>
+          </p:cNvSpPr>
+          <p:nvPr>
+            <p:ph type="title"/>
+          </p:nvPr>
+        </p:nvSpPr>
+        <p:spPr/>
+        <p:txBody>
+          <a:bodyPr/>
+          <a:lstStyle/>
+          <a:p>
+            <a:r>
+              <a:rPr lang="en-US" dirty="0"/>
+              <a:t>Summarizing by year</a:t>
+            </a:r>
+          </a:p>
+        </p:txBody>
+      </p:sp>
+      <p:sp>
+        <p:nvSpPr>
+          <p:cNvPr id="3" name="Rectangle 2">
+            <a:extLst>
+              <a:ext uri="{FF2B5EF4-FFF2-40B4-BE49-F238E27FC236}">
+                <a16:creationId xmlns:a16="http://schemas.microsoft.com/office/drawing/2014/main" id="{71E08E22-F9BC-41E7-80CE-EB3C70205DAC}"/>
+              </a:ext>
+            </a:extLst>
+          </p:cNvPr>
+          <p:cNvSpPr/>
+          <p:nvPr/>
+        </p:nvSpPr>
+        <p:spPr>
+          <a:xfrm>
+            <a:off x="816077" y="1494301"/>
+            <a:ext cx="9679858" cy="1200329"/>
+          </a:xfrm>
+          <a:prstGeom prst="rect">
+            <a:avLst/>
+          </a:prstGeom>
+        </p:spPr>
+        <p:txBody>
+          <a:bodyPr wrap="square">
+            <a:spAutoFit/>
+          </a:bodyPr>
+          <a:lstStyle/>
+          <a:p>
+            <a:r>
+              <a:rPr lang="en-US" sz="2400" dirty="0"/>
+              <a:t>Find the median life expectancy (</a:t>
+            </a:r>
+            <a:r>
+              <a:rPr lang="en-US" sz="2400" b="1" dirty="0" err="1"/>
+              <a:t>lifeExp</a:t>
+            </a:r>
+            <a:r>
+              <a:rPr lang="en-US" sz="2400" dirty="0"/>
+              <a:t>) and maximum GDP per capita (</a:t>
+            </a:r>
+            <a:r>
+              <a:rPr lang="en-US" sz="2400" b="1" dirty="0" err="1"/>
+              <a:t>gdpPercap</a:t>
+            </a:r>
+            <a:r>
+              <a:rPr lang="en-US" sz="2400" dirty="0"/>
+              <a:t>) </a:t>
+            </a:r>
+            <a:r>
+              <a:rPr lang="en-US" sz="2400" b="1" dirty="0">
+                <a:solidFill>
+                  <a:srgbClr val="FF0000"/>
+                </a:solidFill>
+              </a:rPr>
+              <a:t>within each year</a:t>
+            </a:r>
+            <a:r>
+              <a:rPr lang="en-US" sz="2400" dirty="0"/>
+              <a:t>, saving them into </a:t>
+            </a:r>
+            <a:r>
+              <a:rPr lang="en-US" sz="2400" b="1" dirty="0" err="1"/>
+              <a:t>medianLifeExp</a:t>
+            </a:r>
+            <a:r>
+              <a:rPr lang="en-US" sz="2400" dirty="0"/>
+              <a:t> and </a:t>
+            </a:r>
+            <a:r>
+              <a:rPr lang="en-US" sz="2400" b="1" dirty="0" err="1"/>
+              <a:t>maxGdpPercap</a:t>
+            </a:r>
+            <a:r>
+              <a:rPr lang="en-US" sz="2400" dirty="0"/>
+              <a:t>, respectively.</a:t>
+            </a:r>
+          </a:p>
+        </p:txBody>
+      </p:sp>
+      <p:sp>
+        <p:nvSpPr>
+          <p:cNvPr id="4" name="Rectangle 3">
+            <a:extLst>
+              <a:ext uri="{FF2B5EF4-FFF2-40B4-BE49-F238E27FC236}">
+                <a16:creationId xmlns:a16="http://schemas.microsoft.com/office/drawing/2014/main" id="{A3BC377F-56D4-4E10-95E1-1CDB312E02D7}"/>
+              </a:ext>
+            </a:extLst>
+          </p:cNvPr>
+          <p:cNvSpPr/>
+          <p:nvPr/>
+        </p:nvSpPr>
+        <p:spPr>
+          <a:xfrm>
+            <a:off x="816077" y="2974453"/>
+            <a:ext cx="10559845" cy="2308324"/>
+          </a:xfrm>
+          <a:prstGeom prst="rect">
+            <a:avLst/>
+          </a:prstGeom>
+        </p:spPr>
+        <p:txBody>
+          <a:bodyPr wrap="square">
+            <a:spAutoFit/>
+          </a:bodyPr>
+          <a:lstStyle/>
+          <a:p>
+            <a:r>
+              <a:rPr lang="en-US" sz="2400" dirty="0"/>
+              <a:t># Find median life expectancy and maximum GDP per capita in each year</a:t>
+            </a:r>
+          </a:p>
+          <a:p>
+            <a:endParaRPr lang="en-US" sz="2400" dirty="0"/>
+          </a:p>
+          <a:p>
+            <a:r>
+              <a:rPr lang="en-US" sz="2400" dirty="0" err="1">
+                <a:solidFill>
+                  <a:srgbClr val="0070C0"/>
+                </a:solidFill>
+              </a:rPr>
+              <a:t>gapminder</a:t>
+            </a:r>
+            <a:r>
+              <a:rPr lang="en-US" sz="2400" dirty="0">
+                <a:solidFill>
+                  <a:srgbClr val="0070C0"/>
+                </a:solidFill>
+              </a:rPr>
+              <a:t> %&gt;%  </a:t>
+            </a:r>
+          </a:p>
+          <a:p>
+            <a:pPr lvl="1"/>
+            <a:r>
+              <a:rPr lang="en-US" sz="2400" dirty="0" err="1">
+                <a:solidFill>
+                  <a:srgbClr val="0070C0"/>
+                </a:solidFill>
+              </a:rPr>
+              <a:t>group_by</a:t>
+            </a:r>
+            <a:r>
+              <a:rPr lang="en-US" sz="2400" dirty="0">
+                <a:solidFill>
+                  <a:srgbClr val="0070C0"/>
+                </a:solidFill>
+              </a:rPr>
+              <a:t>(year) %&gt;% </a:t>
+            </a:r>
+          </a:p>
+          <a:p>
+            <a:pPr lvl="1"/>
+            <a:r>
+              <a:rPr lang="en-US" sz="2400" dirty="0">
+                <a:solidFill>
+                  <a:srgbClr val="0070C0"/>
+                </a:solidFill>
+              </a:rPr>
+              <a:t>summarize(</a:t>
+            </a:r>
+            <a:r>
+              <a:rPr lang="en-US" sz="2400" dirty="0" err="1">
+                <a:solidFill>
+                  <a:srgbClr val="0070C0"/>
+                </a:solidFill>
+              </a:rPr>
+              <a:t>medianLifeExp</a:t>
+            </a:r>
+            <a:r>
+              <a:rPr lang="en-US" sz="2400" dirty="0">
+                <a:solidFill>
+                  <a:srgbClr val="0070C0"/>
+                </a:solidFill>
+              </a:rPr>
+              <a:t> = median(</a:t>
+            </a:r>
+            <a:r>
+              <a:rPr lang="en-US" sz="2400" dirty="0" err="1">
+                <a:solidFill>
+                  <a:srgbClr val="0070C0"/>
+                </a:solidFill>
+              </a:rPr>
+              <a:t>lifeExp</a:t>
+            </a:r>
+            <a:r>
+              <a:rPr lang="en-US" sz="2400" dirty="0">
+                <a:solidFill>
+                  <a:srgbClr val="0070C0"/>
+                </a:solidFill>
+              </a:rPr>
+              <a:t>),            </a:t>
+            </a:r>
+          </a:p>
+          <a:p>
+            <a:pPr lvl="1"/>
+            <a:r>
+              <a:rPr lang="en-US" sz="2400" dirty="0">
+                <a:solidFill>
+                  <a:srgbClr val="0070C0"/>
+                </a:solidFill>
+              </a:rPr>
+              <a:t>                   </a:t>
+            </a:r>
+            <a:r>
+              <a:rPr lang="en-US" sz="2400" dirty="0" err="1">
+                <a:solidFill>
+                  <a:srgbClr val="0070C0"/>
+                </a:solidFill>
+              </a:rPr>
+              <a:t>maxGdpPercap</a:t>
+            </a:r>
+            <a:r>
+              <a:rPr lang="en-US" sz="2400" dirty="0">
+                <a:solidFill>
+                  <a:srgbClr val="0070C0"/>
+                </a:solidFill>
+              </a:rPr>
+              <a:t> = max(</a:t>
+            </a:r>
+            <a:r>
+              <a:rPr lang="en-US" sz="2400" dirty="0" err="1">
+                <a:solidFill>
+                  <a:srgbClr val="0070C0"/>
+                </a:solidFill>
+              </a:rPr>
+              <a:t>gdpPercap</a:t>
+            </a:r>
+            <a:r>
+              <a:rPr lang="en-US" sz="2400" dirty="0">
+                <a:solidFill>
+                  <a:srgbClr val="0070C0"/>
+                </a:solidFill>
+              </a:rPr>
+              <a:t>))</a:t>
+            </a:r>
+          </a:p>
+        </p:txBody>
+      </p:sp>
+      <p:pic>
+        <p:nvPicPr>
+          <p:cNvPr id="5" name="Picture 4">
+            <a:extLst>
+              <a:ext uri="{FF2B5EF4-FFF2-40B4-BE49-F238E27FC236}">
+                <a16:creationId xmlns:a16="http://schemas.microsoft.com/office/drawing/2014/main" id="{92268463-4AED-4C12-8F50-0958678110E4}"/>
+              </a:ext>
+            </a:extLst>
+          </p:cNvPr>
+          <p:cNvPicPr>
+            <a:picLocks noChangeAspect="1"/>
+          </p:cNvPicPr>
+          <p:nvPr/>
+        </p:nvPicPr>
+        <p:blipFill>
+          <a:blip r:embed="rId2"/>
+          <a:stretch>
+            <a:fillRect/>
+          </a:stretch>
+        </p:blipFill>
+        <p:spPr>
+          <a:xfrm>
+            <a:off x="8052619" y="3495310"/>
+            <a:ext cx="3980375" cy="3261602"/>
+          </a:xfrm>
+          <a:prstGeom prst="rect">
+            <a:avLst/>
+          </a:prstGeom>
+        </p:spPr>
+      </p:pic>
+    </p:spTree>
+    <p:extLst>
+      <p:ext uri="{BB962C8B-B14F-4D97-AF65-F5344CB8AC3E}">
+        <p14:creationId xmlns:p14="http://schemas.microsoft.com/office/powerpoint/2010/main" val="302991466"/>
+      </p:ext>
+    </p:extLst>
+  </p:cSld>
+  <p:clrMapOvr>
+    <a:masterClrMapping/>
+  </p:clrMapOvr>
+</p:sld>
+</file>
+
+<file path=ppt/slides/slide142.xml><?xml version="1.0" encoding="utf-8"?>
+<p:sld xmlns:a="http://schemas.openxmlformats.org/drawingml/2006/main" xmlns:r="http://schemas.openxmlformats.org/officeDocument/2006/relationships" xmlns:p="http://schemas.openxmlformats.org/presentationml/2006/main">
+  <p:cSld>
+    <p:spTree>
+      <p:nvGrpSpPr>
+        <p:cNvPr id="1" name=""/>
+        <p:cNvGrpSpPr/>
+        <p:nvPr/>
+      </p:nvGrpSpPr>
+      <p:grpSpPr>
+        <a:xfrm>
+          <a:off x="0" y="0"/>
+          <a:ext cx="0" cy="0"/>
+          <a:chOff x="0" y="0"/>
+          <a:chExt cx="0" cy="0"/>
+        </a:xfrm>
+      </p:grpSpPr>
+      <p:sp>
+        <p:nvSpPr>
+          <p:cNvPr id="2" name="Title 1">
+            <a:extLst>
+              <a:ext uri="{FF2B5EF4-FFF2-40B4-BE49-F238E27FC236}">
+                <a16:creationId xmlns:a16="http://schemas.microsoft.com/office/drawing/2014/main" id="{F639F456-8542-441B-8168-A4533FF2A909}"/>
+              </a:ext>
+            </a:extLst>
+          </p:cNvPr>
+          <p:cNvSpPr>
+            <a:spLocks noGrp="1"/>
+          </p:cNvSpPr>
+          <p:nvPr>
+            <p:ph type="title"/>
+          </p:nvPr>
+        </p:nvSpPr>
+        <p:spPr/>
+        <p:txBody>
+          <a:bodyPr/>
+          <a:lstStyle/>
+          <a:p>
+            <a:r>
+              <a:rPr lang="en-US" dirty="0"/>
+              <a:t>Time to Practice - Summarizing by continent</a:t>
+            </a:r>
+          </a:p>
+        </p:txBody>
+      </p:sp>
+      <p:pic>
+        <p:nvPicPr>
+          <p:cNvPr id="6" name="Picture 5">
+            <a:extLst>
+              <a:ext uri="{FF2B5EF4-FFF2-40B4-BE49-F238E27FC236}">
+                <a16:creationId xmlns:a16="http://schemas.microsoft.com/office/drawing/2014/main" id="{1A56D716-FFF0-435E-80CB-F6D2EB9E5221}"/>
+              </a:ext>
+            </a:extLst>
+          </p:cNvPr>
+          <p:cNvPicPr>
+            <a:picLocks noChangeAspect="1"/>
+          </p:cNvPicPr>
+          <p:nvPr/>
+        </p:nvPicPr>
+        <p:blipFill>
+          <a:blip r:embed="rId2"/>
+          <a:stretch>
+            <a:fillRect/>
+          </a:stretch>
+        </p:blipFill>
+        <p:spPr>
+          <a:xfrm>
+            <a:off x="2993000" y="3634863"/>
+            <a:ext cx="4819650" cy="2095500"/>
+          </a:xfrm>
+          <a:prstGeom prst="rect">
+            <a:avLst/>
+          </a:prstGeom>
+        </p:spPr>
+      </p:pic>
+      <p:sp>
+        <p:nvSpPr>
+          <p:cNvPr id="8" name="Rectangle 7">
+            <a:extLst>
+              <a:ext uri="{FF2B5EF4-FFF2-40B4-BE49-F238E27FC236}">
+                <a16:creationId xmlns:a16="http://schemas.microsoft.com/office/drawing/2014/main" id="{7DD6C2BB-2A5F-47CB-A897-7B610BD09B99}"/>
+              </a:ext>
+            </a:extLst>
+          </p:cNvPr>
+          <p:cNvSpPr/>
+          <p:nvPr/>
+        </p:nvSpPr>
+        <p:spPr>
+          <a:xfrm>
+            <a:off x="820992" y="1523999"/>
+            <a:ext cx="10373033" cy="1569660"/>
+          </a:xfrm>
+          <a:prstGeom prst="rect">
+            <a:avLst/>
+          </a:prstGeom>
+        </p:spPr>
+        <p:txBody>
+          <a:bodyPr wrap="square">
+            <a:spAutoFit/>
+          </a:bodyPr>
+          <a:lstStyle/>
+          <a:p>
+            <a:r>
+              <a:rPr lang="en-US" sz="2400" dirty="0"/>
+              <a:t>Filter the </a:t>
+            </a:r>
+            <a:r>
+              <a:rPr lang="en-US" sz="2400" b="1" dirty="0" err="1"/>
+              <a:t>gapminder</a:t>
+            </a:r>
+            <a:r>
+              <a:rPr lang="en-US" sz="2400" dirty="0"/>
+              <a:t> data for the </a:t>
+            </a:r>
+            <a:r>
+              <a:rPr lang="en-US" sz="2400" dirty="0">
+                <a:solidFill>
+                  <a:srgbClr val="0070C0"/>
+                </a:solidFill>
+              </a:rPr>
+              <a:t>year</a:t>
+            </a:r>
+            <a:r>
+              <a:rPr lang="en-US" sz="2400" dirty="0"/>
+              <a:t> </a:t>
+            </a:r>
+            <a:r>
+              <a:rPr lang="en-US" sz="2400" dirty="0">
+                <a:solidFill>
+                  <a:srgbClr val="0070C0"/>
+                </a:solidFill>
+              </a:rPr>
+              <a:t>1957</a:t>
+            </a:r>
+            <a:r>
+              <a:rPr lang="en-US" sz="2400" dirty="0"/>
+              <a:t>. </a:t>
+            </a:r>
+          </a:p>
+          <a:p>
+            <a:r>
+              <a:rPr lang="en-US" sz="2400" dirty="0"/>
+              <a:t>Then find the median life expectancy (</a:t>
+            </a:r>
+            <a:r>
+              <a:rPr lang="en-US" sz="2400" dirty="0" err="1"/>
+              <a:t>lifeExp</a:t>
+            </a:r>
+            <a:r>
+              <a:rPr lang="en-US" sz="2400" dirty="0"/>
+              <a:t>) and maximum GDP per capita (</a:t>
+            </a:r>
+            <a:r>
+              <a:rPr lang="en-US" sz="2400" dirty="0" err="1"/>
+              <a:t>gdpPercap</a:t>
+            </a:r>
+            <a:r>
+              <a:rPr lang="en-US" sz="2400" dirty="0"/>
+              <a:t>) </a:t>
+            </a:r>
+            <a:r>
+              <a:rPr lang="en-US" sz="2400" dirty="0">
+                <a:solidFill>
+                  <a:srgbClr val="FF0000"/>
+                </a:solidFill>
+              </a:rPr>
+              <a:t>within each continent</a:t>
+            </a:r>
+            <a:r>
+              <a:rPr lang="en-US" sz="2400" dirty="0"/>
+              <a:t>, saving them into </a:t>
+            </a:r>
+            <a:r>
+              <a:rPr lang="en-US" sz="2400" b="1" dirty="0" err="1"/>
+              <a:t>medianLifeExp</a:t>
+            </a:r>
+            <a:r>
+              <a:rPr lang="en-US" sz="2400" dirty="0"/>
+              <a:t> and </a:t>
+            </a:r>
+            <a:r>
+              <a:rPr lang="en-US" sz="2400" b="1" dirty="0" err="1"/>
+              <a:t>maxGdpPercap</a:t>
+            </a:r>
+            <a:r>
+              <a:rPr lang="en-US" sz="2400" dirty="0"/>
+              <a:t>, respectively.</a:t>
+            </a:r>
+          </a:p>
+        </p:txBody>
+      </p:sp>
+    </p:spTree>
+    <p:extLst>
+      <p:ext uri="{BB962C8B-B14F-4D97-AF65-F5344CB8AC3E}">
+        <p14:creationId xmlns:p14="http://schemas.microsoft.com/office/powerpoint/2010/main" val="2138883734"/>
+      </p:ext>
+    </p:extLst>
+  </p:cSld>
+  <p:clrMapOvr>
+    <a:masterClrMapping/>
+  </p:clrMapOvr>
+</p:sld>
+</file>
+
+<file path=ppt/slides/slide143.xml><?xml version="1.0" encoding="utf-8"?>
+<p:sld xmlns:a="http://schemas.openxmlformats.org/drawingml/2006/main" xmlns:r="http://schemas.openxmlformats.org/officeDocument/2006/relationships" xmlns:p="http://schemas.openxmlformats.org/presentationml/2006/main">
+  <p:cSld>
+    <p:spTree>
+      <p:nvGrpSpPr>
+        <p:cNvPr id="1" name=""/>
+        <p:cNvGrpSpPr/>
+        <p:nvPr/>
+      </p:nvGrpSpPr>
+      <p:grpSpPr>
+        <a:xfrm>
+          <a:off x="0" y="0"/>
+          <a:ext cx="0" cy="0"/>
+          <a:chOff x="0" y="0"/>
+          <a:chExt cx="0" cy="0"/>
+        </a:xfrm>
+      </p:grpSpPr>
+      <p:sp>
+        <p:nvSpPr>
+          <p:cNvPr id="2" name="Title 1">
+            <a:extLst>
+              <a:ext uri="{FF2B5EF4-FFF2-40B4-BE49-F238E27FC236}">
+                <a16:creationId xmlns:a16="http://schemas.microsoft.com/office/drawing/2014/main" id="{F639F456-8542-441B-8168-A4533FF2A909}"/>
+              </a:ext>
+            </a:extLst>
+          </p:cNvPr>
+          <p:cNvSpPr>
+            <a:spLocks noGrp="1"/>
+          </p:cNvSpPr>
+          <p:nvPr>
+            <p:ph type="title"/>
+          </p:nvPr>
+        </p:nvSpPr>
+        <p:spPr>
+          <a:xfrm>
+            <a:off x="609600" y="228600"/>
+            <a:ext cx="11366090" cy="1066800"/>
+          </a:xfrm>
+        </p:spPr>
+        <p:txBody>
+          <a:bodyPr/>
+          <a:lstStyle/>
+          <a:p>
+            <a:r>
+              <a:rPr lang="en-US" dirty="0"/>
+              <a:t>Time to Practice - Summarizing by continent - </a:t>
+            </a:r>
+            <a:r>
+              <a:rPr lang="en-US" dirty="0" err="1"/>
+              <a:t>solu</a:t>
+            </a:r>
+            <a:endParaRPr lang="en-US" dirty="0"/>
+          </a:p>
+        </p:txBody>
+      </p:sp>
+      <p:sp>
+        <p:nvSpPr>
+          <p:cNvPr id="8" name="Rectangle 7">
+            <a:extLst>
+              <a:ext uri="{FF2B5EF4-FFF2-40B4-BE49-F238E27FC236}">
+                <a16:creationId xmlns:a16="http://schemas.microsoft.com/office/drawing/2014/main" id="{7DD6C2BB-2A5F-47CB-A897-7B610BD09B99}"/>
+              </a:ext>
+            </a:extLst>
+          </p:cNvPr>
+          <p:cNvSpPr/>
+          <p:nvPr/>
+        </p:nvSpPr>
+        <p:spPr>
+          <a:xfrm>
+            <a:off x="820992" y="1523999"/>
+            <a:ext cx="10373033" cy="1569660"/>
+          </a:xfrm>
+          <a:prstGeom prst="rect">
+            <a:avLst/>
+          </a:prstGeom>
+        </p:spPr>
+        <p:txBody>
+          <a:bodyPr wrap="square">
+            <a:spAutoFit/>
+          </a:bodyPr>
+          <a:lstStyle/>
+          <a:p>
+            <a:r>
+              <a:rPr lang="en-US" sz="2400" dirty="0"/>
+              <a:t>Filter the </a:t>
+            </a:r>
+            <a:r>
+              <a:rPr lang="en-US" sz="2400" b="1" dirty="0" err="1"/>
+              <a:t>gapminder</a:t>
+            </a:r>
+            <a:r>
+              <a:rPr lang="en-US" sz="2400" dirty="0"/>
+              <a:t> data for the </a:t>
+            </a:r>
+            <a:r>
+              <a:rPr lang="en-US" sz="2400" dirty="0">
+                <a:solidFill>
+                  <a:srgbClr val="0070C0"/>
+                </a:solidFill>
+              </a:rPr>
+              <a:t>year</a:t>
+            </a:r>
+            <a:r>
+              <a:rPr lang="en-US" sz="2400" dirty="0"/>
+              <a:t> </a:t>
+            </a:r>
+            <a:r>
+              <a:rPr lang="en-US" sz="2400" dirty="0">
+                <a:solidFill>
+                  <a:srgbClr val="0070C0"/>
+                </a:solidFill>
+              </a:rPr>
+              <a:t>1957</a:t>
+            </a:r>
+            <a:r>
+              <a:rPr lang="en-US" sz="2400" dirty="0"/>
+              <a:t>. </a:t>
+            </a:r>
+          </a:p>
+          <a:p>
+            <a:r>
+              <a:rPr lang="en-US" sz="2400" dirty="0"/>
+              <a:t>Then find the median life expectancy (</a:t>
+            </a:r>
+            <a:r>
+              <a:rPr lang="en-US" sz="2400" dirty="0" err="1"/>
+              <a:t>lifeExp</a:t>
+            </a:r>
+            <a:r>
+              <a:rPr lang="en-US" sz="2400" dirty="0"/>
+              <a:t>) and maximum GDP per capita (</a:t>
+            </a:r>
+            <a:r>
+              <a:rPr lang="en-US" sz="2400" dirty="0" err="1"/>
+              <a:t>gdpPercap</a:t>
+            </a:r>
+            <a:r>
+              <a:rPr lang="en-US" sz="2400" dirty="0"/>
+              <a:t>) </a:t>
+            </a:r>
+            <a:r>
+              <a:rPr lang="en-US" sz="2400" dirty="0">
+                <a:solidFill>
+                  <a:srgbClr val="FF0000"/>
+                </a:solidFill>
+              </a:rPr>
+              <a:t>within each continent</a:t>
+            </a:r>
+            <a:r>
+              <a:rPr lang="en-US" sz="2400" dirty="0"/>
+              <a:t>, saving them into </a:t>
+            </a:r>
+            <a:r>
+              <a:rPr lang="en-US" sz="2400" b="1" dirty="0" err="1"/>
+              <a:t>medianLifeExp</a:t>
+            </a:r>
+            <a:r>
+              <a:rPr lang="en-US" sz="2400" dirty="0"/>
+              <a:t> and </a:t>
+            </a:r>
+            <a:r>
+              <a:rPr lang="en-US" sz="2400" b="1" dirty="0" err="1"/>
+              <a:t>maxGdpPercap</a:t>
+            </a:r>
+            <a:r>
+              <a:rPr lang="en-US" sz="2400" dirty="0"/>
+              <a:t>, respectively.</a:t>
+            </a:r>
+          </a:p>
+        </p:txBody>
+      </p:sp>
+      <p:sp>
+        <p:nvSpPr>
+          <p:cNvPr id="3" name="Rectangle 2">
+            <a:extLst>
+              <a:ext uri="{FF2B5EF4-FFF2-40B4-BE49-F238E27FC236}">
+                <a16:creationId xmlns:a16="http://schemas.microsoft.com/office/drawing/2014/main" id="{25B5D84C-A662-4883-B63A-70B2F4541363}"/>
+              </a:ext>
+            </a:extLst>
+          </p:cNvPr>
+          <p:cNvSpPr/>
+          <p:nvPr/>
+        </p:nvSpPr>
+        <p:spPr>
+          <a:xfrm>
+            <a:off x="1455174" y="3174775"/>
+            <a:ext cx="9281651" cy="3170099"/>
+          </a:xfrm>
+          <a:prstGeom prst="rect">
+            <a:avLst/>
+          </a:prstGeom>
+        </p:spPr>
+        <p:txBody>
+          <a:bodyPr wrap="square">
+            <a:spAutoFit/>
+          </a:bodyPr>
+          <a:lstStyle/>
+          <a:p>
+            <a:r>
+              <a:rPr lang="en-US" sz="2000" dirty="0">
+                <a:solidFill>
+                  <a:srgbClr val="0070C0"/>
+                </a:solidFill>
+              </a:rPr>
+              <a:t>library(</a:t>
+            </a:r>
+            <a:r>
+              <a:rPr lang="en-US" sz="2000" dirty="0" err="1">
+                <a:solidFill>
+                  <a:srgbClr val="0070C0"/>
+                </a:solidFill>
+              </a:rPr>
+              <a:t>gapminder</a:t>
+            </a:r>
+            <a:r>
+              <a:rPr lang="en-US" sz="2000" dirty="0">
+                <a:solidFill>
+                  <a:srgbClr val="0070C0"/>
+                </a:solidFill>
+              </a:rPr>
+              <a:t>)</a:t>
+            </a:r>
+          </a:p>
+          <a:p>
+            <a:r>
+              <a:rPr lang="en-US" sz="2000" dirty="0">
+                <a:solidFill>
+                  <a:srgbClr val="0070C0"/>
+                </a:solidFill>
+              </a:rPr>
+              <a:t>library(</a:t>
+            </a:r>
+            <a:r>
+              <a:rPr lang="en-US" sz="2000" dirty="0" err="1">
+                <a:solidFill>
+                  <a:srgbClr val="0070C0"/>
+                </a:solidFill>
+              </a:rPr>
+              <a:t>dplyr</a:t>
+            </a:r>
+            <a:r>
+              <a:rPr lang="en-US" sz="2000" dirty="0">
+                <a:solidFill>
+                  <a:srgbClr val="0070C0"/>
+                </a:solidFill>
+              </a:rPr>
+              <a:t>)</a:t>
+            </a:r>
+          </a:p>
+          <a:p>
+            <a:endParaRPr lang="en-US" sz="2000" dirty="0">
+              <a:solidFill>
+                <a:srgbClr val="0070C0"/>
+              </a:solidFill>
+            </a:endParaRPr>
+          </a:p>
+          <a:p>
+            <a:r>
+              <a:rPr lang="en-US" sz="2000" dirty="0">
+                <a:solidFill>
+                  <a:srgbClr val="0070C0"/>
+                </a:solidFill>
+              </a:rPr>
+              <a:t># Find median life expectancy and maximum GDP per capita in each continent in 1957</a:t>
+            </a:r>
+          </a:p>
+          <a:p>
+            <a:r>
+              <a:rPr lang="en-US" sz="2000" dirty="0" err="1">
+                <a:solidFill>
+                  <a:srgbClr val="0070C0"/>
+                </a:solidFill>
+              </a:rPr>
+              <a:t>gapminder</a:t>
+            </a:r>
+            <a:r>
+              <a:rPr lang="en-US" sz="2000" dirty="0">
+                <a:solidFill>
+                  <a:srgbClr val="0070C0"/>
+                </a:solidFill>
+              </a:rPr>
+              <a:t> %&gt;%  </a:t>
+            </a:r>
+          </a:p>
+          <a:p>
+            <a:pPr lvl="1"/>
+            <a:r>
+              <a:rPr lang="en-US" sz="2000" dirty="0">
+                <a:solidFill>
+                  <a:srgbClr val="0070C0"/>
+                </a:solidFill>
+              </a:rPr>
+              <a:t>filter(year == 1957) %&gt;%  </a:t>
+            </a:r>
+          </a:p>
+          <a:p>
+            <a:pPr lvl="1"/>
+            <a:r>
+              <a:rPr lang="en-US" sz="2000" dirty="0" err="1">
+                <a:solidFill>
+                  <a:srgbClr val="0070C0"/>
+                </a:solidFill>
+              </a:rPr>
+              <a:t>group_by</a:t>
+            </a:r>
+            <a:r>
+              <a:rPr lang="en-US" sz="2000" dirty="0">
+                <a:solidFill>
+                  <a:srgbClr val="0070C0"/>
+                </a:solidFill>
+              </a:rPr>
+              <a:t>(continent) %&gt;%  </a:t>
+            </a:r>
+          </a:p>
+          <a:p>
+            <a:pPr lvl="1"/>
+            <a:r>
+              <a:rPr lang="en-US" sz="2000" dirty="0">
+                <a:solidFill>
+                  <a:srgbClr val="0070C0"/>
+                </a:solidFill>
+              </a:rPr>
+              <a:t>summarize(</a:t>
+            </a:r>
+            <a:r>
+              <a:rPr lang="en-US" sz="2000" dirty="0" err="1">
+                <a:solidFill>
+                  <a:srgbClr val="0070C0"/>
+                </a:solidFill>
+              </a:rPr>
+              <a:t>medianLifeExp</a:t>
+            </a:r>
+            <a:r>
+              <a:rPr lang="en-US" sz="2000" dirty="0">
+                <a:solidFill>
+                  <a:srgbClr val="0070C0"/>
+                </a:solidFill>
+              </a:rPr>
+              <a:t> = median(</a:t>
+            </a:r>
+            <a:r>
+              <a:rPr lang="en-US" sz="2000" dirty="0" err="1">
+                <a:solidFill>
+                  <a:srgbClr val="0070C0"/>
+                </a:solidFill>
+              </a:rPr>
+              <a:t>lifeExp</a:t>
+            </a:r>
+            <a:r>
+              <a:rPr lang="en-US" sz="2000" dirty="0">
+                <a:solidFill>
+                  <a:srgbClr val="0070C0"/>
+                </a:solidFill>
+              </a:rPr>
+              <a:t>),            </a:t>
+            </a:r>
+          </a:p>
+          <a:p>
+            <a:pPr lvl="1"/>
+            <a:r>
+              <a:rPr lang="en-US" sz="2000" dirty="0">
+                <a:solidFill>
+                  <a:srgbClr val="0070C0"/>
+                </a:solidFill>
+              </a:rPr>
+              <a:t>                   </a:t>
+            </a:r>
+            <a:r>
+              <a:rPr lang="en-US" sz="2000" dirty="0" err="1">
+                <a:solidFill>
+                  <a:srgbClr val="0070C0"/>
+                </a:solidFill>
+              </a:rPr>
+              <a:t>maxGdpPercap</a:t>
+            </a:r>
+            <a:r>
+              <a:rPr lang="en-US" sz="2000" dirty="0">
+                <a:solidFill>
+                  <a:srgbClr val="0070C0"/>
+                </a:solidFill>
+              </a:rPr>
+              <a:t> = max(</a:t>
+            </a:r>
+            <a:r>
+              <a:rPr lang="en-US" sz="2000" dirty="0" err="1">
+                <a:solidFill>
+                  <a:srgbClr val="0070C0"/>
+                </a:solidFill>
+              </a:rPr>
+              <a:t>gdpPercap</a:t>
+            </a:r>
+            <a:r>
+              <a:rPr lang="en-US" sz="2000" dirty="0">
+                <a:solidFill>
+                  <a:srgbClr val="0070C0"/>
+                </a:solidFill>
+              </a:rPr>
+              <a:t>))</a:t>
+            </a:r>
+          </a:p>
+        </p:txBody>
+      </p:sp>
+    </p:spTree>
+    <p:extLst>
+      <p:ext uri="{BB962C8B-B14F-4D97-AF65-F5344CB8AC3E}">
+        <p14:creationId xmlns:p14="http://schemas.microsoft.com/office/powerpoint/2010/main" val="3828309211"/>
+      </p:ext>
+    </p:extLst>
+  </p:cSld>
+  <p:clrMapOvr>
+    <a:masterClrMapping/>
+  </p:clrMapOvr>
+</p:sld>
+</file>
+
+<file path=ppt/slides/slide144.xml><?xml version="1.0" encoding="utf-8"?>
+<p:sld xmlns:a="http://schemas.openxmlformats.org/drawingml/2006/main" xmlns:r="http://schemas.openxmlformats.org/officeDocument/2006/relationships" xmlns:p="http://schemas.openxmlformats.org/presentationml/2006/main">
+  <p:cSld>
+    <p:spTree>
+      <p:nvGrpSpPr>
+        <p:cNvPr id="1" name=""/>
+        <p:cNvGrpSpPr/>
+        <p:nvPr/>
+      </p:nvGrpSpPr>
+      <p:grpSpPr>
+        <a:xfrm>
+          <a:off x="0" y="0"/>
+          <a:ext cx="0" cy="0"/>
+          <a:chOff x="0" y="0"/>
+          <a:chExt cx="0" cy="0"/>
+        </a:xfrm>
+      </p:grpSpPr>
+      <p:sp>
+        <p:nvSpPr>
+          <p:cNvPr id="2" name="Title 1">
+            <a:extLst>
+              <a:ext uri="{FF2B5EF4-FFF2-40B4-BE49-F238E27FC236}">
+                <a16:creationId xmlns:a16="http://schemas.microsoft.com/office/drawing/2014/main" id="{F639F456-8542-441B-8168-A4533FF2A909}"/>
+              </a:ext>
+            </a:extLst>
+          </p:cNvPr>
+          <p:cNvSpPr>
+            <a:spLocks noGrp="1"/>
+          </p:cNvSpPr>
+          <p:nvPr>
+            <p:ph type="title"/>
+          </p:nvPr>
+        </p:nvSpPr>
+        <p:spPr>
+          <a:xfrm>
+            <a:off x="609600" y="228600"/>
+            <a:ext cx="11366090" cy="1066800"/>
+          </a:xfrm>
+        </p:spPr>
+        <p:txBody>
+          <a:bodyPr/>
+          <a:lstStyle/>
+          <a:p>
+            <a:r>
+              <a:rPr lang="en-US" dirty="0"/>
+              <a:t>Summarizing by continent and year</a:t>
+            </a:r>
+          </a:p>
+        </p:txBody>
+      </p:sp>
+      <p:sp>
+        <p:nvSpPr>
+          <p:cNvPr id="3" name="Rectangle 2">
+            <a:extLst>
+              <a:ext uri="{FF2B5EF4-FFF2-40B4-BE49-F238E27FC236}">
+                <a16:creationId xmlns:a16="http://schemas.microsoft.com/office/drawing/2014/main" id="{25B5D84C-A662-4883-B63A-70B2F4541363}"/>
+              </a:ext>
+            </a:extLst>
+          </p:cNvPr>
+          <p:cNvSpPr/>
+          <p:nvPr/>
+        </p:nvSpPr>
+        <p:spPr>
+          <a:xfrm>
+            <a:off x="1174955" y="1295400"/>
+            <a:ext cx="9281651" cy="2246769"/>
+          </a:xfrm>
+          <a:prstGeom prst="rect">
+            <a:avLst/>
+          </a:prstGeom>
+        </p:spPr>
+        <p:txBody>
+          <a:bodyPr wrap="square">
+            <a:spAutoFit/>
+          </a:bodyPr>
+          <a:lstStyle/>
+          <a:p>
+            <a:r>
+              <a:rPr lang="en-US" sz="2000" dirty="0">
+                <a:solidFill>
+                  <a:srgbClr val="0070C0"/>
+                </a:solidFill>
+              </a:rPr>
+              <a:t>library(</a:t>
+            </a:r>
+            <a:r>
+              <a:rPr lang="en-US" sz="2000" dirty="0" err="1">
+                <a:solidFill>
+                  <a:srgbClr val="0070C0"/>
+                </a:solidFill>
+              </a:rPr>
+              <a:t>gapminder</a:t>
+            </a:r>
+            <a:r>
+              <a:rPr lang="en-US" sz="2000" dirty="0">
+                <a:solidFill>
+                  <a:srgbClr val="0070C0"/>
+                </a:solidFill>
+              </a:rPr>
+              <a:t>)</a:t>
+            </a:r>
+          </a:p>
+          <a:p>
+            <a:r>
+              <a:rPr lang="en-US" sz="2000" dirty="0">
+                <a:solidFill>
+                  <a:srgbClr val="0070C0"/>
+                </a:solidFill>
+              </a:rPr>
+              <a:t>library(</a:t>
+            </a:r>
+            <a:r>
+              <a:rPr lang="en-US" sz="2000" dirty="0" err="1">
+                <a:solidFill>
+                  <a:srgbClr val="0070C0"/>
+                </a:solidFill>
+              </a:rPr>
+              <a:t>dplyr</a:t>
+            </a:r>
+            <a:r>
+              <a:rPr lang="en-US" sz="2000" dirty="0">
+                <a:solidFill>
+                  <a:srgbClr val="0070C0"/>
+                </a:solidFill>
+              </a:rPr>
+              <a:t>)</a:t>
+            </a:r>
+          </a:p>
+          <a:p>
+            <a:endParaRPr lang="en-US" sz="2000" dirty="0">
+              <a:solidFill>
+                <a:srgbClr val="0070C0"/>
+              </a:solidFill>
+            </a:endParaRPr>
+          </a:p>
+          <a:p>
+            <a:r>
+              <a:rPr lang="en-US" sz="2000" dirty="0" err="1">
+                <a:solidFill>
+                  <a:srgbClr val="0070C0"/>
+                </a:solidFill>
+              </a:rPr>
+              <a:t>gapminder</a:t>
+            </a:r>
+            <a:r>
+              <a:rPr lang="en-US" sz="2000" dirty="0">
+                <a:solidFill>
+                  <a:srgbClr val="0070C0"/>
+                </a:solidFill>
+              </a:rPr>
+              <a:t> %&gt;%  </a:t>
+            </a:r>
+          </a:p>
+          <a:p>
+            <a:pPr lvl="1"/>
+            <a:r>
+              <a:rPr lang="en-US" sz="2000" dirty="0" err="1">
+                <a:solidFill>
+                  <a:srgbClr val="0070C0"/>
+                </a:solidFill>
+              </a:rPr>
+              <a:t>group_by</a:t>
+            </a:r>
+            <a:r>
+              <a:rPr lang="en-US" sz="2000" dirty="0">
+                <a:solidFill>
+                  <a:srgbClr val="0070C0"/>
+                </a:solidFill>
+              </a:rPr>
+              <a:t>(continent, </a:t>
+            </a:r>
+            <a:r>
+              <a:rPr lang="en-US" sz="2000" b="1" dirty="0">
+                <a:solidFill>
+                  <a:srgbClr val="0070C0"/>
+                </a:solidFill>
+              </a:rPr>
+              <a:t>year</a:t>
+            </a:r>
+            <a:r>
+              <a:rPr lang="en-US" sz="2000" dirty="0">
+                <a:solidFill>
+                  <a:srgbClr val="0070C0"/>
+                </a:solidFill>
+              </a:rPr>
+              <a:t>) %&gt;%  </a:t>
+            </a:r>
+          </a:p>
+          <a:p>
+            <a:pPr lvl="1"/>
+            <a:r>
+              <a:rPr lang="en-US" sz="2000" dirty="0">
+                <a:solidFill>
+                  <a:srgbClr val="0070C0"/>
+                </a:solidFill>
+              </a:rPr>
+              <a:t>summarize(</a:t>
+            </a:r>
+            <a:r>
+              <a:rPr lang="en-US" sz="2000" dirty="0" err="1">
+                <a:solidFill>
+                  <a:srgbClr val="0070C0"/>
+                </a:solidFill>
+              </a:rPr>
+              <a:t>medianLifeExp</a:t>
+            </a:r>
+            <a:r>
+              <a:rPr lang="en-US" sz="2000" dirty="0">
+                <a:solidFill>
+                  <a:srgbClr val="0070C0"/>
+                </a:solidFill>
+              </a:rPr>
+              <a:t> = median(</a:t>
+            </a:r>
+            <a:r>
+              <a:rPr lang="en-US" sz="2000" dirty="0" err="1">
+                <a:solidFill>
+                  <a:srgbClr val="0070C0"/>
+                </a:solidFill>
+              </a:rPr>
+              <a:t>lifeExp</a:t>
+            </a:r>
+            <a:r>
+              <a:rPr lang="en-US" sz="2000" dirty="0">
+                <a:solidFill>
+                  <a:srgbClr val="0070C0"/>
+                </a:solidFill>
+              </a:rPr>
+              <a:t>),            </a:t>
+            </a:r>
+          </a:p>
+          <a:p>
+            <a:pPr lvl="1"/>
+            <a:r>
+              <a:rPr lang="en-US" sz="2000" dirty="0">
+                <a:solidFill>
+                  <a:srgbClr val="0070C0"/>
+                </a:solidFill>
+              </a:rPr>
+              <a:t>                   </a:t>
+            </a:r>
+            <a:r>
+              <a:rPr lang="en-US" sz="2000" dirty="0" err="1">
+                <a:solidFill>
+                  <a:srgbClr val="0070C0"/>
+                </a:solidFill>
+              </a:rPr>
+              <a:t>maxGdpPercap</a:t>
+            </a:r>
+            <a:r>
+              <a:rPr lang="en-US" sz="2000" dirty="0">
+                <a:solidFill>
+                  <a:srgbClr val="0070C0"/>
+                </a:solidFill>
+              </a:rPr>
+              <a:t> = max(</a:t>
+            </a:r>
+            <a:r>
+              <a:rPr lang="en-US" sz="2000" dirty="0" err="1">
+                <a:solidFill>
+                  <a:srgbClr val="0070C0"/>
+                </a:solidFill>
+              </a:rPr>
+              <a:t>gdpPercap</a:t>
+            </a:r>
+            <a:r>
+              <a:rPr lang="en-US" sz="2000" dirty="0">
+                <a:solidFill>
+                  <a:srgbClr val="0070C0"/>
+                </a:solidFill>
+              </a:rPr>
+              <a:t>))</a:t>
+            </a:r>
+          </a:p>
+        </p:txBody>
+      </p:sp>
+    </p:spTree>
+    <p:extLst>
+      <p:ext uri="{BB962C8B-B14F-4D97-AF65-F5344CB8AC3E}">
+        <p14:creationId xmlns:p14="http://schemas.microsoft.com/office/powerpoint/2010/main" val="3039697171"/>
+      </p:ext>
+    </p:extLst>
+  </p:cSld>
+  <p:clrMapOvr>
+    <a:masterClrMapping/>
+  </p:clrMapOvr>
+</p:sld>
+</file>
+
+<file path=ppt/slides/slide145.xml><?xml version="1.0" encoding="utf-8"?>
+<p:sld xmlns:a="http://schemas.openxmlformats.org/drawingml/2006/main" xmlns:r="http://schemas.openxmlformats.org/officeDocument/2006/relationships" xmlns:p="http://schemas.openxmlformats.org/presentationml/2006/main">
+  <p:cSld>
+    <p:spTree>
+      <p:nvGrpSpPr>
+        <p:cNvPr id="1" name=""/>
+        <p:cNvGrpSpPr/>
+        <p:nvPr/>
+      </p:nvGrpSpPr>
+      <p:grpSpPr>
+        <a:xfrm>
+          <a:off x="0" y="0"/>
+          <a:ext cx="0" cy="0"/>
+          <a:chOff x="0" y="0"/>
+          <a:chExt cx="0" cy="0"/>
+        </a:xfrm>
+      </p:grpSpPr>
+      <p:sp>
+        <p:nvSpPr>
+          <p:cNvPr id="2" name="Title 1">
+            <a:extLst>
+              <a:ext uri="{FF2B5EF4-FFF2-40B4-BE49-F238E27FC236}">
+                <a16:creationId xmlns:a16="http://schemas.microsoft.com/office/drawing/2014/main" id="{67BFEFE0-A1DC-4AC7-96B2-2A654C1B3C61}"/>
+              </a:ext>
+            </a:extLst>
+          </p:cNvPr>
+          <p:cNvSpPr>
+            <a:spLocks noGrp="1"/>
+          </p:cNvSpPr>
+          <p:nvPr>
+            <p:ph type="title"/>
+          </p:nvPr>
+        </p:nvSpPr>
+        <p:spPr/>
+        <p:txBody>
+          <a:bodyPr/>
+          <a:lstStyle/>
+          <a:p>
+            <a:r>
+              <a:rPr lang="en-US" dirty="0"/>
+              <a:t>Visualizing median life expectancy over time</a:t>
+            </a:r>
+          </a:p>
+        </p:txBody>
+      </p:sp>
+      <p:sp>
+        <p:nvSpPr>
+          <p:cNvPr id="3" name="Rectangle 2">
+            <a:extLst>
+              <a:ext uri="{FF2B5EF4-FFF2-40B4-BE49-F238E27FC236}">
+                <a16:creationId xmlns:a16="http://schemas.microsoft.com/office/drawing/2014/main" id="{B8BA6F67-D4E6-4B4D-926B-629B67E55A0E}"/>
+              </a:ext>
+            </a:extLst>
+          </p:cNvPr>
+          <p:cNvSpPr/>
+          <p:nvPr/>
+        </p:nvSpPr>
+        <p:spPr>
+          <a:xfrm>
+            <a:off x="1528916" y="1749661"/>
+            <a:ext cx="8617974" cy="4247317"/>
+          </a:xfrm>
+          <a:prstGeom prst="rect">
+            <a:avLst/>
+          </a:prstGeom>
+        </p:spPr>
+        <p:txBody>
+          <a:bodyPr wrap="square">
+            <a:spAutoFit/>
+          </a:bodyPr>
+          <a:lstStyle/>
+          <a:p>
+            <a:r>
+              <a:rPr lang="en-US" dirty="0">
+                <a:solidFill>
+                  <a:srgbClr val="0070C0"/>
+                </a:solidFill>
+              </a:rPr>
+              <a:t>library(</a:t>
+            </a:r>
+            <a:r>
+              <a:rPr lang="en-US" dirty="0" err="1">
+                <a:solidFill>
+                  <a:srgbClr val="0070C0"/>
+                </a:solidFill>
+              </a:rPr>
+              <a:t>gapminder</a:t>
+            </a:r>
+            <a:r>
+              <a:rPr lang="en-US" dirty="0">
+                <a:solidFill>
+                  <a:srgbClr val="0070C0"/>
+                </a:solidFill>
+              </a:rPr>
+              <a:t>)</a:t>
+            </a:r>
+          </a:p>
+          <a:p>
+            <a:r>
+              <a:rPr lang="en-US" dirty="0">
+                <a:solidFill>
+                  <a:srgbClr val="0070C0"/>
+                </a:solidFill>
+              </a:rPr>
+              <a:t>library(</a:t>
+            </a:r>
+            <a:r>
+              <a:rPr lang="en-US" dirty="0" err="1">
+                <a:solidFill>
+                  <a:srgbClr val="0070C0"/>
+                </a:solidFill>
+              </a:rPr>
+              <a:t>dplyr</a:t>
+            </a:r>
+            <a:r>
+              <a:rPr lang="en-US" dirty="0">
+                <a:solidFill>
+                  <a:srgbClr val="0070C0"/>
+                </a:solidFill>
+              </a:rPr>
+              <a:t>)</a:t>
+            </a:r>
+          </a:p>
+          <a:p>
+            <a:r>
+              <a:rPr lang="en-US" dirty="0">
+                <a:solidFill>
+                  <a:srgbClr val="0070C0"/>
+                </a:solidFill>
+              </a:rPr>
+              <a:t>library(ggplot2)</a:t>
+            </a:r>
+          </a:p>
+          <a:p>
+            <a:endParaRPr lang="en-US" dirty="0">
+              <a:solidFill>
+                <a:srgbClr val="0070C0"/>
+              </a:solidFill>
+            </a:endParaRPr>
+          </a:p>
+          <a:p>
+            <a:r>
+              <a:rPr lang="en-US" dirty="0" err="1">
+                <a:solidFill>
+                  <a:srgbClr val="0070C0"/>
+                </a:solidFill>
+              </a:rPr>
+              <a:t>by_year</a:t>
+            </a:r>
+            <a:r>
+              <a:rPr lang="en-US" dirty="0">
+                <a:solidFill>
+                  <a:srgbClr val="0070C0"/>
+                </a:solidFill>
+              </a:rPr>
+              <a:t> &lt;- </a:t>
+            </a:r>
+            <a:r>
+              <a:rPr lang="en-US" dirty="0" err="1">
+                <a:solidFill>
+                  <a:srgbClr val="0070C0"/>
+                </a:solidFill>
+              </a:rPr>
+              <a:t>gapminder</a:t>
+            </a:r>
+            <a:r>
+              <a:rPr lang="en-US" dirty="0">
+                <a:solidFill>
+                  <a:srgbClr val="0070C0"/>
+                </a:solidFill>
+              </a:rPr>
+              <a:t> %&gt;%  </a:t>
+            </a:r>
+          </a:p>
+          <a:p>
+            <a:pPr lvl="1"/>
+            <a:r>
+              <a:rPr lang="en-US" dirty="0" err="1">
+                <a:solidFill>
+                  <a:srgbClr val="0070C0"/>
+                </a:solidFill>
+              </a:rPr>
+              <a:t>group_by</a:t>
+            </a:r>
+            <a:r>
+              <a:rPr lang="en-US" dirty="0">
+                <a:solidFill>
+                  <a:srgbClr val="0070C0"/>
+                </a:solidFill>
+              </a:rPr>
+              <a:t>(year) %&gt;%  </a:t>
+            </a:r>
+          </a:p>
+          <a:p>
+            <a:pPr lvl="1"/>
+            <a:r>
+              <a:rPr lang="en-US" dirty="0">
+                <a:solidFill>
+                  <a:srgbClr val="0070C0"/>
+                </a:solidFill>
+              </a:rPr>
+              <a:t>summarize(</a:t>
+            </a:r>
+            <a:r>
+              <a:rPr lang="en-US" dirty="0" err="1">
+                <a:solidFill>
+                  <a:srgbClr val="0070C0"/>
+                </a:solidFill>
+              </a:rPr>
+              <a:t>medianLifeExp</a:t>
+            </a:r>
+            <a:r>
+              <a:rPr lang="en-US" dirty="0">
+                <a:solidFill>
+                  <a:srgbClr val="0070C0"/>
+                </a:solidFill>
+              </a:rPr>
+              <a:t> = median(</a:t>
+            </a:r>
+            <a:r>
+              <a:rPr lang="en-US" dirty="0" err="1">
+                <a:solidFill>
+                  <a:srgbClr val="0070C0"/>
+                </a:solidFill>
+              </a:rPr>
+              <a:t>lifeExp</a:t>
+            </a:r>
+            <a:r>
+              <a:rPr lang="en-US" dirty="0">
+                <a:solidFill>
+                  <a:srgbClr val="0070C0"/>
+                </a:solidFill>
+              </a:rPr>
+              <a:t>),            </a:t>
+            </a:r>
+          </a:p>
+          <a:p>
+            <a:pPr lvl="1"/>
+            <a:r>
+              <a:rPr lang="en-US" dirty="0">
+                <a:solidFill>
+                  <a:srgbClr val="0070C0"/>
+                </a:solidFill>
+              </a:rPr>
+              <a:t>                   </a:t>
+            </a:r>
+            <a:r>
+              <a:rPr lang="en-US" dirty="0" err="1">
+                <a:solidFill>
+                  <a:srgbClr val="0070C0"/>
+                </a:solidFill>
+              </a:rPr>
+              <a:t>maxGdpPercap</a:t>
+            </a:r>
+            <a:r>
+              <a:rPr lang="en-US" dirty="0">
+                <a:solidFill>
+                  <a:srgbClr val="0070C0"/>
+                </a:solidFill>
+              </a:rPr>
+              <a:t> = max(</a:t>
+            </a:r>
+            <a:r>
+              <a:rPr lang="en-US" dirty="0" err="1">
+                <a:solidFill>
+                  <a:srgbClr val="0070C0"/>
+                </a:solidFill>
+              </a:rPr>
+              <a:t>gdpPercap</a:t>
+            </a:r>
+            <a:r>
+              <a:rPr lang="en-US" dirty="0">
+                <a:solidFill>
+                  <a:srgbClr val="0070C0"/>
+                </a:solidFill>
+              </a:rPr>
+              <a:t>))</a:t>
+            </a:r>
+          </a:p>
+          <a:p>
+            <a:endParaRPr lang="en-US" dirty="0">
+              <a:solidFill>
+                <a:srgbClr val="0070C0"/>
+              </a:solidFill>
+            </a:endParaRPr>
+          </a:p>
+          <a:p>
+            <a:r>
+              <a:rPr lang="en-US" dirty="0">
+                <a:solidFill>
+                  <a:srgbClr val="0070C0"/>
+                </a:solidFill>
+              </a:rPr>
+              <a:t># Create a scatter plot showing the change in </a:t>
+            </a:r>
+            <a:r>
+              <a:rPr lang="en-US" dirty="0" err="1">
+                <a:solidFill>
+                  <a:srgbClr val="0070C0"/>
+                </a:solidFill>
+              </a:rPr>
+              <a:t>medianLifeExp</a:t>
+            </a:r>
+            <a:r>
+              <a:rPr lang="en-US" dirty="0">
+                <a:solidFill>
+                  <a:srgbClr val="0070C0"/>
+                </a:solidFill>
+              </a:rPr>
+              <a:t> over time</a:t>
+            </a:r>
+          </a:p>
+          <a:p>
+            <a:endParaRPr lang="en-US" dirty="0">
+              <a:solidFill>
+                <a:srgbClr val="0070C0"/>
+              </a:solidFill>
+            </a:endParaRPr>
+          </a:p>
+          <a:p>
+            <a:r>
+              <a:rPr lang="en-US" dirty="0" err="1">
+                <a:solidFill>
+                  <a:srgbClr val="0070C0"/>
+                </a:solidFill>
+              </a:rPr>
+              <a:t>ggplot</a:t>
+            </a:r>
+            <a:r>
+              <a:rPr lang="en-US" dirty="0">
+                <a:solidFill>
+                  <a:srgbClr val="0070C0"/>
+                </a:solidFill>
+              </a:rPr>
+              <a:t>(</a:t>
+            </a:r>
+            <a:r>
+              <a:rPr lang="en-US" dirty="0" err="1">
+                <a:solidFill>
+                  <a:srgbClr val="0070C0"/>
+                </a:solidFill>
+              </a:rPr>
+              <a:t>by_year</a:t>
+            </a:r>
+            <a:r>
+              <a:rPr lang="en-US" dirty="0">
+                <a:solidFill>
+                  <a:srgbClr val="0070C0"/>
+                </a:solidFill>
+              </a:rPr>
+              <a:t>, </a:t>
+            </a:r>
+            <a:r>
+              <a:rPr lang="en-US" dirty="0" err="1">
+                <a:solidFill>
+                  <a:srgbClr val="0070C0"/>
+                </a:solidFill>
+              </a:rPr>
+              <a:t>aes</a:t>
+            </a:r>
+            <a:r>
+              <a:rPr lang="en-US" dirty="0">
+                <a:solidFill>
+                  <a:srgbClr val="0070C0"/>
+                </a:solidFill>
+              </a:rPr>
+              <a:t>(x = year, y = </a:t>
+            </a:r>
+            <a:r>
+              <a:rPr lang="en-US" dirty="0" err="1">
+                <a:solidFill>
+                  <a:srgbClr val="0070C0"/>
+                </a:solidFill>
+              </a:rPr>
+              <a:t>medianLifeExp</a:t>
+            </a:r>
+            <a:r>
+              <a:rPr lang="en-US" dirty="0">
+                <a:solidFill>
+                  <a:srgbClr val="0070C0"/>
+                </a:solidFill>
+              </a:rPr>
+              <a:t>)) +  </a:t>
+            </a:r>
+          </a:p>
+          <a:p>
+            <a:r>
+              <a:rPr lang="en-US" dirty="0" err="1">
+                <a:solidFill>
+                  <a:srgbClr val="0070C0"/>
+                </a:solidFill>
+              </a:rPr>
+              <a:t>geom_point</a:t>
+            </a:r>
+            <a:r>
+              <a:rPr lang="en-US" dirty="0">
+                <a:solidFill>
+                  <a:srgbClr val="0070C0"/>
+                </a:solidFill>
+              </a:rPr>
+              <a:t>() +  </a:t>
+            </a:r>
+          </a:p>
+          <a:p>
+            <a:r>
+              <a:rPr lang="en-US" dirty="0" err="1">
+                <a:solidFill>
+                  <a:srgbClr val="0070C0"/>
+                </a:solidFill>
+              </a:rPr>
+              <a:t>expand_limits</a:t>
+            </a:r>
+            <a:r>
+              <a:rPr lang="en-US" dirty="0">
+                <a:solidFill>
+                  <a:srgbClr val="0070C0"/>
+                </a:solidFill>
+              </a:rPr>
+              <a:t>(y = 0) #</a:t>
+            </a:r>
+            <a:r>
+              <a:rPr lang="en-US" dirty="0"/>
+              <a:t> make sure the plot's y-axis includes zero.</a:t>
+            </a:r>
+          </a:p>
+          <a:p>
+            <a:endParaRPr lang="en-US" dirty="0">
+              <a:solidFill>
+                <a:srgbClr val="0070C0"/>
+              </a:solidFill>
+            </a:endParaRPr>
+          </a:p>
+        </p:txBody>
+      </p:sp>
+      <p:pic>
+        <p:nvPicPr>
+          <p:cNvPr id="4" name="Picture 3">
+            <a:extLst>
+              <a:ext uri="{FF2B5EF4-FFF2-40B4-BE49-F238E27FC236}">
+                <a16:creationId xmlns:a16="http://schemas.microsoft.com/office/drawing/2014/main" id="{09F884DB-92F1-4751-BE04-DA9D34066E8E}"/>
+              </a:ext>
+            </a:extLst>
+          </p:cNvPr>
+          <p:cNvPicPr>
+            <a:picLocks noChangeAspect="1"/>
+          </p:cNvPicPr>
+          <p:nvPr/>
+        </p:nvPicPr>
+        <p:blipFill>
+          <a:blip r:embed="rId2"/>
+          <a:stretch>
+            <a:fillRect/>
+          </a:stretch>
+        </p:blipFill>
+        <p:spPr>
+          <a:xfrm>
+            <a:off x="7505347" y="1340548"/>
+            <a:ext cx="4077053" cy="2613887"/>
+          </a:xfrm>
+          <a:prstGeom prst="rect">
+            <a:avLst/>
+          </a:prstGeom>
+        </p:spPr>
+      </p:pic>
+    </p:spTree>
+    <p:extLst>
+      <p:ext uri="{BB962C8B-B14F-4D97-AF65-F5344CB8AC3E}">
+        <p14:creationId xmlns:p14="http://schemas.microsoft.com/office/powerpoint/2010/main" val="3225770001"/>
+      </p:ext>
+    </p:extLst>
+  </p:cSld>
+  <p:clrMapOvr>
+    <a:masterClrMapping/>
+  </p:clrMapOvr>
+</p:sld>
+</file>
+
+<file path=ppt/slides/slide146.xml><?xml version="1.0" encoding="utf-8"?>
+<p:sld xmlns:a="http://schemas.openxmlformats.org/drawingml/2006/main" xmlns:r="http://schemas.openxmlformats.org/officeDocument/2006/relationships" xmlns:p="http://schemas.openxmlformats.org/presentationml/2006/main">
+  <p:cSld>
+    <p:spTree>
+      <p:nvGrpSpPr>
+        <p:cNvPr id="1" name=""/>
+        <p:cNvGrpSpPr/>
+        <p:nvPr/>
+      </p:nvGrpSpPr>
+      <p:grpSpPr>
+        <a:xfrm>
+          <a:off x="0" y="0"/>
+          <a:ext cx="0" cy="0"/>
+          <a:chOff x="0" y="0"/>
+          <a:chExt cx="0" cy="0"/>
+        </a:xfrm>
+      </p:grpSpPr>
+      <p:sp>
+        <p:nvSpPr>
+          <p:cNvPr id="2" name="Title 1">
+            <a:extLst>
+              <a:ext uri="{FF2B5EF4-FFF2-40B4-BE49-F238E27FC236}">
+                <a16:creationId xmlns:a16="http://schemas.microsoft.com/office/drawing/2014/main" id="{2860BEF7-E969-45A0-99B0-9FE3C49CEA9E}"/>
+              </a:ext>
+            </a:extLst>
+          </p:cNvPr>
+          <p:cNvSpPr>
+            <a:spLocks noGrp="1"/>
+          </p:cNvSpPr>
+          <p:nvPr>
+            <p:ph type="title"/>
+          </p:nvPr>
+        </p:nvSpPr>
+        <p:spPr/>
+        <p:txBody>
+          <a:bodyPr/>
+          <a:lstStyle/>
+          <a:p>
+            <a:r>
+              <a:rPr lang="en-US" dirty="0"/>
+              <a:t>Visualizing median GDP per capita per continent over time</a:t>
+            </a:r>
+          </a:p>
+        </p:txBody>
+      </p:sp>
+      <p:sp>
+        <p:nvSpPr>
+          <p:cNvPr id="3" name="Rectangle 2">
+            <a:extLst>
+              <a:ext uri="{FF2B5EF4-FFF2-40B4-BE49-F238E27FC236}">
+                <a16:creationId xmlns:a16="http://schemas.microsoft.com/office/drawing/2014/main" id="{49B717AF-A8C9-4777-A999-0168B506C3C1}"/>
+              </a:ext>
+            </a:extLst>
+          </p:cNvPr>
+          <p:cNvSpPr/>
+          <p:nvPr/>
+        </p:nvSpPr>
+        <p:spPr>
+          <a:xfrm>
+            <a:off x="770158" y="1295400"/>
+            <a:ext cx="8617974" cy="5078313"/>
+          </a:xfrm>
+          <a:prstGeom prst="rect">
+            <a:avLst/>
+          </a:prstGeom>
+        </p:spPr>
+        <p:txBody>
+          <a:bodyPr wrap="square">
+            <a:spAutoFit/>
+          </a:bodyPr>
+          <a:lstStyle/>
+          <a:p>
+            <a:r>
+              <a:rPr lang="en-US" dirty="0">
+                <a:solidFill>
+                  <a:srgbClr val="0070C0"/>
+                </a:solidFill>
+              </a:rPr>
+              <a:t>library(</a:t>
+            </a:r>
+            <a:r>
+              <a:rPr lang="en-US" dirty="0" err="1">
+                <a:solidFill>
+                  <a:srgbClr val="0070C0"/>
+                </a:solidFill>
+              </a:rPr>
+              <a:t>gapminder</a:t>
+            </a:r>
+            <a:r>
+              <a:rPr lang="en-US" dirty="0">
+                <a:solidFill>
+                  <a:srgbClr val="0070C0"/>
+                </a:solidFill>
+              </a:rPr>
+              <a:t>)</a:t>
+            </a:r>
+          </a:p>
+          <a:p>
+            <a:r>
+              <a:rPr lang="en-US" dirty="0">
+                <a:solidFill>
+                  <a:srgbClr val="0070C0"/>
+                </a:solidFill>
+              </a:rPr>
+              <a:t>library(</a:t>
+            </a:r>
+            <a:r>
+              <a:rPr lang="en-US" dirty="0" err="1">
+                <a:solidFill>
+                  <a:srgbClr val="0070C0"/>
+                </a:solidFill>
+              </a:rPr>
+              <a:t>dplyr</a:t>
+            </a:r>
+            <a:r>
+              <a:rPr lang="en-US" dirty="0">
+                <a:solidFill>
+                  <a:srgbClr val="0070C0"/>
+                </a:solidFill>
+              </a:rPr>
+              <a:t>)</a:t>
+            </a:r>
+          </a:p>
+          <a:p>
+            <a:r>
+              <a:rPr lang="en-US" dirty="0">
+                <a:solidFill>
+                  <a:srgbClr val="0070C0"/>
+                </a:solidFill>
+              </a:rPr>
+              <a:t>library(ggplot2)</a:t>
+            </a:r>
+          </a:p>
+          <a:p>
+            <a:endParaRPr lang="en-US" dirty="0">
+              <a:solidFill>
+                <a:srgbClr val="0070C0"/>
+              </a:solidFill>
+            </a:endParaRPr>
+          </a:p>
+          <a:p>
+            <a:r>
+              <a:rPr lang="en-US" dirty="0">
+                <a:solidFill>
+                  <a:srgbClr val="0070C0"/>
+                </a:solidFill>
+              </a:rPr>
+              <a:t># Summarize </a:t>
+            </a:r>
+            <a:r>
+              <a:rPr lang="en-US" dirty="0" err="1">
+                <a:solidFill>
+                  <a:srgbClr val="0070C0"/>
+                </a:solidFill>
+              </a:rPr>
+              <a:t>medianGdpPercap</a:t>
+            </a:r>
+            <a:r>
+              <a:rPr lang="en-US" dirty="0">
+                <a:solidFill>
+                  <a:srgbClr val="0070C0"/>
+                </a:solidFill>
+              </a:rPr>
+              <a:t> within each continent within each year: </a:t>
+            </a:r>
+            <a:r>
+              <a:rPr lang="en-US" dirty="0" err="1">
+                <a:solidFill>
+                  <a:srgbClr val="0070C0"/>
+                </a:solidFill>
+              </a:rPr>
+              <a:t>by_year_continent</a:t>
+            </a:r>
+            <a:endParaRPr lang="en-US" dirty="0">
+              <a:solidFill>
+                <a:srgbClr val="0070C0"/>
+              </a:solidFill>
+            </a:endParaRPr>
+          </a:p>
+          <a:p>
+            <a:endParaRPr lang="en-US" dirty="0">
+              <a:solidFill>
+                <a:srgbClr val="0070C0"/>
+              </a:solidFill>
+            </a:endParaRPr>
+          </a:p>
+          <a:p>
+            <a:r>
+              <a:rPr lang="en-US" dirty="0" err="1">
+                <a:solidFill>
+                  <a:srgbClr val="0070C0"/>
+                </a:solidFill>
+              </a:rPr>
+              <a:t>by_year_continent</a:t>
+            </a:r>
+            <a:r>
+              <a:rPr lang="en-US" dirty="0">
+                <a:solidFill>
+                  <a:srgbClr val="0070C0"/>
+                </a:solidFill>
+              </a:rPr>
+              <a:t> &lt;- </a:t>
+            </a:r>
+            <a:r>
+              <a:rPr lang="en-US" dirty="0" err="1">
+                <a:solidFill>
+                  <a:srgbClr val="0070C0"/>
+                </a:solidFill>
+              </a:rPr>
+              <a:t>gapminder</a:t>
+            </a:r>
+            <a:r>
+              <a:rPr lang="en-US" dirty="0">
+                <a:solidFill>
+                  <a:srgbClr val="0070C0"/>
+                </a:solidFill>
+              </a:rPr>
+              <a:t> %&gt;%  </a:t>
+            </a:r>
+          </a:p>
+          <a:p>
+            <a:pPr lvl="1"/>
+            <a:r>
+              <a:rPr lang="en-US" dirty="0" err="1">
+                <a:solidFill>
+                  <a:srgbClr val="0070C0"/>
+                </a:solidFill>
+              </a:rPr>
+              <a:t>group_by</a:t>
+            </a:r>
+            <a:r>
+              <a:rPr lang="en-US" dirty="0">
+                <a:solidFill>
+                  <a:srgbClr val="0070C0"/>
+                </a:solidFill>
+              </a:rPr>
+              <a:t>(continent, year) %&gt;%  </a:t>
+            </a:r>
+          </a:p>
+          <a:p>
+            <a:pPr lvl="1"/>
+            <a:r>
+              <a:rPr lang="en-US" dirty="0">
+                <a:solidFill>
+                  <a:srgbClr val="0070C0"/>
+                </a:solidFill>
+              </a:rPr>
+              <a:t> summarize(</a:t>
+            </a:r>
+            <a:r>
+              <a:rPr lang="en-US" dirty="0" err="1">
+                <a:solidFill>
+                  <a:srgbClr val="0070C0"/>
+                </a:solidFill>
+              </a:rPr>
+              <a:t>medianGdpPercap</a:t>
+            </a:r>
+            <a:r>
+              <a:rPr lang="en-US" dirty="0">
+                <a:solidFill>
+                  <a:srgbClr val="0070C0"/>
+                </a:solidFill>
+              </a:rPr>
+              <a:t> = median(</a:t>
+            </a:r>
+            <a:r>
+              <a:rPr lang="en-US" dirty="0" err="1">
+                <a:solidFill>
+                  <a:srgbClr val="0070C0"/>
+                </a:solidFill>
+              </a:rPr>
+              <a:t>gdpPercap</a:t>
+            </a:r>
+            <a:r>
+              <a:rPr lang="en-US" dirty="0">
+                <a:solidFill>
+                  <a:srgbClr val="0070C0"/>
+                </a:solidFill>
+              </a:rPr>
+              <a:t>))</a:t>
+            </a:r>
+          </a:p>
+          <a:p>
+            <a:pPr lvl="1"/>
+            <a:endParaRPr lang="en-US" dirty="0">
+              <a:solidFill>
+                <a:srgbClr val="0070C0"/>
+              </a:solidFill>
+            </a:endParaRPr>
+          </a:p>
+          <a:p>
+            <a:r>
+              <a:rPr lang="en-US" dirty="0">
+                <a:solidFill>
+                  <a:srgbClr val="0070C0"/>
+                </a:solidFill>
+              </a:rPr>
+              <a:t># Plot the change in </a:t>
+            </a:r>
+            <a:r>
+              <a:rPr lang="en-US" dirty="0" err="1">
+                <a:solidFill>
+                  <a:srgbClr val="0070C0"/>
+                </a:solidFill>
+              </a:rPr>
+              <a:t>medianGdpPercap</a:t>
+            </a:r>
+            <a:r>
+              <a:rPr lang="en-US" dirty="0">
+                <a:solidFill>
+                  <a:srgbClr val="0070C0"/>
+                </a:solidFill>
+              </a:rPr>
+              <a:t> in each continent over time</a:t>
+            </a:r>
+          </a:p>
+          <a:p>
+            <a:endParaRPr lang="en-US" dirty="0">
+              <a:solidFill>
+                <a:srgbClr val="0070C0"/>
+              </a:solidFill>
+            </a:endParaRPr>
+          </a:p>
+          <a:p>
+            <a:r>
+              <a:rPr lang="en-US" dirty="0" err="1">
+                <a:solidFill>
+                  <a:srgbClr val="0070C0"/>
+                </a:solidFill>
+              </a:rPr>
+              <a:t>ggplot</a:t>
+            </a:r>
+            <a:r>
+              <a:rPr lang="en-US" dirty="0">
+                <a:solidFill>
+                  <a:srgbClr val="0070C0"/>
+                </a:solidFill>
+              </a:rPr>
+              <a:t>(</a:t>
+            </a:r>
+            <a:r>
+              <a:rPr lang="en-US" dirty="0" err="1">
+                <a:solidFill>
+                  <a:srgbClr val="0070C0"/>
+                </a:solidFill>
+              </a:rPr>
+              <a:t>by_year_continent</a:t>
+            </a:r>
+            <a:r>
+              <a:rPr lang="en-US" dirty="0">
+                <a:solidFill>
+                  <a:srgbClr val="0070C0"/>
+                </a:solidFill>
+              </a:rPr>
+              <a:t>, </a:t>
+            </a:r>
+          </a:p>
+          <a:p>
+            <a:r>
+              <a:rPr lang="en-US" dirty="0">
+                <a:solidFill>
+                  <a:srgbClr val="0070C0"/>
+                </a:solidFill>
+              </a:rPr>
+              <a:t>	</a:t>
+            </a:r>
+            <a:r>
+              <a:rPr lang="en-US" dirty="0" err="1">
+                <a:solidFill>
+                  <a:srgbClr val="0070C0"/>
+                </a:solidFill>
+              </a:rPr>
+              <a:t>aes</a:t>
+            </a:r>
+            <a:r>
+              <a:rPr lang="en-US" dirty="0">
+                <a:solidFill>
+                  <a:srgbClr val="0070C0"/>
+                </a:solidFill>
+              </a:rPr>
+              <a:t>(x = year, y = </a:t>
+            </a:r>
+            <a:r>
+              <a:rPr lang="en-US" dirty="0" err="1">
+                <a:solidFill>
+                  <a:srgbClr val="0070C0"/>
+                </a:solidFill>
+              </a:rPr>
+              <a:t>medianGdpPercap</a:t>
+            </a:r>
+            <a:r>
+              <a:rPr lang="en-US" dirty="0">
+                <a:solidFill>
+                  <a:srgbClr val="0070C0"/>
+                </a:solidFill>
+              </a:rPr>
+              <a:t> , color = continent)) +  </a:t>
+            </a:r>
+          </a:p>
+          <a:p>
+            <a:r>
+              <a:rPr lang="en-US" dirty="0">
+                <a:solidFill>
+                  <a:srgbClr val="0070C0"/>
+                </a:solidFill>
+              </a:rPr>
+              <a:t>	</a:t>
+            </a:r>
+            <a:r>
+              <a:rPr lang="en-US" dirty="0" err="1">
+                <a:solidFill>
+                  <a:srgbClr val="0070C0"/>
+                </a:solidFill>
+              </a:rPr>
+              <a:t>geom_point</a:t>
+            </a:r>
+            <a:r>
+              <a:rPr lang="en-US" dirty="0">
+                <a:solidFill>
+                  <a:srgbClr val="0070C0"/>
+                </a:solidFill>
+              </a:rPr>
+              <a:t>() +  </a:t>
+            </a:r>
+          </a:p>
+          <a:p>
+            <a:r>
+              <a:rPr lang="en-US" dirty="0">
+                <a:solidFill>
+                  <a:srgbClr val="0070C0"/>
+                </a:solidFill>
+              </a:rPr>
+              <a:t>	</a:t>
+            </a:r>
+            <a:r>
+              <a:rPr lang="en-US" dirty="0" err="1">
+                <a:solidFill>
+                  <a:srgbClr val="0070C0"/>
+                </a:solidFill>
+              </a:rPr>
+              <a:t>expand_limits</a:t>
+            </a:r>
+            <a:r>
+              <a:rPr lang="en-US" dirty="0">
+                <a:solidFill>
+                  <a:srgbClr val="0070C0"/>
+                </a:solidFill>
+              </a:rPr>
+              <a:t>(y = 0)</a:t>
+            </a:r>
+            <a:endParaRPr lang="en-US" dirty="0"/>
+          </a:p>
+          <a:p>
+            <a:endParaRPr lang="en-US" dirty="0">
+              <a:solidFill>
+                <a:srgbClr val="0070C0"/>
+              </a:solidFill>
+            </a:endParaRPr>
+          </a:p>
+        </p:txBody>
+      </p:sp>
+      <p:pic>
+        <p:nvPicPr>
+          <p:cNvPr id="4" name="Picture 3">
+            <a:extLst>
+              <a:ext uri="{FF2B5EF4-FFF2-40B4-BE49-F238E27FC236}">
+                <a16:creationId xmlns:a16="http://schemas.microsoft.com/office/drawing/2014/main" id="{452375AD-1BF7-44B8-9966-D9D4E36B9B1A}"/>
+              </a:ext>
+            </a:extLst>
+          </p:cNvPr>
+          <p:cNvPicPr>
+            <a:picLocks noChangeAspect="1"/>
+          </p:cNvPicPr>
+          <p:nvPr/>
+        </p:nvPicPr>
+        <p:blipFill>
+          <a:blip r:embed="rId2"/>
+          <a:stretch>
+            <a:fillRect/>
+          </a:stretch>
+        </p:blipFill>
+        <p:spPr>
+          <a:xfrm>
+            <a:off x="7809263" y="3318558"/>
+            <a:ext cx="4382737" cy="2809868"/>
+          </a:xfrm>
+          <a:prstGeom prst="rect">
+            <a:avLst/>
+          </a:prstGeom>
+        </p:spPr>
+      </p:pic>
+    </p:spTree>
+    <p:extLst>
+      <p:ext uri="{BB962C8B-B14F-4D97-AF65-F5344CB8AC3E}">
+        <p14:creationId xmlns:p14="http://schemas.microsoft.com/office/powerpoint/2010/main" val="797164978"/>
+      </p:ext>
+    </p:extLst>
+  </p:cSld>
+  <p:clrMapOvr>
+    <a:masterClrMapping/>
+  </p:clrMapOvr>
+</p:sld>
+</file>
+
+<file path=ppt/slides/slide147.xml><?xml version="1.0" encoding="utf-8"?>
+<p:sld xmlns:a="http://schemas.openxmlformats.org/drawingml/2006/main" xmlns:r="http://schemas.openxmlformats.org/officeDocument/2006/relationships" xmlns:p="http://schemas.openxmlformats.org/presentationml/2006/main">
+  <p:cSld>
+    <p:spTree>
+      <p:nvGrpSpPr>
+        <p:cNvPr id="1" name=""/>
+        <p:cNvGrpSpPr/>
+        <p:nvPr/>
+      </p:nvGrpSpPr>
+      <p:grpSpPr>
+        <a:xfrm>
+          <a:off x="0" y="0"/>
+          <a:ext cx="0" cy="0"/>
+          <a:chOff x="0" y="0"/>
+          <a:chExt cx="0" cy="0"/>
+        </a:xfrm>
+      </p:grpSpPr>
+      <p:sp>
+        <p:nvSpPr>
+          <p:cNvPr id="2" name="Title 1">
+            <a:extLst>
+              <a:ext uri="{FF2B5EF4-FFF2-40B4-BE49-F238E27FC236}">
+                <a16:creationId xmlns:a16="http://schemas.microsoft.com/office/drawing/2014/main" id="{AA60FE2A-8EF5-4F8D-9ABD-B5DF0468CB21}"/>
+              </a:ext>
+            </a:extLst>
+          </p:cNvPr>
+          <p:cNvSpPr>
+            <a:spLocks noGrp="1"/>
+          </p:cNvSpPr>
+          <p:nvPr>
+            <p:ph type="title"/>
+          </p:nvPr>
+        </p:nvSpPr>
+        <p:spPr/>
+        <p:txBody>
+          <a:bodyPr/>
+          <a:lstStyle/>
+          <a:p>
+            <a:r>
+              <a:rPr lang="en-US" dirty="0"/>
+              <a:t>Plot Types</a:t>
+            </a:r>
+          </a:p>
+        </p:txBody>
+      </p:sp>
+      <p:pic>
+        <p:nvPicPr>
+          <p:cNvPr id="3" name="Picture 2">
+            <a:extLst>
+              <a:ext uri="{FF2B5EF4-FFF2-40B4-BE49-F238E27FC236}">
+                <a16:creationId xmlns:a16="http://schemas.microsoft.com/office/drawing/2014/main" id="{930A417B-ACD2-4561-952E-B55C4B168D35}"/>
+              </a:ext>
+            </a:extLst>
+          </p:cNvPr>
+          <p:cNvPicPr>
+            <a:picLocks noChangeAspect="1"/>
+          </p:cNvPicPr>
+          <p:nvPr/>
+        </p:nvPicPr>
+        <p:blipFill>
+          <a:blip r:embed="rId2"/>
+          <a:stretch>
+            <a:fillRect/>
+          </a:stretch>
+        </p:blipFill>
+        <p:spPr>
+          <a:xfrm>
+            <a:off x="2996119" y="1033492"/>
+            <a:ext cx="7725686" cy="5319986"/>
+          </a:xfrm>
+          <a:prstGeom prst="rect">
+            <a:avLst/>
+          </a:prstGeom>
+        </p:spPr>
+      </p:pic>
+    </p:spTree>
+    <p:extLst>
+      <p:ext uri="{BB962C8B-B14F-4D97-AF65-F5344CB8AC3E}">
+        <p14:creationId xmlns:p14="http://schemas.microsoft.com/office/powerpoint/2010/main" val="1545173892"/>
+      </p:ext>
+    </p:extLst>
+  </p:cSld>
+  <p:clrMapOvr>
+    <a:masterClrMapping/>
+  </p:clrMapOvr>
+</p:sld>
+</file>
+
+<file path=ppt/slides/slide148.xml><?xml version="1.0" encoding="utf-8"?>
+<p:sld xmlns:a="http://schemas.openxmlformats.org/drawingml/2006/main" xmlns:r="http://schemas.openxmlformats.org/officeDocument/2006/relationships" xmlns:p="http://schemas.openxmlformats.org/presentationml/2006/main">
+  <p:cSld>
+    <p:spTree>
+      <p:nvGrpSpPr>
+        <p:cNvPr id="1" name=""/>
+        <p:cNvGrpSpPr/>
+        <p:nvPr/>
+      </p:nvGrpSpPr>
+      <p:grpSpPr>
+        <a:xfrm>
+          <a:off x="0" y="0"/>
+          <a:ext cx="0" cy="0"/>
+          <a:chOff x="0" y="0"/>
+          <a:chExt cx="0" cy="0"/>
+        </a:xfrm>
+      </p:grpSpPr>
+      <p:sp>
+        <p:nvSpPr>
+          <p:cNvPr id="2" name="Title 1">
+            <a:extLst>
+              <a:ext uri="{FF2B5EF4-FFF2-40B4-BE49-F238E27FC236}">
+                <a16:creationId xmlns:a16="http://schemas.microsoft.com/office/drawing/2014/main" id="{D23E4649-999C-4785-AEC5-B5136B45F3EA}"/>
+              </a:ext>
+            </a:extLst>
+          </p:cNvPr>
+          <p:cNvSpPr>
+            <a:spLocks noGrp="1"/>
+          </p:cNvSpPr>
+          <p:nvPr>
+            <p:ph type="title"/>
+          </p:nvPr>
+        </p:nvSpPr>
+        <p:spPr/>
+        <p:txBody>
+          <a:bodyPr/>
+          <a:lstStyle/>
+          <a:p>
+            <a:r>
+              <a:rPr lang="en-US" dirty="0" err="1"/>
+              <a:t>ScatterPlot</a:t>
+            </a:r>
+            <a:r>
+              <a:rPr lang="en-US" dirty="0"/>
+              <a:t> vs </a:t>
+            </a:r>
+            <a:r>
+              <a:rPr lang="en-US" dirty="0" err="1"/>
+              <a:t>LinePlot</a:t>
+            </a:r>
+            <a:endParaRPr lang="en-US" dirty="0"/>
+          </a:p>
+        </p:txBody>
+      </p:sp>
+      <p:pic>
+        <p:nvPicPr>
+          <p:cNvPr id="3" name="Picture 2">
+            <a:extLst>
+              <a:ext uri="{FF2B5EF4-FFF2-40B4-BE49-F238E27FC236}">
+                <a16:creationId xmlns:a16="http://schemas.microsoft.com/office/drawing/2014/main" id="{6734D90B-4D2B-46B2-9CC3-3D579CB9F3F9}"/>
+              </a:ext>
+            </a:extLst>
+          </p:cNvPr>
+          <p:cNvPicPr>
+            <a:picLocks noChangeAspect="1"/>
+          </p:cNvPicPr>
+          <p:nvPr/>
+        </p:nvPicPr>
+        <p:blipFill>
+          <a:blip r:embed="rId2"/>
+          <a:stretch>
+            <a:fillRect/>
+          </a:stretch>
+        </p:blipFill>
+        <p:spPr>
+          <a:xfrm>
+            <a:off x="1403417" y="1414260"/>
+            <a:ext cx="9696450" cy="4924425"/>
+          </a:xfrm>
+          <a:prstGeom prst="rect">
+            <a:avLst/>
+          </a:prstGeom>
+        </p:spPr>
+      </p:pic>
+    </p:spTree>
+    <p:extLst>
+      <p:ext uri="{BB962C8B-B14F-4D97-AF65-F5344CB8AC3E}">
+        <p14:creationId xmlns:p14="http://schemas.microsoft.com/office/powerpoint/2010/main" val="3034742585"/>
+      </p:ext>
+    </p:extLst>
+  </p:cSld>
+  <p:clrMapOvr>
+    <a:masterClrMapping/>
+  </p:clrMapOvr>
+</p:sld>
+</file>
+
+<file path=ppt/slides/slide149.xml><?xml version="1.0" encoding="utf-8"?>
+<p:sld xmlns:a="http://schemas.openxmlformats.org/drawingml/2006/main" xmlns:r="http://schemas.openxmlformats.org/officeDocument/2006/relationships" xmlns:p="http://schemas.openxmlformats.org/presentationml/2006/main">
+  <p:cSld>
+    <p:spTree>
+      <p:nvGrpSpPr>
+        <p:cNvPr id="1" name=""/>
+        <p:cNvGrpSpPr/>
+        <p:nvPr/>
+      </p:nvGrpSpPr>
+      <p:grpSpPr>
+        <a:xfrm>
+          <a:off x="0" y="0"/>
+          <a:ext cx="0" cy="0"/>
+          <a:chOff x="0" y="0"/>
+          <a:chExt cx="0" cy="0"/>
+        </a:xfrm>
+      </p:grpSpPr>
+      <p:sp>
+        <p:nvSpPr>
+          <p:cNvPr id="2" name="Title 1">
+            <a:extLst>
+              <a:ext uri="{FF2B5EF4-FFF2-40B4-BE49-F238E27FC236}">
+                <a16:creationId xmlns:a16="http://schemas.microsoft.com/office/drawing/2014/main" id="{D23E4649-999C-4785-AEC5-B5136B45F3EA}"/>
+              </a:ext>
+            </a:extLst>
+          </p:cNvPr>
+          <p:cNvSpPr>
+            <a:spLocks noGrp="1"/>
+          </p:cNvSpPr>
+          <p:nvPr>
+            <p:ph type="title"/>
+          </p:nvPr>
+        </p:nvSpPr>
+        <p:spPr/>
+        <p:txBody>
+          <a:bodyPr/>
+          <a:lstStyle/>
+          <a:p>
+            <a:r>
+              <a:rPr lang="en-US" dirty="0"/>
+              <a:t>Line Plot</a:t>
+            </a:r>
+          </a:p>
+        </p:txBody>
+      </p:sp>
+      <p:sp>
+        <p:nvSpPr>
+          <p:cNvPr id="4" name="Rectangle 3">
+            <a:extLst>
+              <a:ext uri="{FF2B5EF4-FFF2-40B4-BE49-F238E27FC236}">
+                <a16:creationId xmlns:a16="http://schemas.microsoft.com/office/drawing/2014/main" id="{DC4028E8-06BA-48A4-B03B-9AB5D3F23E21}"/>
+              </a:ext>
+            </a:extLst>
+          </p:cNvPr>
+          <p:cNvSpPr/>
+          <p:nvPr/>
+        </p:nvSpPr>
+        <p:spPr>
+          <a:xfrm>
+            <a:off x="1147864" y="1653994"/>
+            <a:ext cx="10009762" cy="923330"/>
+          </a:xfrm>
+          <a:prstGeom prst="rect">
+            <a:avLst/>
+          </a:prstGeom>
+        </p:spPr>
+        <p:txBody>
+          <a:bodyPr wrap="square">
+            <a:spAutoFit/>
+          </a:bodyPr>
+          <a:lstStyle/>
+          <a:p>
+            <a:r>
+              <a:rPr lang="en-US" dirty="0" err="1">
+                <a:solidFill>
+                  <a:srgbClr val="444444"/>
+                </a:solidFill>
+                <a:latin typeface="RobotoMono-Regular"/>
+              </a:rPr>
+              <a:t>ggplot</a:t>
+            </a:r>
+            <a:r>
+              <a:rPr lang="en-US" dirty="0">
+                <a:solidFill>
+                  <a:srgbClr val="444444"/>
+                </a:solidFill>
+                <a:latin typeface="RobotoMono-Regular"/>
+              </a:rPr>
+              <a:t>(</a:t>
+            </a:r>
+            <a:r>
+              <a:rPr lang="en-US" dirty="0" err="1">
+                <a:solidFill>
+                  <a:srgbClr val="444444"/>
+                </a:solidFill>
+                <a:latin typeface="RobotoMono-Regular"/>
+              </a:rPr>
+              <a:t>year_continent</a:t>
+            </a:r>
+            <a:r>
+              <a:rPr lang="en-US" dirty="0">
+                <a:solidFill>
+                  <a:srgbClr val="444444"/>
+                </a:solidFill>
+                <a:latin typeface="RobotoMono-Regular"/>
+              </a:rPr>
+              <a:t>, </a:t>
+            </a:r>
+            <a:r>
+              <a:rPr lang="en-US" dirty="0" err="1">
+                <a:solidFill>
+                  <a:srgbClr val="444444"/>
+                </a:solidFill>
+                <a:latin typeface="RobotoMono-Regular"/>
+              </a:rPr>
+              <a:t>aes</a:t>
+            </a:r>
+            <a:r>
+              <a:rPr lang="en-US" dirty="0">
+                <a:solidFill>
+                  <a:srgbClr val="444444"/>
+                </a:solidFill>
+                <a:latin typeface="RobotoMono-Regular"/>
+              </a:rPr>
+              <a:t>(x = year, y = </a:t>
+            </a:r>
+            <a:r>
+              <a:rPr lang="en-US" dirty="0" err="1">
+                <a:solidFill>
+                  <a:srgbClr val="444444"/>
+                </a:solidFill>
+                <a:latin typeface="RobotoMono-Regular"/>
+              </a:rPr>
+              <a:t>meanLifeExp</a:t>
+            </a:r>
+            <a:r>
+              <a:rPr lang="en-US" dirty="0">
+                <a:solidFill>
+                  <a:srgbClr val="444444"/>
+                </a:solidFill>
+                <a:latin typeface="RobotoMono-Regular"/>
+              </a:rPr>
+              <a:t>, color = continent)) +</a:t>
+            </a:r>
+          </a:p>
+          <a:p>
+            <a:r>
+              <a:rPr lang="en-US" b="1" dirty="0">
+                <a:solidFill>
+                  <a:srgbClr val="444444"/>
+                </a:solidFill>
+                <a:latin typeface="RobotoMono-Regular"/>
+              </a:rPr>
+              <a:t>	</a:t>
+            </a:r>
+            <a:r>
+              <a:rPr lang="en-US" b="1" dirty="0" err="1">
+                <a:solidFill>
+                  <a:srgbClr val="444444"/>
+                </a:solidFill>
+                <a:latin typeface="RobotoMono-Regular"/>
+              </a:rPr>
+              <a:t>geom_line</a:t>
+            </a:r>
+            <a:r>
+              <a:rPr lang="en-US" b="1" dirty="0">
+                <a:solidFill>
+                  <a:srgbClr val="444444"/>
+                </a:solidFill>
+                <a:latin typeface="RobotoMono-Regular"/>
+              </a:rPr>
+              <a:t>() +</a:t>
+            </a:r>
+          </a:p>
+          <a:p>
+            <a:r>
+              <a:rPr lang="en-US" dirty="0">
+                <a:solidFill>
+                  <a:srgbClr val="444444"/>
+                </a:solidFill>
+                <a:latin typeface="RobotoMono-Regular"/>
+              </a:rPr>
+              <a:t>	</a:t>
+            </a:r>
+            <a:r>
+              <a:rPr lang="en-US" dirty="0" err="1">
+                <a:solidFill>
+                  <a:srgbClr val="444444"/>
+                </a:solidFill>
+                <a:latin typeface="RobotoMono-Regular"/>
+              </a:rPr>
+              <a:t>expand_limits</a:t>
+            </a:r>
+            <a:r>
+              <a:rPr lang="en-US" dirty="0">
+                <a:solidFill>
+                  <a:srgbClr val="444444"/>
+                </a:solidFill>
+                <a:latin typeface="RobotoMono-Regular"/>
+              </a:rPr>
+              <a:t>(y = </a:t>
+            </a:r>
+            <a:r>
+              <a:rPr lang="en-US" dirty="0">
+                <a:solidFill>
+                  <a:srgbClr val="2A9B0B"/>
+                </a:solidFill>
+                <a:latin typeface="RobotoMono-Regular"/>
+              </a:rPr>
+              <a:t>0</a:t>
+            </a:r>
+            <a:r>
+              <a:rPr lang="en-US" dirty="0">
+                <a:solidFill>
+                  <a:srgbClr val="444444"/>
+                </a:solidFill>
+                <a:latin typeface="RobotoMono-Regular"/>
+              </a:rPr>
+              <a:t>)</a:t>
+            </a:r>
+            <a:endParaRPr lang="en-US" dirty="0"/>
+          </a:p>
+        </p:txBody>
+      </p:sp>
+      <p:pic>
+        <p:nvPicPr>
+          <p:cNvPr id="5" name="Picture 4">
+            <a:extLst>
+              <a:ext uri="{FF2B5EF4-FFF2-40B4-BE49-F238E27FC236}">
+                <a16:creationId xmlns:a16="http://schemas.microsoft.com/office/drawing/2014/main" id="{93F991A9-8546-4361-A237-CA7003B3F9AE}"/>
+              </a:ext>
+            </a:extLst>
+          </p:cNvPr>
+          <p:cNvPicPr>
+            <a:picLocks noChangeAspect="1"/>
+          </p:cNvPicPr>
+          <p:nvPr/>
+        </p:nvPicPr>
+        <p:blipFill>
+          <a:blip r:embed="rId2"/>
+          <a:stretch>
+            <a:fillRect/>
+          </a:stretch>
+        </p:blipFill>
+        <p:spPr>
+          <a:xfrm>
+            <a:off x="5476673" y="2348180"/>
+            <a:ext cx="4205692" cy="3581233"/>
+          </a:xfrm>
+          <a:prstGeom prst="rect">
+            <a:avLst/>
+          </a:prstGeom>
+        </p:spPr>
+      </p:pic>
+    </p:spTree>
+    <p:extLst>
+      <p:ext uri="{BB962C8B-B14F-4D97-AF65-F5344CB8AC3E}">
+        <p14:creationId xmlns:p14="http://schemas.microsoft.com/office/powerpoint/2010/main" val="4013233241"/>
       </p:ext>
     </p:extLst>
   </p:cSld>
@@ -23144,6 +27424,2699 @@
 </p:sld>
 </file>
 
+<file path=ppt/slides/slide150.xml><?xml version="1.0" encoding="utf-8"?>
+<p:sld xmlns:a="http://schemas.openxmlformats.org/drawingml/2006/main" xmlns:r="http://schemas.openxmlformats.org/officeDocument/2006/relationships" xmlns:p="http://schemas.openxmlformats.org/presentationml/2006/main">
+  <p:cSld>
+    <p:spTree>
+      <p:nvGrpSpPr>
+        <p:cNvPr id="1" name=""/>
+        <p:cNvGrpSpPr/>
+        <p:nvPr/>
+      </p:nvGrpSpPr>
+      <p:grpSpPr>
+        <a:xfrm>
+          <a:off x="0" y="0"/>
+          <a:ext cx="0" cy="0"/>
+          <a:chOff x="0" y="0"/>
+          <a:chExt cx="0" cy="0"/>
+        </a:xfrm>
+      </p:grpSpPr>
+      <p:sp>
+        <p:nvSpPr>
+          <p:cNvPr id="2" name="Title 1">
+            <a:extLst>
+              <a:ext uri="{FF2B5EF4-FFF2-40B4-BE49-F238E27FC236}">
+                <a16:creationId xmlns:a16="http://schemas.microsoft.com/office/drawing/2014/main" id="{727B1864-7217-40FA-A297-FAAFAD25A205}"/>
+              </a:ext>
+            </a:extLst>
+          </p:cNvPr>
+          <p:cNvSpPr>
+            <a:spLocks noGrp="1"/>
+          </p:cNvSpPr>
+          <p:nvPr>
+            <p:ph type="title"/>
+          </p:nvPr>
+        </p:nvSpPr>
+        <p:spPr/>
+        <p:txBody>
+          <a:bodyPr/>
+          <a:lstStyle/>
+          <a:p>
+            <a:r>
+              <a:rPr lang="en-US" dirty="0"/>
+              <a:t>Bar Plot</a:t>
+            </a:r>
+          </a:p>
+        </p:txBody>
+      </p:sp>
+      <p:sp>
+        <p:nvSpPr>
+          <p:cNvPr id="3" name="Rectangle 2">
+            <a:extLst>
+              <a:ext uri="{FF2B5EF4-FFF2-40B4-BE49-F238E27FC236}">
+                <a16:creationId xmlns:a16="http://schemas.microsoft.com/office/drawing/2014/main" id="{530C69DC-AA02-49F8-AECC-CC271DB1DF66}"/>
+              </a:ext>
+            </a:extLst>
+          </p:cNvPr>
+          <p:cNvSpPr/>
+          <p:nvPr/>
+        </p:nvSpPr>
+        <p:spPr>
+          <a:xfrm>
+            <a:off x="1413753" y="1389621"/>
+            <a:ext cx="8313906" cy="4247317"/>
+          </a:xfrm>
+          <a:prstGeom prst="rect">
+            <a:avLst/>
+          </a:prstGeom>
+        </p:spPr>
+        <p:txBody>
+          <a:bodyPr wrap="square">
+            <a:spAutoFit/>
+          </a:bodyPr>
+          <a:lstStyle/>
+          <a:p>
+            <a:r>
+              <a:rPr lang="en-US" dirty="0">
+                <a:solidFill>
+                  <a:srgbClr val="0070C0"/>
+                </a:solidFill>
+              </a:rPr>
+              <a:t>library(</a:t>
+            </a:r>
+            <a:r>
+              <a:rPr lang="en-US" dirty="0" err="1">
+                <a:solidFill>
+                  <a:srgbClr val="0070C0"/>
+                </a:solidFill>
+              </a:rPr>
+              <a:t>gapminder</a:t>
+            </a:r>
+            <a:r>
+              <a:rPr lang="en-US" dirty="0">
+                <a:solidFill>
+                  <a:srgbClr val="0070C0"/>
+                </a:solidFill>
+              </a:rPr>
+              <a:t>)</a:t>
+            </a:r>
+          </a:p>
+          <a:p>
+            <a:r>
+              <a:rPr lang="en-US" dirty="0">
+                <a:solidFill>
+                  <a:srgbClr val="0070C0"/>
+                </a:solidFill>
+              </a:rPr>
+              <a:t>library(</a:t>
+            </a:r>
+            <a:r>
+              <a:rPr lang="en-US" dirty="0" err="1">
+                <a:solidFill>
+                  <a:srgbClr val="0070C0"/>
+                </a:solidFill>
+              </a:rPr>
+              <a:t>dplyr</a:t>
+            </a:r>
+            <a:r>
+              <a:rPr lang="en-US" dirty="0">
+                <a:solidFill>
+                  <a:srgbClr val="0070C0"/>
+                </a:solidFill>
+              </a:rPr>
+              <a:t>)</a:t>
+            </a:r>
+          </a:p>
+          <a:p>
+            <a:r>
+              <a:rPr lang="en-US" dirty="0">
+                <a:solidFill>
+                  <a:srgbClr val="0070C0"/>
+                </a:solidFill>
+              </a:rPr>
+              <a:t>library(ggplot2)</a:t>
+            </a:r>
+          </a:p>
+          <a:p>
+            <a:endParaRPr lang="en-US" dirty="0">
+              <a:solidFill>
+                <a:srgbClr val="0070C0"/>
+              </a:solidFill>
+            </a:endParaRPr>
+          </a:p>
+          <a:p>
+            <a:r>
+              <a:rPr lang="en-US" dirty="0">
+                <a:solidFill>
+                  <a:srgbClr val="0070C0"/>
+                </a:solidFill>
+              </a:rPr>
+              <a:t># Summarize the median </a:t>
+            </a:r>
+            <a:r>
+              <a:rPr lang="en-US" dirty="0" err="1">
+                <a:solidFill>
+                  <a:srgbClr val="0070C0"/>
+                </a:solidFill>
+              </a:rPr>
+              <a:t>gdpPercap</a:t>
+            </a:r>
+            <a:r>
+              <a:rPr lang="en-US" dirty="0">
+                <a:solidFill>
+                  <a:srgbClr val="0070C0"/>
+                </a:solidFill>
+              </a:rPr>
+              <a:t> by year and continent in 1952</a:t>
+            </a:r>
+          </a:p>
+          <a:p>
+            <a:r>
+              <a:rPr lang="en-US" dirty="0" err="1">
+                <a:solidFill>
+                  <a:srgbClr val="0070C0"/>
+                </a:solidFill>
+              </a:rPr>
+              <a:t>by_continent</a:t>
+            </a:r>
+            <a:r>
+              <a:rPr lang="en-US" dirty="0">
+                <a:solidFill>
+                  <a:srgbClr val="0070C0"/>
+                </a:solidFill>
+              </a:rPr>
+              <a:t> &lt;- </a:t>
+            </a:r>
+            <a:r>
+              <a:rPr lang="en-US" dirty="0" err="1">
+                <a:solidFill>
+                  <a:srgbClr val="0070C0"/>
+                </a:solidFill>
+              </a:rPr>
+              <a:t>gapminder</a:t>
+            </a:r>
+            <a:r>
+              <a:rPr lang="en-US" dirty="0">
+                <a:solidFill>
+                  <a:srgbClr val="0070C0"/>
+                </a:solidFill>
+              </a:rPr>
+              <a:t> %&gt;% </a:t>
+            </a:r>
+          </a:p>
+          <a:p>
+            <a:pPr lvl="1"/>
+            <a:r>
+              <a:rPr lang="en-US" dirty="0">
+                <a:solidFill>
+                  <a:srgbClr val="0070C0"/>
+                </a:solidFill>
+              </a:rPr>
+              <a:t>filter(year == 1952) %&gt;%  </a:t>
+            </a:r>
+          </a:p>
+          <a:p>
+            <a:pPr lvl="1"/>
+            <a:r>
+              <a:rPr lang="en-US" dirty="0" err="1">
+                <a:solidFill>
+                  <a:srgbClr val="0070C0"/>
+                </a:solidFill>
+              </a:rPr>
+              <a:t>group_by</a:t>
+            </a:r>
+            <a:r>
+              <a:rPr lang="en-US" dirty="0">
+                <a:solidFill>
+                  <a:srgbClr val="0070C0"/>
+                </a:solidFill>
+              </a:rPr>
+              <a:t>(continent) %&gt;%  </a:t>
+            </a:r>
+          </a:p>
+          <a:p>
+            <a:pPr lvl="1"/>
+            <a:r>
+              <a:rPr lang="en-US" dirty="0">
+                <a:solidFill>
+                  <a:srgbClr val="0070C0"/>
+                </a:solidFill>
+              </a:rPr>
+              <a:t>summarize(</a:t>
+            </a:r>
+            <a:r>
+              <a:rPr lang="en-US" dirty="0" err="1">
+                <a:solidFill>
+                  <a:srgbClr val="0070C0"/>
+                </a:solidFill>
+              </a:rPr>
+              <a:t>medianGdpPercap</a:t>
+            </a:r>
+            <a:r>
+              <a:rPr lang="en-US" dirty="0">
+                <a:solidFill>
+                  <a:srgbClr val="0070C0"/>
+                </a:solidFill>
+              </a:rPr>
+              <a:t> = median(</a:t>
+            </a:r>
+            <a:r>
+              <a:rPr lang="en-US" dirty="0" err="1">
+                <a:solidFill>
+                  <a:srgbClr val="0070C0"/>
+                </a:solidFill>
+              </a:rPr>
+              <a:t>gdpPercap</a:t>
+            </a:r>
+            <a:r>
+              <a:rPr lang="en-US" dirty="0">
+                <a:solidFill>
+                  <a:srgbClr val="0070C0"/>
+                </a:solidFill>
+              </a:rPr>
+              <a:t>))</a:t>
+            </a:r>
+          </a:p>
+          <a:p>
+            <a:endParaRPr lang="en-US" dirty="0">
+              <a:solidFill>
+                <a:srgbClr val="0070C0"/>
+              </a:solidFill>
+            </a:endParaRPr>
+          </a:p>
+          <a:p>
+            <a:r>
+              <a:rPr lang="en-US" dirty="0">
+                <a:solidFill>
+                  <a:srgbClr val="0070C0"/>
+                </a:solidFill>
+              </a:rPr>
+              <a:t># Create a bar plot showing </a:t>
+            </a:r>
+            <a:r>
+              <a:rPr lang="en-US" dirty="0" err="1">
+                <a:solidFill>
+                  <a:srgbClr val="0070C0"/>
+                </a:solidFill>
+              </a:rPr>
+              <a:t>medianGdp</a:t>
+            </a:r>
+            <a:r>
+              <a:rPr lang="en-US" dirty="0">
+                <a:solidFill>
+                  <a:srgbClr val="0070C0"/>
+                </a:solidFill>
+              </a:rPr>
+              <a:t> by continent</a:t>
+            </a:r>
+          </a:p>
+          <a:p>
+            <a:endParaRPr lang="en-US" dirty="0">
+              <a:solidFill>
+                <a:srgbClr val="0070C0"/>
+              </a:solidFill>
+            </a:endParaRPr>
+          </a:p>
+          <a:p>
+            <a:r>
+              <a:rPr lang="en-US" dirty="0" err="1">
+                <a:solidFill>
+                  <a:srgbClr val="0070C0"/>
+                </a:solidFill>
+              </a:rPr>
+              <a:t>ggplot</a:t>
+            </a:r>
+            <a:r>
+              <a:rPr lang="en-US" dirty="0">
+                <a:solidFill>
+                  <a:srgbClr val="0070C0"/>
+                </a:solidFill>
+              </a:rPr>
+              <a:t>(</a:t>
+            </a:r>
+            <a:r>
+              <a:rPr lang="en-US" dirty="0" err="1">
+                <a:solidFill>
+                  <a:srgbClr val="0070C0"/>
+                </a:solidFill>
+              </a:rPr>
+              <a:t>by_continent</a:t>
+            </a:r>
+            <a:r>
+              <a:rPr lang="en-US" dirty="0">
+                <a:solidFill>
+                  <a:srgbClr val="0070C0"/>
+                </a:solidFill>
+              </a:rPr>
+              <a:t>, </a:t>
+            </a:r>
+          </a:p>
+          <a:p>
+            <a:r>
+              <a:rPr lang="en-US" dirty="0">
+                <a:solidFill>
+                  <a:srgbClr val="0070C0"/>
+                </a:solidFill>
+              </a:rPr>
+              <a:t>	</a:t>
+            </a:r>
+            <a:r>
+              <a:rPr lang="en-US" dirty="0" err="1">
+                <a:solidFill>
+                  <a:srgbClr val="0070C0"/>
+                </a:solidFill>
+              </a:rPr>
+              <a:t>aes</a:t>
+            </a:r>
+            <a:r>
+              <a:rPr lang="en-US" dirty="0">
+                <a:solidFill>
+                  <a:srgbClr val="0070C0"/>
+                </a:solidFill>
+              </a:rPr>
+              <a:t>(x = continent, y = </a:t>
+            </a:r>
+            <a:r>
+              <a:rPr lang="en-US" dirty="0" err="1">
+                <a:solidFill>
+                  <a:srgbClr val="0070C0"/>
+                </a:solidFill>
+              </a:rPr>
+              <a:t>medianGdpPercap</a:t>
+            </a:r>
+            <a:r>
+              <a:rPr lang="en-US" dirty="0">
+                <a:solidFill>
+                  <a:srgbClr val="0070C0"/>
+                </a:solidFill>
+              </a:rPr>
+              <a:t>)) +  </a:t>
+            </a:r>
+          </a:p>
+          <a:p>
+            <a:r>
+              <a:rPr lang="en-US" dirty="0">
+                <a:solidFill>
+                  <a:srgbClr val="0070C0"/>
+                </a:solidFill>
+              </a:rPr>
+              <a:t>	</a:t>
+            </a:r>
+            <a:r>
+              <a:rPr lang="en-US" dirty="0" err="1">
+                <a:solidFill>
+                  <a:srgbClr val="0070C0"/>
+                </a:solidFill>
+              </a:rPr>
+              <a:t>geom_col</a:t>
+            </a:r>
+            <a:r>
+              <a:rPr lang="en-US" dirty="0">
+                <a:solidFill>
+                  <a:srgbClr val="0070C0"/>
+                </a:solidFill>
+              </a:rPr>
+              <a:t>()</a:t>
+            </a:r>
+          </a:p>
+        </p:txBody>
+      </p:sp>
+      <p:pic>
+        <p:nvPicPr>
+          <p:cNvPr id="4" name="Picture 3">
+            <a:extLst>
+              <a:ext uri="{FF2B5EF4-FFF2-40B4-BE49-F238E27FC236}">
+                <a16:creationId xmlns:a16="http://schemas.microsoft.com/office/drawing/2014/main" id="{44774C34-D707-486C-9C82-0DCA654432ED}"/>
+              </a:ext>
+            </a:extLst>
+          </p:cNvPr>
+          <p:cNvPicPr>
+            <a:picLocks noChangeAspect="1"/>
+          </p:cNvPicPr>
+          <p:nvPr/>
+        </p:nvPicPr>
+        <p:blipFill>
+          <a:blip r:embed="rId2"/>
+          <a:stretch>
+            <a:fillRect/>
+          </a:stretch>
+        </p:blipFill>
+        <p:spPr>
+          <a:xfrm>
+            <a:off x="7689132" y="3338013"/>
+            <a:ext cx="4077053" cy="2613887"/>
+          </a:xfrm>
+          <a:prstGeom prst="rect">
+            <a:avLst/>
+          </a:prstGeom>
+        </p:spPr>
+      </p:pic>
+    </p:spTree>
+    <p:extLst>
+      <p:ext uri="{BB962C8B-B14F-4D97-AF65-F5344CB8AC3E}">
+        <p14:creationId xmlns:p14="http://schemas.microsoft.com/office/powerpoint/2010/main" val="238367152"/>
+      </p:ext>
+    </p:extLst>
+  </p:cSld>
+  <p:clrMapOvr>
+    <a:masterClrMapping/>
+  </p:clrMapOvr>
+</p:sld>
+</file>
+
+<file path=ppt/slides/slide151.xml><?xml version="1.0" encoding="utf-8"?>
+<p:sld xmlns:a="http://schemas.openxmlformats.org/drawingml/2006/main" xmlns:r="http://schemas.openxmlformats.org/officeDocument/2006/relationships" xmlns:p="http://schemas.openxmlformats.org/presentationml/2006/main">
+  <p:cSld>
+    <p:spTree>
+      <p:nvGrpSpPr>
+        <p:cNvPr id="1" name=""/>
+        <p:cNvGrpSpPr/>
+        <p:nvPr/>
+      </p:nvGrpSpPr>
+      <p:grpSpPr>
+        <a:xfrm>
+          <a:off x="0" y="0"/>
+          <a:ext cx="0" cy="0"/>
+          <a:chOff x="0" y="0"/>
+          <a:chExt cx="0" cy="0"/>
+        </a:xfrm>
+      </p:grpSpPr>
+      <p:sp>
+        <p:nvSpPr>
+          <p:cNvPr id="2" name="Title 1">
+            <a:extLst>
+              <a:ext uri="{FF2B5EF4-FFF2-40B4-BE49-F238E27FC236}">
+                <a16:creationId xmlns:a16="http://schemas.microsoft.com/office/drawing/2014/main" id="{25333BCE-0444-46E3-A932-8331EE3C0DE6}"/>
+              </a:ext>
+            </a:extLst>
+          </p:cNvPr>
+          <p:cNvSpPr>
+            <a:spLocks noGrp="1"/>
+          </p:cNvSpPr>
+          <p:nvPr>
+            <p:ph type="title"/>
+          </p:nvPr>
+        </p:nvSpPr>
+        <p:spPr/>
+        <p:txBody>
+          <a:bodyPr/>
+          <a:lstStyle/>
+          <a:p>
+            <a:r>
+              <a:rPr lang="en-US" dirty="0"/>
+              <a:t>Histogram</a:t>
+            </a:r>
+          </a:p>
+        </p:txBody>
+      </p:sp>
+      <p:sp>
+        <p:nvSpPr>
+          <p:cNvPr id="3" name="Rectangle 2">
+            <a:extLst>
+              <a:ext uri="{FF2B5EF4-FFF2-40B4-BE49-F238E27FC236}">
+                <a16:creationId xmlns:a16="http://schemas.microsoft.com/office/drawing/2014/main" id="{EF5E6C3D-E46C-4820-8692-B2765F623A38}"/>
+              </a:ext>
+            </a:extLst>
+          </p:cNvPr>
+          <p:cNvSpPr/>
+          <p:nvPr/>
+        </p:nvSpPr>
+        <p:spPr>
+          <a:xfrm>
+            <a:off x="1044102" y="1295400"/>
+            <a:ext cx="6096000" cy="2862322"/>
+          </a:xfrm>
+          <a:prstGeom prst="rect">
+            <a:avLst/>
+          </a:prstGeom>
+        </p:spPr>
+        <p:txBody>
+          <a:bodyPr>
+            <a:spAutoFit/>
+          </a:bodyPr>
+          <a:lstStyle/>
+          <a:p>
+            <a:r>
+              <a:rPr lang="en-US" dirty="0">
+                <a:solidFill>
+                  <a:srgbClr val="0070C0"/>
+                </a:solidFill>
+              </a:rPr>
+              <a:t>library(</a:t>
+            </a:r>
+            <a:r>
+              <a:rPr lang="en-US" dirty="0" err="1">
+                <a:solidFill>
+                  <a:srgbClr val="0070C0"/>
+                </a:solidFill>
+              </a:rPr>
+              <a:t>gapminder</a:t>
+            </a:r>
+            <a:r>
+              <a:rPr lang="en-US" dirty="0">
+                <a:solidFill>
+                  <a:srgbClr val="0070C0"/>
+                </a:solidFill>
+              </a:rPr>
+              <a:t>)</a:t>
+            </a:r>
+          </a:p>
+          <a:p>
+            <a:r>
+              <a:rPr lang="en-US" dirty="0">
+                <a:solidFill>
+                  <a:srgbClr val="0070C0"/>
+                </a:solidFill>
+              </a:rPr>
+              <a:t>library(</a:t>
+            </a:r>
+            <a:r>
+              <a:rPr lang="en-US" dirty="0" err="1">
+                <a:solidFill>
+                  <a:srgbClr val="0070C0"/>
+                </a:solidFill>
+              </a:rPr>
+              <a:t>dplyr</a:t>
+            </a:r>
+            <a:r>
+              <a:rPr lang="en-US" dirty="0">
+                <a:solidFill>
+                  <a:srgbClr val="0070C0"/>
+                </a:solidFill>
+              </a:rPr>
+              <a:t>)</a:t>
+            </a:r>
+          </a:p>
+          <a:p>
+            <a:r>
+              <a:rPr lang="en-US" dirty="0">
+                <a:solidFill>
+                  <a:srgbClr val="0070C0"/>
+                </a:solidFill>
+              </a:rPr>
+              <a:t>library(ggplot2)</a:t>
+            </a:r>
+          </a:p>
+          <a:p>
+            <a:endParaRPr lang="en-US" dirty="0">
+              <a:solidFill>
+                <a:srgbClr val="0070C0"/>
+              </a:solidFill>
+            </a:endParaRPr>
+          </a:p>
+          <a:p>
+            <a:r>
+              <a:rPr lang="en-US" dirty="0">
+                <a:solidFill>
+                  <a:srgbClr val="0070C0"/>
+                </a:solidFill>
+              </a:rPr>
+              <a:t>gapminder_1952 &lt;- </a:t>
+            </a:r>
+            <a:r>
+              <a:rPr lang="en-US" dirty="0" err="1">
+                <a:solidFill>
+                  <a:srgbClr val="0070C0"/>
+                </a:solidFill>
+              </a:rPr>
+              <a:t>gapminder</a:t>
+            </a:r>
+            <a:r>
+              <a:rPr lang="en-US" dirty="0">
+                <a:solidFill>
+                  <a:srgbClr val="0070C0"/>
+                </a:solidFill>
+              </a:rPr>
+              <a:t> %&gt;%</a:t>
+            </a:r>
+          </a:p>
+          <a:p>
+            <a:r>
+              <a:rPr lang="en-US" dirty="0">
+                <a:solidFill>
+                  <a:srgbClr val="0070C0"/>
+                </a:solidFill>
+              </a:rPr>
+              <a:t>	filter(year == 1952)</a:t>
+            </a:r>
+          </a:p>
+          <a:p>
+            <a:endParaRPr lang="en-US" dirty="0">
+              <a:solidFill>
+                <a:srgbClr val="0070C0"/>
+              </a:solidFill>
+            </a:endParaRPr>
+          </a:p>
+          <a:p>
+            <a:r>
+              <a:rPr lang="en-US" dirty="0">
+                <a:solidFill>
+                  <a:srgbClr val="0070C0"/>
+                </a:solidFill>
+              </a:rPr>
+              <a:t># Create a histogram of population (pop)</a:t>
+            </a:r>
+          </a:p>
+          <a:p>
+            <a:r>
+              <a:rPr lang="en-US" dirty="0" err="1">
+                <a:solidFill>
+                  <a:srgbClr val="0070C0"/>
+                </a:solidFill>
+              </a:rPr>
+              <a:t>ggplot</a:t>
+            </a:r>
+            <a:r>
+              <a:rPr lang="en-US" dirty="0">
+                <a:solidFill>
+                  <a:srgbClr val="0070C0"/>
+                </a:solidFill>
+              </a:rPr>
+              <a:t>(gapminder_1952, </a:t>
+            </a:r>
+            <a:r>
+              <a:rPr lang="en-US" dirty="0" err="1">
+                <a:solidFill>
+                  <a:srgbClr val="0070C0"/>
+                </a:solidFill>
+              </a:rPr>
+              <a:t>aes</a:t>
+            </a:r>
+            <a:r>
+              <a:rPr lang="en-US" dirty="0">
+                <a:solidFill>
+                  <a:srgbClr val="0070C0"/>
+                </a:solidFill>
+              </a:rPr>
+              <a:t>(x = pop)) +</a:t>
+            </a:r>
+          </a:p>
+          <a:p>
+            <a:r>
+              <a:rPr lang="en-US" dirty="0">
+                <a:solidFill>
+                  <a:srgbClr val="0070C0"/>
+                </a:solidFill>
+              </a:rPr>
+              <a:t>  	</a:t>
+            </a:r>
+            <a:r>
+              <a:rPr lang="en-US" dirty="0" err="1">
+                <a:solidFill>
+                  <a:srgbClr val="0070C0"/>
+                </a:solidFill>
+              </a:rPr>
+              <a:t>geom_histogram</a:t>
+            </a:r>
+            <a:r>
+              <a:rPr lang="en-US" dirty="0">
+                <a:solidFill>
+                  <a:srgbClr val="0070C0"/>
+                </a:solidFill>
+              </a:rPr>
+              <a:t>()</a:t>
+            </a:r>
+          </a:p>
+        </p:txBody>
+      </p:sp>
+      <p:pic>
+        <p:nvPicPr>
+          <p:cNvPr id="4" name="Picture 3">
+            <a:extLst>
+              <a:ext uri="{FF2B5EF4-FFF2-40B4-BE49-F238E27FC236}">
+                <a16:creationId xmlns:a16="http://schemas.microsoft.com/office/drawing/2014/main" id="{2F225AAB-51DD-44A0-932C-8610BD8D1A7B}"/>
+              </a:ext>
+            </a:extLst>
+          </p:cNvPr>
+          <p:cNvPicPr>
+            <a:picLocks noChangeAspect="1"/>
+          </p:cNvPicPr>
+          <p:nvPr/>
+        </p:nvPicPr>
+        <p:blipFill>
+          <a:blip r:embed="rId2"/>
+          <a:stretch>
+            <a:fillRect/>
+          </a:stretch>
+        </p:blipFill>
+        <p:spPr>
+          <a:xfrm>
+            <a:off x="6096000" y="1478604"/>
+            <a:ext cx="5455256" cy="3497483"/>
+          </a:xfrm>
+          <a:prstGeom prst="rect">
+            <a:avLst/>
+          </a:prstGeom>
+        </p:spPr>
+      </p:pic>
+    </p:spTree>
+    <p:extLst>
+      <p:ext uri="{BB962C8B-B14F-4D97-AF65-F5344CB8AC3E}">
+        <p14:creationId xmlns:p14="http://schemas.microsoft.com/office/powerpoint/2010/main" val="2469372649"/>
+      </p:ext>
+    </p:extLst>
+  </p:cSld>
+  <p:clrMapOvr>
+    <a:masterClrMapping/>
+  </p:clrMapOvr>
+</p:sld>
+</file>
+
+<file path=ppt/slides/slide152.xml><?xml version="1.0" encoding="utf-8"?>
+<p:sld xmlns:a="http://schemas.openxmlformats.org/drawingml/2006/main" xmlns:r="http://schemas.openxmlformats.org/officeDocument/2006/relationships" xmlns:p="http://schemas.openxmlformats.org/presentationml/2006/main">
+  <p:cSld>
+    <p:spTree>
+      <p:nvGrpSpPr>
+        <p:cNvPr id="1" name=""/>
+        <p:cNvGrpSpPr/>
+        <p:nvPr/>
+      </p:nvGrpSpPr>
+      <p:grpSpPr>
+        <a:xfrm>
+          <a:off x="0" y="0"/>
+          <a:ext cx="0" cy="0"/>
+          <a:chOff x="0" y="0"/>
+          <a:chExt cx="0" cy="0"/>
+        </a:xfrm>
+      </p:grpSpPr>
+      <p:sp>
+        <p:nvSpPr>
+          <p:cNvPr id="2" name="Title 1">
+            <a:extLst>
+              <a:ext uri="{FF2B5EF4-FFF2-40B4-BE49-F238E27FC236}">
+                <a16:creationId xmlns:a16="http://schemas.microsoft.com/office/drawing/2014/main" id="{52F32372-46CC-4F7A-93C5-A4EB96110164}"/>
+              </a:ext>
+            </a:extLst>
+          </p:cNvPr>
+          <p:cNvSpPr>
+            <a:spLocks noGrp="1"/>
+          </p:cNvSpPr>
+          <p:nvPr>
+            <p:ph type="title"/>
+          </p:nvPr>
+        </p:nvSpPr>
+        <p:spPr/>
+        <p:txBody>
+          <a:bodyPr/>
+          <a:lstStyle/>
+          <a:p>
+            <a:r>
+              <a:rPr lang="en-US" dirty="0" err="1"/>
+              <a:t>BoxPlot</a:t>
+            </a:r>
+            <a:endParaRPr lang="en-US" dirty="0"/>
+          </a:p>
+        </p:txBody>
+      </p:sp>
+      <p:pic>
+        <p:nvPicPr>
+          <p:cNvPr id="5" name="Picture 3" descr="A screenshot of a cell phone screen with text&#10;&#10;Description automatically generated">
+            <a:extLst>
+              <a:ext uri="{FF2B5EF4-FFF2-40B4-BE49-F238E27FC236}">
+                <a16:creationId xmlns:a16="http://schemas.microsoft.com/office/drawing/2014/main" id="{5FB16DF6-8BC8-45AD-97B5-A87F9B08D531}"/>
+              </a:ext>
+            </a:extLst>
+          </p:cNvPr>
+          <p:cNvPicPr>
+            <a:picLocks noChangeAspect="1" noChangeArrowheads="1"/>
+          </p:cNvPicPr>
+          <p:nvPr/>
+        </p:nvPicPr>
+        <p:blipFill>
+          <a:blip r:embed="rId2">
+            <a:extLst>
+              <a:ext uri="{28A0092B-C50C-407E-A947-70E740481C1C}">
+                <a14:useLocalDpi xmlns:a14="http://schemas.microsoft.com/office/drawing/2010/main" val="0"/>
+              </a:ext>
+            </a:extLst>
+          </a:blip>
+          <a:srcRect/>
+          <a:stretch>
+            <a:fillRect/>
+          </a:stretch>
+        </p:blipFill>
+        <p:spPr bwMode="auto">
+          <a:xfrm>
+            <a:off x="4160576" y="1295400"/>
+            <a:ext cx="3062288" cy="4675188"/>
+          </a:xfrm>
+          <a:prstGeom prst="rect">
+            <a:avLst/>
+          </a:prstGeom>
+          <a:noFill/>
+          <a:ln>
+            <a:noFill/>
+          </a:ln>
+          <a:extLst>
+            <a:ext uri="{909E8E84-426E-40DD-AFC4-6F175D3DCCD1}">
+              <a14:hiddenFill xmlns:a14="http://schemas.microsoft.com/office/drawing/2010/main">
+                <a:solidFill>
+                  <a:srgbClr val="FFFFFF"/>
+                </a:solidFill>
+              </a14:hiddenFill>
+            </a:ext>
+            <a:ext uri="{91240B29-F687-4F45-9708-019B960494DF}">
+              <a14:hiddenLine xmlns:a14="http://schemas.microsoft.com/office/drawing/2010/main" w="9525">
+                <a:solidFill>
+                  <a:srgbClr val="000000"/>
+                </a:solidFill>
+                <a:miter lim="800000"/>
+                <a:headEnd/>
+                <a:tailEnd/>
+              </a14:hiddenLine>
+            </a:ext>
+          </a:extLst>
+        </p:spPr>
+      </p:pic>
+    </p:spTree>
+    <p:extLst>
+      <p:ext uri="{BB962C8B-B14F-4D97-AF65-F5344CB8AC3E}">
+        <p14:creationId xmlns:p14="http://schemas.microsoft.com/office/powerpoint/2010/main" val="284031602"/>
+      </p:ext>
+    </p:extLst>
+  </p:cSld>
+  <p:clrMapOvr>
+    <a:masterClrMapping/>
+  </p:clrMapOvr>
+</p:sld>
+</file>
+
+<file path=ppt/slides/slide153.xml><?xml version="1.0" encoding="utf-8"?>
+<p:sld xmlns:a="http://schemas.openxmlformats.org/drawingml/2006/main" xmlns:r="http://schemas.openxmlformats.org/officeDocument/2006/relationships" xmlns:p="http://schemas.openxmlformats.org/presentationml/2006/main">
+  <p:cSld>
+    <p:spTree>
+      <p:nvGrpSpPr>
+        <p:cNvPr id="1" name=""/>
+        <p:cNvGrpSpPr/>
+        <p:nvPr/>
+      </p:nvGrpSpPr>
+      <p:grpSpPr>
+        <a:xfrm>
+          <a:off x="0" y="0"/>
+          <a:ext cx="0" cy="0"/>
+          <a:chOff x="0" y="0"/>
+          <a:chExt cx="0" cy="0"/>
+        </a:xfrm>
+      </p:grpSpPr>
+      <p:sp>
+        <p:nvSpPr>
+          <p:cNvPr id="2" name="Title 1">
+            <a:extLst>
+              <a:ext uri="{FF2B5EF4-FFF2-40B4-BE49-F238E27FC236}">
+                <a16:creationId xmlns:a16="http://schemas.microsoft.com/office/drawing/2014/main" id="{52F32372-46CC-4F7A-93C5-A4EB96110164}"/>
+              </a:ext>
+            </a:extLst>
+          </p:cNvPr>
+          <p:cNvSpPr>
+            <a:spLocks noGrp="1"/>
+          </p:cNvSpPr>
+          <p:nvPr>
+            <p:ph type="title"/>
+          </p:nvPr>
+        </p:nvSpPr>
+        <p:spPr/>
+        <p:txBody>
+          <a:bodyPr/>
+          <a:lstStyle/>
+          <a:p>
+            <a:r>
+              <a:rPr lang="en-US" dirty="0" err="1"/>
+              <a:t>BoxPlot</a:t>
+            </a:r>
+            <a:endParaRPr lang="en-US" dirty="0"/>
+          </a:p>
+        </p:txBody>
+      </p:sp>
+      <p:pic>
+        <p:nvPicPr>
+          <p:cNvPr id="3" name="Picture 2">
+            <a:extLst>
+              <a:ext uri="{FF2B5EF4-FFF2-40B4-BE49-F238E27FC236}">
+                <a16:creationId xmlns:a16="http://schemas.microsoft.com/office/drawing/2014/main" id="{0B7C6157-37A2-44E4-9878-445754B55720}"/>
+              </a:ext>
+            </a:extLst>
+          </p:cNvPr>
+          <p:cNvPicPr>
+            <a:picLocks noChangeAspect="1"/>
+          </p:cNvPicPr>
+          <p:nvPr/>
+        </p:nvPicPr>
+        <p:blipFill>
+          <a:blip r:embed="rId2"/>
+          <a:stretch>
+            <a:fillRect/>
+          </a:stretch>
+        </p:blipFill>
+        <p:spPr>
+          <a:xfrm>
+            <a:off x="7194063" y="3701657"/>
+            <a:ext cx="4077053" cy="2613887"/>
+          </a:xfrm>
+          <a:prstGeom prst="rect">
+            <a:avLst/>
+          </a:prstGeom>
+        </p:spPr>
+      </p:pic>
+      <p:sp>
+        <p:nvSpPr>
+          <p:cNvPr id="4" name="Rectangle 3">
+            <a:extLst>
+              <a:ext uri="{FF2B5EF4-FFF2-40B4-BE49-F238E27FC236}">
+                <a16:creationId xmlns:a16="http://schemas.microsoft.com/office/drawing/2014/main" id="{5B0F2F79-150A-477C-ADED-99513C89A0A8}"/>
+              </a:ext>
+            </a:extLst>
+          </p:cNvPr>
+          <p:cNvSpPr/>
+          <p:nvPr/>
+        </p:nvSpPr>
+        <p:spPr>
+          <a:xfrm>
+            <a:off x="878731" y="1582340"/>
+            <a:ext cx="6922851" cy="3139321"/>
+          </a:xfrm>
+          <a:prstGeom prst="rect">
+            <a:avLst/>
+          </a:prstGeom>
+        </p:spPr>
+        <p:txBody>
+          <a:bodyPr wrap="square">
+            <a:spAutoFit/>
+          </a:bodyPr>
+          <a:lstStyle/>
+          <a:p>
+            <a:r>
+              <a:rPr lang="en-US" dirty="0">
+                <a:solidFill>
+                  <a:srgbClr val="0070C0"/>
+                </a:solidFill>
+              </a:rPr>
+              <a:t>library(</a:t>
+            </a:r>
+            <a:r>
+              <a:rPr lang="en-US" dirty="0" err="1">
+                <a:solidFill>
+                  <a:srgbClr val="0070C0"/>
+                </a:solidFill>
+              </a:rPr>
+              <a:t>gapminder</a:t>
+            </a:r>
+            <a:r>
+              <a:rPr lang="en-US" dirty="0">
+                <a:solidFill>
+                  <a:srgbClr val="0070C0"/>
+                </a:solidFill>
+              </a:rPr>
+              <a:t>)</a:t>
+            </a:r>
+          </a:p>
+          <a:p>
+            <a:r>
+              <a:rPr lang="en-US" dirty="0">
+                <a:solidFill>
+                  <a:srgbClr val="0070C0"/>
+                </a:solidFill>
+              </a:rPr>
+              <a:t>library(</a:t>
+            </a:r>
+            <a:r>
+              <a:rPr lang="en-US" dirty="0" err="1">
+                <a:solidFill>
+                  <a:srgbClr val="0070C0"/>
+                </a:solidFill>
+              </a:rPr>
+              <a:t>dplyr</a:t>
+            </a:r>
+            <a:r>
+              <a:rPr lang="en-US" dirty="0">
+                <a:solidFill>
+                  <a:srgbClr val="0070C0"/>
+                </a:solidFill>
+              </a:rPr>
+              <a:t>)</a:t>
+            </a:r>
+          </a:p>
+          <a:p>
+            <a:r>
+              <a:rPr lang="en-US" dirty="0">
+                <a:solidFill>
+                  <a:srgbClr val="0070C0"/>
+                </a:solidFill>
+              </a:rPr>
+              <a:t>library(ggplot2)</a:t>
+            </a:r>
+          </a:p>
+          <a:p>
+            <a:endParaRPr lang="en-US" dirty="0">
+              <a:solidFill>
+                <a:srgbClr val="0070C0"/>
+              </a:solidFill>
+            </a:endParaRPr>
+          </a:p>
+          <a:p>
+            <a:r>
+              <a:rPr lang="en-US" dirty="0">
+                <a:solidFill>
+                  <a:srgbClr val="0070C0"/>
+                </a:solidFill>
+              </a:rPr>
+              <a:t>gapminder_1952 &lt;- </a:t>
+            </a:r>
+            <a:r>
+              <a:rPr lang="en-US" dirty="0" err="1">
+                <a:solidFill>
+                  <a:srgbClr val="0070C0"/>
+                </a:solidFill>
+              </a:rPr>
+              <a:t>gapminder</a:t>
+            </a:r>
+            <a:r>
+              <a:rPr lang="en-US" dirty="0">
+                <a:solidFill>
+                  <a:srgbClr val="0070C0"/>
+                </a:solidFill>
+              </a:rPr>
+              <a:t> %&gt;%</a:t>
+            </a:r>
+          </a:p>
+          <a:p>
+            <a:r>
+              <a:rPr lang="en-US" dirty="0">
+                <a:solidFill>
+                  <a:srgbClr val="0070C0"/>
+                </a:solidFill>
+              </a:rPr>
+              <a:t>  	filter(year == 1952)</a:t>
+            </a:r>
+          </a:p>
+          <a:p>
+            <a:endParaRPr lang="en-US" dirty="0">
+              <a:solidFill>
+                <a:srgbClr val="0070C0"/>
+              </a:solidFill>
+            </a:endParaRPr>
+          </a:p>
+          <a:p>
+            <a:r>
+              <a:rPr lang="en-US" dirty="0">
+                <a:solidFill>
+                  <a:srgbClr val="0070C0"/>
+                </a:solidFill>
+              </a:rPr>
+              <a:t># Create a boxplot comparing </a:t>
+            </a:r>
+            <a:r>
+              <a:rPr lang="en-US" dirty="0" err="1">
+                <a:solidFill>
+                  <a:srgbClr val="0070C0"/>
+                </a:solidFill>
+              </a:rPr>
+              <a:t>gdpPercap</a:t>
+            </a:r>
+            <a:r>
+              <a:rPr lang="en-US" dirty="0">
+                <a:solidFill>
+                  <a:srgbClr val="0070C0"/>
+                </a:solidFill>
+              </a:rPr>
+              <a:t> among continents</a:t>
+            </a:r>
+          </a:p>
+          <a:p>
+            <a:r>
+              <a:rPr lang="en-US" dirty="0" err="1">
+                <a:solidFill>
+                  <a:srgbClr val="0070C0"/>
+                </a:solidFill>
+              </a:rPr>
+              <a:t>ggplot</a:t>
+            </a:r>
+            <a:r>
+              <a:rPr lang="en-US" dirty="0">
+                <a:solidFill>
+                  <a:srgbClr val="0070C0"/>
+                </a:solidFill>
+              </a:rPr>
+              <a:t>(gapminder_1952, </a:t>
+            </a:r>
+            <a:r>
+              <a:rPr lang="en-US" dirty="0" err="1">
+                <a:solidFill>
+                  <a:srgbClr val="0070C0"/>
+                </a:solidFill>
+              </a:rPr>
+              <a:t>aes</a:t>
+            </a:r>
+            <a:r>
+              <a:rPr lang="en-US" dirty="0">
+                <a:solidFill>
+                  <a:srgbClr val="0070C0"/>
+                </a:solidFill>
+              </a:rPr>
+              <a:t>(x = continent, y = </a:t>
+            </a:r>
+            <a:r>
+              <a:rPr lang="en-US" dirty="0" err="1">
+                <a:solidFill>
+                  <a:srgbClr val="0070C0"/>
+                </a:solidFill>
+              </a:rPr>
+              <a:t>gdpPercap</a:t>
+            </a:r>
+            <a:r>
+              <a:rPr lang="en-US" dirty="0">
+                <a:solidFill>
+                  <a:srgbClr val="0070C0"/>
+                </a:solidFill>
+              </a:rPr>
+              <a:t>)) +</a:t>
+            </a:r>
+          </a:p>
+          <a:p>
+            <a:r>
+              <a:rPr lang="en-US" dirty="0">
+                <a:solidFill>
+                  <a:srgbClr val="0070C0"/>
+                </a:solidFill>
+              </a:rPr>
+              <a:t>  	</a:t>
+            </a:r>
+            <a:r>
+              <a:rPr lang="en-US" dirty="0" err="1">
+                <a:solidFill>
+                  <a:srgbClr val="0070C0"/>
+                </a:solidFill>
+              </a:rPr>
+              <a:t>geom_boxplot</a:t>
+            </a:r>
+            <a:r>
+              <a:rPr lang="en-US" dirty="0">
+                <a:solidFill>
+                  <a:srgbClr val="0070C0"/>
+                </a:solidFill>
+              </a:rPr>
+              <a:t>() +</a:t>
+            </a:r>
+          </a:p>
+          <a:p>
+            <a:r>
+              <a:rPr lang="en-US" dirty="0">
+                <a:solidFill>
+                  <a:srgbClr val="0070C0"/>
+                </a:solidFill>
+              </a:rPr>
+              <a:t>  	scale_y_log10()</a:t>
+            </a:r>
+          </a:p>
+        </p:txBody>
+      </p:sp>
+      <p:pic>
+        <p:nvPicPr>
+          <p:cNvPr id="5" name="Picture 3" descr="A screenshot of a cell phone screen with text&#10;&#10;Description automatically generated">
+            <a:extLst>
+              <a:ext uri="{FF2B5EF4-FFF2-40B4-BE49-F238E27FC236}">
+                <a16:creationId xmlns:a16="http://schemas.microsoft.com/office/drawing/2014/main" id="{5FB16DF6-8BC8-45AD-97B5-A87F9B08D531}"/>
+              </a:ext>
+            </a:extLst>
+          </p:cNvPr>
+          <p:cNvPicPr>
+            <a:picLocks noChangeAspect="1" noChangeArrowheads="1"/>
+          </p:cNvPicPr>
+          <p:nvPr/>
+        </p:nvPicPr>
+        <p:blipFill>
+          <a:blip r:embed="rId3">
+            <a:extLst>
+              <a:ext uri="{28A0092B-C50C-407E-A947-70E740481C1C}">
+                <a14:useLocalDpi xmlns:a14="http://schemas.microsoft.com/office/drawing/2010/main" val="0"/>
+              </a:ext>
+            </a:extLst>
+          </a:blip>
+          <a:srcRect/>
+          <a:stretch>
+            <a:fillRect/>
+          </a:stretch>
+        </p:blipFill>
+        <p:spPr bwMode="auto">
+          <a:xfrm>
+            <a:off x="7671531" y="684267"/>
+            <a:ext cx="1864818" cy="2847014"/>
+          </a:xfrm>
+          <a:prstGeom prst="rect">
+            <a:avLst/>
+          </a:prstGeom>
+          <a:noFill/>
+          <a:ln>
+            <a:noFill/>
+          </a:ln>
+          <a:extLst>
+            <a:ext uri="{909E8E84-426E-40DD-AFC4-6F175D3DCCD1}">
+              <a14:hiddenFill xmlns:a14="http://schemas.microsoft.com/office/drawing/2010/main">
+                <a:solidFill>
+                  <a:srgbClr val="FFFFFF"/>
+                </a:solidFill>
+              </a14:hiddenFill>
+            </a:ext>
+            <a:ext uri="{91240B29-F687-4F45-9708-019B960494DF}">
+              <a14:hiddenLine xmlns:a14="http://schemas.microsoft.com/office/drawing/2010/main" w="9525">
+                <a:solidFill>
+                  <a:srgbClr val="000000"/>
+                </a:solidFill>
+                <a:miter lim="800000"/>
+                <a:headEnd/>
+                <a:tailEnd/>
+              </a14:hiddenLine>
+            </a:ext>
+          </a:extLst>
+        </p:spPr>
+      </p:pic>
+    </p:spTree>
+    <p:extLst>
+      <p:ext uri="{BB962C8B-B14F-4D97-AF65-F5344CB8AC3E}">
+        <p14:creationId xmlns:p14="http://schemas.microsoft.com/office/powerpoint/2010/main" val="2632074301"/>
+      </p:ext>
+    </p:extLst>
+  </p:cSld>
+  <p:clrMapOvr>
+    <a:masterClrMapping/>
+  </p:clrMapOvr>
+</p:sld>
+</file>
+
+<file path=ppt/slides/slide154.xml><?xml version="1.0" encoding="utf-8"?>
+<p:sld xmlns:a="http://schemas.openxmlformats.org/drawingml/2006/main" xmlns:r="http://schemas.openxmlformats.org/officeDocument/2006/relationships" xmlns:p="http://schemas.openxmlformats.org/presentationml/2006/main">
+  <p:cSld>
+    <p:spTree>
+      <p:nvGrpSpPr>
+        <p:cNvPr id="1" name=""/>
+        <p:cNvGrpSpPr/>
+        <p:nvPr/>
+      </p:nvGrpSpPr>
+      <p:grpSpPr>
+        <a:xfrm>
+          <a:off x="0" y="0"/>
+          <a:ext cx="0" cy="0"/>
+          <a:chOff x="0" y="0"/>
+          <a:chExt cx="0" cy="0"/>
+        </a:xfrm>
+      </p:grpSpPr>
+      <p:sp>
+        <p:nvSpPr>
+          <p:cNvPr id="2" name="Title 1">
+            <a:extLst>
+              <a:ext uri="{FF2B5EF4-FFF2-40B4-BE49-F238E27FC236}">
+                <a16:creationId xmlns:a16="http://schemas.microsoft.com/office/drawing/2014/main" id="{E82C7B9B-B892-445E-AC6A-8E4EC847FE2E}"/>
+              </a:ext>
+            </a:extLst>
+          </p:cNvPr>
+          <p:cNvSpPr>
+            <a:spLocks noGrp="1"/>
+          </p:cNvSpPr>
+          <p:nvPr>
+            <p:ph type="title"/>
+          </p:nvPr>
+        </p:nvSpPr>
+        <p:spPr/>
+        <p:txBody>
+          <a:bodyPr/>
+          <a:lstStyle/>
+          <a:p>
+            <a:r>
+              <a:rPr lang="en-US" dirty="0"/>
+              <a:t>Importing Data</a:t>
+            </a:r>
+          </a:p>
+        </p:txBody>
+      </p:sp>
+      <p:pic>
+        <p:nvPicPr>
+          <p:cNvPr id="3" name="Picture 2">
+            <a:extLst>
+              <a:ext uri="{FF2B5EF4-FFF2-40B4-BE49-F238E27FC236}">
+                <a16:creationId xmlns:a16="http://schemas.microsoft.com/office/drawing/2014/main" id="{FA4386BF-9883-4F06-B572-6D084724743D}"/>
+              </a:ext>
+            </a:extLst>
+          </p:cNvPr>
+          <p:cNvPicPr>
+            <a:picLocks noChangeAspect="1"/>
+          </p:cNvPicPr>
+          <p:nvPr/>
+        </p:nvPicPr>
+        <p:blipFill>
+          <a:blip r:embed="rId2"/>
+          <a:stretch>
+            <a:fillRect/>
+          </a:stretch>
+        </p:blipFill>
+        <p:spPr>
+          <a:xfrm>
+            <a:off x="2500009" y="1782534"/>
+            <a:ext cx="6211463" cy="4433439"/>
+          </a:xfrm>
+          <a:prstGeom prst="rect">
+            <a:avLst/>
+          </a:prstGeom>
+        </p:spPr>
+      </p:pic>
+    </p:spTree>
+    <p:extLst>
+      <p:ext uri="{BB962C8B-B14F-4D97-AF65-F5344CB8AC3E}">
+        <p14:creationId xmlns:p14="http://schemas.microsoft.com/office/powerpoint/2010/main" val="4178378428"/>
+      </p:ext>
+    </p:extLst>
+  </p:cSld>
+  <p:clrMapOvr>
+    <a:masterClrMapping/>
+  </p:clrMapOvr>
+</p:sld>
+</file>
+
+<file path=ppt/slides/slide155.xml><?xml version="1.0" encoding="utf-8"?>
+<p:sld xmlns:a="http://schemas.openxmlformats.org/drawingml/2006/main" xmlns:r="http://schemas.openxmlformats.org/officeDocument/2006/relationships" xmlns:p="http://schemas.openxmlformats.org/presentationml/2006/main">
+  <p:cSld>
+    <p:spTree>
+      <p:nvGrpSpPr>
+        <p:cNvPr id="1" name=""/>
+        <p:cNvGrpSpPr/>
+        <p:nvPr/>
+      </p:nvGrpSpPr>
+      <p:grpSpPr>
+        <a:xfrm>
+          <a:off x="0" y="0"/>
+          <a:ext cx="0" cy="0"/>
+          <a:chOff x="0" y="0"/>
+          <a:chExt cx="0" cy="0"/>
+        </a:xfrm>
+      </p:grpSpPr>
+      <p:sp>
+        <p:nvSpPr>
+          <p:cNvPr id="2" name="Title 1">
+            <a:extLst>
+              <a:ext uri="{FF2B5EF4-FFF2-40B4-BE49-F238E27FC236}">
+                <a16:creationId xmlns:a16="http://schemas.microsoft.com/office/drawing/2014/main" id="{36EC5A8C-513D-4FCF-A499-38081C01EAF6}"/>
+              </a:ext>
+            </a:extLst>
+          </p:cNvPr>
+          <p:cNvSpPr>
+            <a:spLocks noGrp="1"/>
+          </p:cNvSpPr>
+          <p:nvPr>
+            <p:ph type="title"/>
+          </p:nvPr>
+        </p:nvSpPr>
+        <p:spPr/>
+        <p:txBody>
+          <a:bodyPr/>
+          <a:lstStyle/>
+          <a:p>
+            <a:r>
+              <a:rPr lang="en-US" dirty="0"/>
+              <a:t>Import Data</a:t>
+            </a:r>
+          </a:p>
+        </p:txBody>
+      </p:sp>
+      <p:sp>
+        <p:nvSpPr>
+          <p:cNvPr id="3" name="Rectangle 2">
+            <a:extLst>
+              <a:ext uri="{FF2B5EF4-FFF2-40B4-BE49-F238E27FC236}">
+                <a16:creationId xmlns:a16="http://schemas.microsoft.com/office/drawing/2014/main" id="{D22A77B7-AF81-4D79-BB33-47FA2ADF51F3}"/>
+              </a:ext>
+            </a:extLst>
+          </p:cNvPr>
+          <p:cNvSpPr/>
+          <p:nvPr/>
+        </p:nvSpPr>
+        <p:spPr>
+          <a:xfrm>
+            <a:off x="817123" y="1692614"/>
+            <a:ext cx="10398868" cy="2862322"/>
+          </a:xfrm>
+          <a:prstGeom prst="rect">
+            <a:avLst/>
+          </a:prstGeom>
+        </p:spPr>
+        <p:txBody>
+          <a:bodyPr wrap="square">
+            <a:spAutoFit/>
+          </a:bodyPr>
+          <a:lstStyle/>
+          <a:p>
+            <a:pPr marL="285750" indent="-285750">
+              <a:buFont typeface="Arial" panose="020B0604020202020204" pitchFamily="34" charset="0"/>
+              <a:buChar char="•"/>
+            </a:pPr>
+            <a:r>
+              <a:rPr lang="en-US" dirty="0" err="1"/>
+              <a:t>read.table</a:t>
+            </a:r>
+            <a:r>
+              <a:rPr lang="en-US" dirty="0"/>
+              <a:t>() is the main function</a:t>
+            </a:r>
+          </a:p>
+          <a:p>
+            <a:pPr marL="285750" indent="-285750">
+              <a:buFont typeface="Arial" panose="020B0604020202020204" pitchFamily="34" charset="0"/>
+              <a:buChar char="•"/>
+            </a:pPr>
+            <a:r>
+              <a:rPr lang="en-US" dirty="0"/>
+              <a:t>read.csv() = wrapper for CSV</a:t>
+            </a:r>
+          </a:p>
+          <a:p>
+            <a:pPr marL="285750" indent="-285750">
+              <a:buFont typeface="Arial" panose="020B0604020202020204" pitchFamily="34" charset="0"/>
+              <a:buChar char="•"/>
+            </a:pPr>
+            <a:r>
+              <a:rPr lang="en-US" dirty="0" err="1"/>
+              <a:t>read.delim</a:t>
+            </a:r>
+            <a:r>
+              <a:rPr lang="en-US" dirty="0"/>
+              <a:t>() = wrapper for tab-delimited files</a:t>
+            </a:r>
+          </a:p>
+          <a:p>
+            <a:pPr marL="285750" indent="-285750">
+              <a:buFont typeface="Arial" panose="020B0604020202020204" pitchFamily="34" charset="0"/>
+              <a:buChar char="•"/>
+            </a:pPr>
+            <a:endParaRPr lang="en-US" dirty="0">
+              <a:solidFill>
+                <a:schemeClr val="bg2"/>
+              </a:solidFill>
+            </a:endParaRPr>
+          </a:p>
+          <a:p>
+            <a:endParaRPr lang="en-US" dirty="0">
+              <a:solidFill>
+                <a:schemeClr val="bg2"/>
+              </a:solidFill>
+            </a:endParaRPr>
+          </a:p>
+          <a:p>
+            <a:r>
+              <a:rPr lang="en-US" dirty="0">
+                <a:solidFill>
+                  <a:schemeClr val="bg2"/>
+                </a:solidFill>
+              </a:rPr>
+              <a:t>#Set the input data folder</a:t>
+            </a:r>
+          </a:p>
+          <a:p>
+            <a:r>
+              <a:rPr lang="en-US" dirty="0" err="1">
+                <a:solidFill>
+                  <a:srgbClr val="0070C0"/>
+                </a:solidFill>
+              </a:rPr>
+              <a:t>setwd</a:t>
+            </a:r>
+            <a:r>
+              <a:rPr lang="en-US" dirty="0">
+                <a:solidFill>
+                  <a:srgbClr val="0070C0"/>
+                </a:solidFill>
+              </a:rPr>
+              <a:t>('D:/Teaching/AUA/DSS')</a:t>
+            </a:r>
+          </a:p>
+          <a:p>
+            <a:endParaRPr lang="en-US" dirty="0">
+              <a:solidFill>
+                <a:srgbClr val="0070C0"/>
+              </a:solidFill>
+            </a:endParaRPr>
+          </a:p>
+          <a:p>
+            <a:r>
+              <a:rPr lang="en-US" dirty="0">
+                <a:solidFill>
+                  <a:schemeClr val="bg2"/>
+                </a:solidFill>
+              </a:rPr>
+              <a:t>#Read Data</a:t>
+            </a:r>
+          </a:p>
+          <a:p>
+            <a:r>
+              <a:rPr lang="en-US" dirty="0" err="1">
+                <a:solidFill>
+                  <a:srgbClr val="0070C0"/>
+                </a:solidFill>
+              </a:rPr>
+              <a:t>Trucking_jobs</a:t>
+            </a:r>
+            <a:r>
+              <a:rPr lang="en-US" dirty="0">
+                <a:solidFill>
+                  <a:srgbClr val="0070C0"/>
+                </a:solidFill>
+              </a:rPr>
+              <a:t> &lt;- </a:t>
+            </a:r>
+            <a:r>
+              <a:rPr lang="en-US" dirty="0" err="1">
+                <a:solidFill>
+                  <a:srgbClr val="0070C0"/>
+                </a:solidFill>
+              </a:rPr>
+              <a:t>read.table</a:t>
+            </a:r>
+            <a:r>
+              <a:rPr lang="en-US" dirty="0">
+                <a:solidFill>
+                  <a:srgbClr val="0070C0"/>
+                </a:solidFill>
+              </a:rPr>
+              <a:t>("Trucking_jobs.csv", header = T, </a:t>
+            </a:r>
+            <a:r>
+              <a:rPr lang="en-US" dirty="0" err="1">
+                <a:solidFill>
+                  <a:srgbClr val="0070C0"/>
+                </a:solidFill>
+              </a:rPr>
+              <a:t>sep</a:t>
+            </a:r>
+            <a:r>
+              <a:rPr lang="en-US" dirty="0">
+                <a:solidFill>
+                  <a:srgbClr val="0070C0"/>
+                </a:solidFill>
+              </a:rPr>
+              <a:t> = ‘,’, </a:t>
+            </a:r>
+            <a:r>
+              <a:rPr lang="en-US" dirty="0" err="1">
+                <a:solidFill>
+                  <a:srgbClr val="0070C0"/>
+                </a:solidFill>
+              </a:rPr>
+              <a:t>stringsAsFactors</a:t>
+            </a:r>
+            <a:r>
+              <a:rPr lang="en-US" dirty="0">
+                <a:solidFill>
+                  <a:srgbClr val="0070C0"/>
+                </a:solidFill>
+              </a:rPr>
+              <a:t> = FALSE)</a:t>
+            </a:r>
+          </a:p>
+        </p:txBody>
+      </p:sp>
+    </p:spTree>
+    <p:extLst>
+      <p:ext uri="{BB962C8B-B14F-4D97-AF65-F5344CB8AC3E}">
+        <p14:creationId xmlns:p14="http://schemas.microsoft.com/office/powerpoint/2010/main" val="1758041229"/>
+      </p:ext>
+    </p:extLst>
+  </p:cSld>
+  <p:clrMapOvr>
+    <a:masterClrMapping/>
+  </p:clrMapOvr>
+</p:sld>
+</file>
+
+<file path=ppt/slides/slide156.xml><?xml version="1.0" encoding="utf-8"?>
+<p:sld xmlns:a="http://schemas.openxmlformats.org/drawingml/2006/main" xmlns:r="http://schemas.openxmlformats.org/officeDocument/2006/relationships" xmlns:p="http://schemas.openxmlformats.org/presentationml/2006/main">
+  <p:cSld>
+    <p:spTree>
+      <p:nvGrpSpPr>
+        <p:cNvPr id="1" name=""/>
+        <p:cNvGrpSpPr/>
+        <p:nvPr/>
+      </p:nvGrpSpPr>
+      <p:grpSpPr>
+        <a:xfrm>
+          <a:off x="0" y="0"/>
+          <a:ext cx="0" cy="0"/>
+          <a:chOff x="0" y="0"/>
+          <a:chExt cx="0" cy="0"/>
+        </a:xfrm>
+      </p:grpSpPr>
+      <p:sp>
+        <p:nvSpPr>
+          <p:cNvPr id="2" name="Title 1">
+            <a:extLst>
+              <a:ext uri="{FF2B5EF4-FFF2-40B4-BE49-F238E27FC236}">
+                <a16:creationId xmlns:a16="http://schemas.microsoft.com/office/drawing/2014/main" id="{D1A883C7-6924-4C4B-82B8-EE331F1E2729}"/>
+              </a:ext>
+            </a:extLst>
+          </p:cNvPr>
+          <p:cNvSpPr>
+            <a:spLocks noGrp="1"/>
+          </p:cNvSpPr>
+          <p:nvPr>
+            <p:ph type="title"/>
+          </p:nvPr>
+        </p:nvSpPr>
+        <p:spPr/>
+        <p:txBody>
+          <a:bodyPr/>
+          <a:lstStyle/>
+          <a:p>
+            <a:r>
+              <a:rPr lang="en-US" dirty="0"/>
+              <a:t>Tab Delimited</a:t>
+            </a:r>
+          </a:p>
+        </p:txBody>
+      </p:sp>
+      <p:pic>
+        <p:nvPicPr>
+          <p:cNvPr id="3" name="Picture 2">
+            <a:extLst>
+              <a:ext uri="{FF2B5EF4-FFF2-40B4-BE49-F238E27FC236}">
+                <a16:creationId xmlns:a16="http://schemas.microsoft.com/office/drawing/2014/main" id="{7FD0A663-05DD-4D86-979A-4F4F2D37878C}"/>
+              </a:ext>
+            </a:extLst>
+          </p:cNvPr>
+          <p:cNvPicPr>
+            <a:picLocks noChangeAspect="1"/>
+          </p:cNvPicPr>
+          <p:nvPr/>
+        </p:nvPicPr>
+        <p:blipFill>
+          <a:blip r:embed="rId2"/>
+          <a:stretch>
+            <a:fillRect/>
+          </a:stretch>
+        </p:blipFill>
+        <p:spPr>
+          <a:xfrm>
+            <a:off x="1800782" y="1446992"/>
+            <a:ext cx="8590435" cy="5090299"/>
+          </a:xfrm>
+          <a:prstGeom prst="rect">
+            <a:avLst/>
+          </a:prstGeom>
+        </p:spPr>
+      </p:pic>
+    </p:spTree>
+    <p:extLst>
+      <p:ext uri="{BB962C8B-B14F-4D97-AF65-F5344CB8AC3E}">
+        <p14:creationId xmlns:p14="http://schemas.microsoft.com/office/powerpoint/2010/main" val="2324936966"/>
+      </p:ext>
+    </p:extLst>
+  </p:cSld>
+  <p:clrMapOvr>
+    <a:masterClrMapping/>
+  </p:clrMapOvr>
+</p:sld>
+</file>
+
+<file path=ppt/slides/slide157.xml><?xml version="1.0" encoding="utf-8"?>
+<p:sld xmlns:a="http://schemas.openxmlformats.org/drawingml/2006/main" xmlns:r="http://schemas.openxmlformats.org/officeDocument/2006/relationships" xmlns:p="http://schemas.openxmlformats.org/presentationml/2006/main">
+  <p:cSld>
+    <p:spTree>
+      <p:nvGrpSpPr>
+        <p:cNvPr id="1" name=""/>
+        <p:cNvGrpSpPr/>
+        <p:nvPr/>
+      </p:nvGrpSpPr>
+      <p:grpSpPr>
+        <a:xfrm>
+          <a:off x="0" y="0"/>
+          <a:ext cx="0" cy="0"/>
+          <a:chOff x="0" y="0"/>
+          <a:chExt cx="0" cy="0"/>
+        </a:xfrm>
+      </p:grpSpPr>
+      <p:sp>
+        <p:nvSpPr>
+          <p:cNvPr id="2" name="Title 1">
+            <a:extLst>
+              <a:ext uri="{FF2B5EF4-FFF2-40B4-BE49-F238E27FC236}">
+                <a16:creationId xmlns:a16="http://schemas.microsoft.com/office/drawing/2014/main" id="{CC4C5279-3D53-40E1-9BFC-C53065AEBCAC}"/>
+              </a:ext>
+            </a:extLst>
+          </p:cNvPr>
+          <p:cNvSpPr>
+            <a:spLocks noGrp="1"/>
+          </p:cNvSpPr>
+          <p:nvPr>
+            <p:ph type="title"/>
+          </p:nvPr>
+        </p:nvSpPr>
+        <p:spPr/>
+        <p:txBody>
+          <a:bodyPr/>
+          <a:lstStyle/>
+          <a:p>
+            <a:r>
+              <a:rPr lang="en-US" dirty="0"/>
+              <a:t>Read Data</a:t>
+            </a:r>
+          </a:p>
+        </p:txBody>
+      </p:sp>
+      <p:sp>
+        <p:nvSpPr>
+          <p:cNvPr id="3" name="Rectangle 2">
+            <a:extLst>
+              <a:ext uri="{FF2B5EF4-FFF2-40B4-BE49-F238E27FC236}">
+                <a16:creationId xmlns:a16="http://schemas.microsoft.com/office/drawing/2014/main" id="{C2445A97-A5B7-4769-8222-EBFCD78C9035}"/>
+              </a:ext>
+            </a:extLst>
+          </p:cNvPr>
+          <p:cNvSpPr/>
+          <p:nvPr/>
+        </p:nvSpPr>
+        <p:spPr>
+          <a:xfrm>
+            <a:off x="749030" y="3521812"/>
+            <a:ext cx="11235445" cy="1384995"/>
+          </a:xfrm>
+          <a:prstGeom prst="rect">
+            <a:avLst/>
+          </a:prstGeom>
+        </p:spPr>
+        <p:txBody>
+          <a:bodyPr wrap="square">
+            <a:spAutoFit/>
+          </a:bodyPr>
+          <a:lstStyle/>
+          <a:p>
+            <a:r>
+              <a:rPr lang="en-US" sz="2800" dirty="0" err="1">
+                <a:solidFill>
+                  <a:srgbClr val="000000"/>
+                </a:solidFill>
+                <a:latin typeface="SourceCodePro-Regular"/>
+              </a:rPr>
+              <a:t>read.table</a:t>
+            </a:r>
+            <a:r>
+              <a:rPr lang="en-US" sz="2800" dirty="0">
+                <a:solidFill>
+                  <a:srgbClr val="000000"/>
+                </a:solidFill>
+                <a:latin typeface="SourceCodePro-Regular"/>
+              </a:rPr>
+              <a:t>(</a:t>
+            </a:r>
+            <a:r>
+              <a:rPr lang="en-US" sz="2800" dirty="0">
+                <a:solidFill>
+                  <a:srgbClr val="FF2C1B"/>
+                </a:solidFill>
+                <a:latin typeface="SourceCodePro-Regular"/>
+              </a:rPr>
+              <a:t>"states.csv"</a:t>
+            </a:r>
+            <a:r>
+              <a:rPr lang="en-US" sz="2800" dirty="0">
+                <a:solidFill>
+                  <a:srgbClr val="000000"/>
+                </a:solidFill>
+                <a:latin typeface="SourceCodePro-Regular"/>
+              </a:rPr>
+              <a:t>, header = </a:t>
+            </a:r>
+            <a:r>
+              <a:rPr lang="en-US" sz="2800" dirty="0">
+                <a:solidFill>
+                  <a:srgbClr val="3945FF"/>
+                </a:solidFill>
+                <a:latin typeface="SourceCodePro-Regular"/>
+              </a:rPr>
+              <a:t>TRUE</a:t>
+            </a:r>
+            <a:r>
+              <a:rPr lang="en-US" sz="2800" dirty="0">
+                <a:solidFill>
+                  <a:srgbClr val="000000"/>
+                </a:solidFill>
+                <a:latin typeface="SourceCodePro-Regular"/>
+              </a:rPr>
+              <a:t>, </a:t>
+            </a:r>
+            <a:r>
+              <a:rPr lang="en-US" sz="2800" dirty="0" err="1">
+                <a:solidFill>
+                  <a:srgbClr val="000000"/>
+                </a:solidFill>
+                <a:latin typeface="SourceCodePro-Regular"/>
+              </a:rPr>
+              <a:t>sep</a:t>
+            </a:r>
+            <a:r>
+              <a:rPr lang="en-US" sz="2800" dirty="0">
+                <a:solidFill>
+                  <a:srgbClr val="000000"/>
+                </a:solidFill>
+                <a:latin typeface="SourceCodePro-Regular"/>
+              </a:rPr>
+              <a:t> = </a:t>
+            </a:r>
+            <a:r>
+              <a:rPr lang="en-US" sz="2800" dirty="0">
+                <a:solidFill>
+                  <a:srgbClr val="FF2C1B"/>
+                </a:solidFill>
+                <a:latin typeface="SourceCodePro-Regular"/>
+              </a:rPr>
+              <a:t>","</a:t>
+            </a:r>
+            <a:r>
+              <a:rPr lang="en-US" sz="2800" dirty="0">
+                <a:solidFill>
+                  <a:srgbClr val="000000"/>
+                </a:solidFill>
+                <a:latin typeface="SourceCodePro-Regular"/>
+              </a:rPr>
+              <a:t>, </a:t>
+            </a:r>
+            <a:r>
+              <a:rPr lang="en-US" sz="2800" dirty="0" err="1">
+                <a:solidFill>
+                  <a:srgbClr val="000000"/>
+                </a:solidFill>
+                <a:latin typeface="SourceCodePro-Regular"/>
+              </a:rPr>
+              <a:t>stringsAsFactors</a:t>
+            </a:r>
+            <a:r>
+              <a:rPr lang="en-US" sz="2800" dirty="0">
+                <a:solidFill>
+                  <a:srgbClr val="000000"/>
+                </a:solidFill>
+                <a:latin typeface="SourceCodePro-Regular"/>
+              </a:rPr>
+              <a:t> = </a:t>
+            </a:r>
+            <a:r>
+              <a:rPr lang="en-US" sz="2800" dirty="0">
+                <a:solidFill>
+                  <a:srgbClr val="3945FF"/>
+                </a:solidFill>
+                <a:latin typeface="SourceCodePro-Regular"/>
+              </a:rPr>
+              <a:t>FALSE</a:t>
+            </a:r>
+            <a:r>
+              <a:rPr lang="en-US" sz="2800" dirty="0">
+                <a:solidFill>
+                  <a:srgbClr val="000000"/>
+                </a:solidFill>
+                <a:latin typeface="SourceCodePro-Regular"/>
+              </a:rPr>
+              <a:t>)</a:t>
+            </a:r>
+          </a:p>
+          <a:p>
+            <a:endParaRPr lang="en-US" sz="2800" dirty="0">
+              <a:solidFill>
+                <a:srgbClr val="000000"/>
+              </a:solidFill>
+              <a:latin typeface="SourceCodePro-Regular"/>
+            </a:endParaRPr>
+          </a:p>
+          <a:p>
+            <a:r>
+              <a:rPr lang="en-US" sz="2800" dirty="0">
+                <a:solidFill>
+                  <a:srgbClr val="000000"/>
+                </a:solidFill>
+                <a:latin typeface="SourceCodePro-Regular"/>
+              </a:rPr>
+              <a:t>read.csv(</a:t>
+            </a:r>
+            <a:r>
+              <a:rPr lang="en-US" sz="2800" dirty="0">
+                <a:solidFill>
+                  <a:srgbClr val="FF2C1B"/>
+                </a:solidFill>
+                <a:latin typeface="SourceCodePro-Regular"/>
+              </a:rPr>
+              <a:t>"states.csv"</a:t>
+            </a:r>
+            <a:r>
+              <a:rPr lang="en-US" sz="2800" dirty="0">
+                <a:solidFill>
+                  <a:srgbClr val="000000"/>
+                </a:solidFill>
+                <a:latin typeface="SourceCodePro-Regular"/>
+              </a:rPr>
+              <a:t>, </a:t>
+            </a:r>
+            <a:r>
+              <a:rPr lang="en-US" sz="2800" dirty="0" err="1">
+                <a:solidFill>
+                  <a:srgbClr val="000000"/>
+                </a:solidFill>
+                <a:latin typeface="SourceCodePro-Regular"/>
+              </a:rPr>
+              <a:t>stringsAsFactors</a:t>
+            </a:r>
+            <a:r>
+              <a:rPr lang="en-US" sz="2800" dirty="0">
+                <a:solidFill>
+                  <a:srgbClr val="000000"/>
+                </a:solidFill>
+                <a:latin typeface="SourceCodePro-Regular"/>
+              </a:rPr>
+              <a:t> = </a:t>
+            </a:r>
+            <a:r>
+              <a:rPr lang="en-US" sz="2800" dirty="0">
+                <a:solidFill>
+                  <a:srgbClr val="3945FF"/>
+                </a:solidFill>
+                <a:latin typeface="SourceCodePro-Regular"/>
+              </a:rPr>
+              <a:t>FALSE</a:t>
+            </a:r>
+            <a:r>
+              <a:rPr lang="en-US" sz="2800" dirty="0">
+                <a:solidFill>
+                  <a:srgbClr val="000000"/>
+                </a:solidFill>
+                <a:latin typeface="SourceCodePro-Regular"/>
+              </a:rPr>
+              <a:t>)</a:t>
+            </a:r>
+            <a:endParaRPr lang="en-US" sz="2800" dirty="0"/>
+          </a:p>
+        </p:txBody>
+      </p:sp>
+      <p:sp>
+        <p:nvSpPr>
+          <p:cNvPr id="4" name="Rectangle 3">
+            <a:extLst>
+              <a:ext uri="{FF2B5EF4-FFF2-40B4-BE49-F238E27FC236}">
+                <a16:creationId xmlns:a16="http://schemas.microsoft.com/office/drawing/2014/main" id="{4511C748-F4B7-434F-96FF-068918D58129}"/>
+              </a:ext>
+            </a:extLst>
+          </p:cNvPr>
+          <p:cNvSpPr/>
+          <p:nvPr/>
+        </p:nvSpPr>
+        <p:spPr>
+          <a:xfrm>
+            <a:off x="898187" y="1401980"/>
+            <a:ext cx="6096000" cy="923330"/>
+          </a:xfrm>
+          <a:prstGeom prst="rect">
+            <a:avLst/>
+          </a:prstGeom>
+        </p:spPr>
+        <p:txBody>
+          <a:bodyPr wrap="square">
+            <a:spAutoFit/>
+          </a:bodyPr>
+          <a:lstStyle/>
+          <a:p>
+            <a:r>
+              <a:rPr lang="en-US" sz="2800" dirty="0">
+                <a:solidFill>
+                  <a:srgbClr val="000000"/>
+                </a:solidFill>
+                <a:latin typeface="SourceCodePro-Regular"/>
+              </a:rPr>
+              <a:t>Defaults</a:t>
+            </a:r>
+          </a:p>
+          <a:p>
+            <a:r>
+              <a:rPr lang="en-US" sz="2800" dirty="0">
+                <a:solidFill>
+                  <a:srgbClr val="000000"/>
+                </a:solidFill>
+                <a:latin typeface="SourceCodePro-Regular"/>
+              </a:rPr>
+              <a:t>● header = TRUE</a:t>
+            </a:r>
+          </a:p>
+          <a:p>
+            <a:r>
+              <a:rPr lang="en-US" sz="2800" dirty="0">
+                <a:solidFill>
+                  <a:srgbClr val="000000"/>
+                </a:solidFill>
+                <a:latin typeface="SourceCodePro-Regular"/>
+              </a:rPr>
+              <a:t>● </a:t>
+            </a:r>
+            <a:r>
+              <a:rPr lang="en-US" sz="2800" dirty="0" err="1">
+                <a:solidFill>
+                  <a:srgbClr val="000000"/>
+                </a:solidFill>
+                <a:latin typeface="SourceCodePro-Regular"/>
+              </a:rPr>
+              <a:t>sep</a:t>
+            </a:r>
+            <a:r>
+              <a:rPr lang="en-US" sz="2800" dirty="0">
+                <a:solidFill>
+                  <a:srgbClr val="000000"/>
+                </a:solidFill>
+                <a:latin typeface="SourceCodePro-Regular"/>
+              </a:rPr>
+              <a:t> = ","</a:t>
+            </a:r>
+          </a:p>
+        </p:txBody>
+      </p:sp>
+    </p:spTree>
+    <p:extLst>
+      <p:ext uri="{BB962C8B-B14F-4D97-AF65-F5344CB8AC3E}">
+        <p14:creationId xmlns:p14="http://schemas.microsoft.com/office/powerpoint/2010/main" val="22863348"/>
+      </p:ext>
+    </p:extLst>
+  </p:cSld>
+  <p:clrMapOvr>
+    <a:masterClrMapping/>
+  </p:clrMapOvr>
+</p:sld>
+</file>
+
+<file path=ppt/slides/slide158.xml><?xml version="1.0" encoding="utf-8"?>
+<p:sld xmlns:a="http://schemas.openxmlformats.org/drawingml/2006/main" xmlns:r="http://schemas.openxmlformats.org/officeDocument/2006/relationships" xmlns:p="http://schemas.openxmlformats.org/presentationml/2006/main">
+  <p:cSld>
+    <p:spTree>
+      <p:nvGrpSpPr>
+        <p:cNvPr id="1" name=""/>
+        <p:cNvGrpSpPr/>
+        <p:nvPr/>
+      </p:nvGrpSpPr>
+      <p:grpSpPr>
+        <a:xfrm>
+          <a:off x="0" y="0"/>
+          <a:ext cx="0" cy="0"/>
+          <a:chOff x="0" y="0"/>
+          <a:chExt cx="0" cy="0"/>
+        </a:xfrm>
+      </p:grpSpPr>
+      <p:sp>
+        <p:nvSpPr>
+          <p:cNvPr id="2" name="Title 1">
+            <a:extLst>
+              <a:ext uri="{FF2B5EF4-FFF2-40B4-BE49-F238E27FC236}">
+                <a16:creationId xmlns:a16="http://schemas.microsoft.com/office/drawing/2014/main" id="{46644517-E921-44BB-8F67-5D2F065DCE1D}"/>
+              </a:ext>
+            </a:extLst>
+          </p:cNvPr>
+          <p:cNvSpPr>
+            <a:spLocks noGrp="1"/>
+          </p:cNvSpPr>
+          <p:nvPr>
+            <p:ph type="title"/>
+          </p:nvPr>
+        </p:nvSpPr>
+        <p:spPr/>
+        <p:txBody>
+          <a:bodyPr/>
+          <a:lstStyle/>
+          <a:p>
+            <a:r>
+              <a:rPr lang="en-US" dirty="0"/>
+              <a:t>Connecting to </a:t>
+            </a:r>
+            <a:r>
+              <a:rPr lang="en-US" dirty="0" err="1"/>
+              <a:t>DataBase</a:t>
+            </a:r>
+            <a:endParaRPr lang="en-US" dirty="0"/>
+          </a:p>
+        </p:txBody>
+      </p:sp>
+      <p:sp>
+        <p:nvSpPr>
+          <p:cNvPr id="3" name="Rectangle 2">
+            <a:extLst>
+              <a:ext uri="{FF2B5EF4-FFF2-40B4-BE49-F238E27FC236}">
+                <a16:creationId xmlns:a16="http://schemas.microsoft.com/office/drawing/2014/main" id="{FDBFAE49-B59A-4904-B9E1-5373DCAC77A7}"/>
+              </a:ext>
+            </a:extLst>
+          </p:cNvPr>
+          <p:cNvSpPr/>
+          <p:nvPr/>
+        </p:nvSpPr>
+        <p:spPr>
+          <a:xfrm>
+            <a:off x="1773677" y="1968177"/>
+            <a:ext cx="9734144" cy="2585323"/>
+          </a:xfrm>
+          <a:prstGeom prst="rect">
+            <a:avLst/>
+          </a:prstGeom>
+        </p:spPr>
+        <p:txBody>
+          <a:bodyPr wrap="square">
+            <a:spAutoFit/>
+          </a:bodyPr>
+          <a:lstStyle/>
+          <a:p>
+            <a:r>
+              <a:rPr lang="en-US" dirty="0"/>
+              <a:t>#Load the DBI package</a:t>
+            </a:r>
+          </a:p>
+          <a:p>
+            <a:r>
+              <a:rPr lang="en-US" dirty="0"/>
+              <a:t>library(DBI)</a:t>
+            </a:r>
+          </a:p>
+          <a:p>
+            <a:endParaRPr lang="en-US" dirty="0"/>
+          </a:p>
+          <a:p>
+            <a:r>
+              <a:rPr lang="en-US" dirty="0"/>
+              <a:t># Edit </a:t>
+            </a:r>
+            <a:r>
+              <a:rPr lang="en-US" dirty="0" err="1"/>
+              <a:t>dbConnect</a:t>
+            </a:r>
+            <a:r>
+              <a:rPr lang="en-US" dirty="0"/>
+              <a:t>() </a:t>
+            </a:r>
+            <a:r>
+              <a:rPr lang="en-US" dirty="0" err="1"/>
+              <a:t>callcon</a:t>
+            </a:r>
+            <a:r>
+              <a:rPr lang="en-US" dirty="0"/>
+              <a:t> &lt;- </a:t>
+            </a:r>
+            <a:r>
+              <a:rPr lang="en-US" dirty="0" err="1"/>
+              <a:t>dbConnect</a:t>
+            </a:r>
+            <a:r>
+              <a:rPr lang="en-US" dirty="0"/>
+              <a:t>(</a:t>
+            </a:r>
+            <a:r>
+              <a:rPr lang="en-US" dirty="0" err="1"/>
+              <a:t>RMySQL</a:t>
+            </a:r>
+            <a:r>
+              <a:rPr lang="en-US" dirty="0"/>
+              <a:t>::MySQL(),  </a:t>
+            </a:r>
+          </a:p>
+          <a:p>
+            <a:r>
+              <a:rPr lang="en-US" dirty="0"/>
+              <a:t>                </a:t>
+            </a:r>
+            <a:r>
+              <a:rPr lang="en-US" dirty="0" err="1"/>
+              <a:t>dbname</a:t>
+            </a:r>
+            <a:r>
+              <a:rPr lang="en-US" dirty="0"/>
+              <a:t> = "</a:t>
+            </a:r>
+            <a:r>
+              <a:rPr lang="en-US" dirty="0" err="1"/>
+              <a:t>tweater</a:t>
+            </a:r>
+            <a:r>
+              <a:rPr lang="en-US" dirty="0"/>
+              <a:t>", </a:t>
+            </a:r>
+          </a:p>
+          <a:p>
+            <a:r>
+              <a:rPr lang="en-US" dirty="0"/>
+              <a:t>                 host = “</a:t>
+            </a:r>
+            <a:r>
+              <a:rPr lang="en-US" dirty="0" err="1"/>
+              <a:t>hostName</a:t>
+            </a:r>
+            <a:r>
+              <a:rPr lang="en-US" dirty="0"/>
+              <a:t>",</a:t>
+            </a:r>
+          </a:p>
+          <a:p>
+            <a:r>
+              <a:rPr lang="en-US" dirty="0"/>
+              <a:t>                 port = 3306,                 </a:t>
+            </a:r>
+          </a:p>
+          <a:p>
+            <a:r>
+              <a:rPr lang="en-US" dirty="0"/>
+              <a:t>	   user = “</a:t>
+            </a:r>
+            <a:r>
+              <a:rPr lang="en-US" dirty="0" err="1"/>
+              <a:t>dssStudent</a:t>
+            </a:r>
+            <a:r>
+              <a:rPr lang="en-US" dirty="0"/>
+              <a:t>",</a:t>
+            </a:r>
+          </a:p>
+          <a:p>
+            <a:r>
+              <a:rPr lang="en-US" dirty="0"/>
+              <a:t>                 password = “password")</a:t>
+            </a:r>
+          </a:p>
+        </p:txBody>
+      </p:sp>
+      <p:sp>
+        <p:nvSpPr>
+          <p:cNvPr id="4" name="Rectangle 3">
+            <a:extLst>
+              <a:ext uri="{FF2B5EF4-FFF2-40B4-BE49-F238E27FC236}">
+                <a16:creationId xmlns:a16="http://schemas.microsoft.com/office/drawing/2014/main" id="{E58339F9-1DC8-444E-B60B-FE41D1A97D4D}"/>
+              </a:ext>
+            </a:extLst>
+          </p:cNvPr>
+          <p:cNvSpPr/>
+          <p:nvPr/>
+        </p:nvSpPr>
+        <p:spPr>
+          <a:xfrm>
+            <a:off x="1773678" y="5146331"/>
+            <a:ext cx="9889786" cy="646331"/>
+          </a:xfrm>
+          <a:prstGeom prst="rect">
+            <a:avLst/>
+          </a:prstGeom>
+        </p:spPr>
+        <p:txBody>
+          <a:bodyPr wrap="square">
+            <a:spAutoFit/>
+          </a:bodyPr>
+          <a:lstStyle/>
+          <a:p>
+            <a:r>
+              <a:rPr lang="en-US" dirty="0"/>
+              <a:t># Import </a:t>
+            </a:r>
+            <a:r>
+              <a:rPr lang="en-US" dirty="0" err="1"/>
+              <a:t>tweat_id</a:t>
+            </a:r>
+            <a:r>
+              <a:rPr lang="en-US" dirty="0"/>
+              <a:t> column of comments where </a:t>
+            </a:r>
+            <a:r>
+              <a:rPr lang="en-US" dirty="0" err="1"/>
+              <a:t>user_id</a:t>
+            </a:r>
+            <a:r>
+              <a:rPr lang="en-US" dirty="0"/>
+              <a:t> is 1:</a:t>
+            </a:r>
+          </a:p>
+          <a:p>
+            <a:r>
+              <a:rPr lang="en-US" dirty="0" err="1"/>
+              <a:t>my_data</a:t>
+            </a:r>
+            <a:r>
+              <a:rPr lang="en-US" dirty="0"/>
+              <a:t> &lt;- </a:t>
+            </a:r>
+            <a:r>
+              <a:rPr lang="en-US" dirty="0" err="1"/>
+              <a:t>dbGetQuery</a:t>
+            </a:r>
+            <a:r>
+              <a:rPr lang="en-US" dirty="0"/>
+              <a:t>(con, "SELECT </a:t>
+            </a:r>
+            <a:r>
+              <a:rPr lang="en-US" dirty="0" err="1"/>
+              <a:t>tweat_id</a:t>
+            </a:r>
+            <a:r>
+              <a:rPr lang="en-US" dirty="0"/>
+              <a:t> FROM comments WHERE </a:t>
+            </a:r>
+            <a:r>
+              <a:rPr lang="en-US" dirty="0" err="1"/>
+              <a:t>user_id</a:t>
+            </a:r>
+            <a:r>
+              <a:rPr lang="en-US" dirty="0"/>
+              <a:t> = 1")</a:t>
+            </a:r>
+          </a:p>
+        </p:txBody>
+      </p:sp>
+    </p:spTree>
+    <p:extLst>
+      <p:ext uri="{BB962C8B-B14F-4D97-AF65-F5344CB8AC3E}">
+        <p14:creationId xmlns:p14="http://schemas.microsoft.com/office/powerpoint/2010/main" val="2183014693"/>
+      </p:ext>
+    </p:extLst>
+  </p:cSld>
+  <p:clrMapOvr>
+    <a:masterClrMapping/>
+  </p:clrMapOvr>
+</p:sld>
+</file>
+
+<file path=ppt/slides/slide159.xml><?xml version="1.0" encoding="utf-8"?>
+<p:sld xmlns:a="http://schemas.openxmlformats.org/drawingml/2006/main" xmlns:r="http://schemas.openxmlformats.org/officeDocument/2006/relationships" xmlns:p="http://schemas.openxmlformats.org/presentationml/2006/main">
+  <p:cSld>
+    <p:spTree>
+      <p:nvGrpSpPr>
+        <p:cNvPr id="1" name=""/>
+        <p:cNvGrpSpPr/>
+        <p:nvPr/>
+      </p:nvGrpSpPr>
+      <p:grpSpPr>
+        <a:xfrm>
+          <a:off x="0" y="0"/>
+          <a:ext cx="0" cy="0"/>
+          <a:chOff x="0" y="0"/>
+          <a:chExt cx="0" cy="0"/>
+        </a:xfrm>
+      </p:grpSpPr>
+      <p:sp>
+        <p:nvSpPr>
+          <p:cNvPr id="2" name="Title 1">
+            <a:extLst>
+              <a:ext uri="{FF2B5EF4-FFF2-40B4-BE49-F238E27FC236}">
+                <a16:creationId xmlns:a16="http://schemas.microsoft.com/office/drawing/2014/main" id="{43CCB3D7-BB44-48D6-96C6-A57A9C70F2F7}"/>
+              </a:ext>
+            </a:extLst>
+          </p:cNvPr>
+          <p:cNvSpPr>
+            <a:spLocks noGrp="1"/>
+          </p:cNvSpPr>
+          <p:nvPr>
+            <p:ph type="title"/>
+          </p:nvPr>
+        </p:nvSpPr>
+        <p:spPr/>
+        <p:txBody>
+          <a:bodyPr/>
+          <a:lstStyle/>
+          <a:p>
+            <a:r>
+              <a:rPr lang="en-US" dirty="0"/>
+              <a:t>Read from HTTP</a:t>
+            </a:r>
+          </a:p>
+        </p:txBody>
+      </p:sp>
+      <p:sp>
+        <p:nvSpPr>
+          <p:cNvPr id="4" name="Rectangle 3">
+            <a:extLst>
+              <a:ext uri="{FF2B5EF4-FFF2-40B4-BE49-F238E27FC236}">
+                <a16:creationId xmlns:a16="http://schemas.microsoft.com/office/drawing/2014/main" id="{B241A986-7B64-4869-82F8-2ACF4138BB45}"/>
+              </a:ext>
+            </a:extLst>
+          </p:cNvPr>
+          <p:cNvSpPr/>
+          <p:nvPr/>
+        </p:nvSpPr>
+        <p:spPr>
+          <a:xfrm>
+            <a:off x="1186775" y="1551087"/>
+            <a:ext cx="10087582" cy="4801314"/>
+          </a:xfrm>
+          <a:prstGeom prst="rect">
+            <a:avLst/>
+          </a:prstGeom>
+        </p:spPr>
+        <p:txBody>
+          <a:bodyPr wrap="square">
+            <a:spAutoFit/>
+          </a:bodyPr>
+          <a:lstStyle/>
+          <a:p>
+            <a:r>
+              <a:rPr lang="en-US" dirty="0">
+                <a:solidFill>
+                  <a:srgbClr val="0070C0"/>
+                </a:solidFill>
+              </a:rPr>
+              <a:t># Load the </a:t>
+            </a:r>
+            <a:r>
+              <a:rPr lang="en-US" dirty="0" err="1">
+                <a:solidFill>
+                  <a:srgbClr val="0070C0"/>
+                </a:solidFill>
+              </a:rPr>
+              <a:t>readr</a:t>
+            </a:r>
+            <a:r>
+              <a:rPr lang="en-US" dirty="0">
+                <a:solidFill>
+                  <a:srgbClr val="0070C0"/>
+                </a:solidFill>
+              </a:rPr>
+              <a:t> package</a:t>
+            </a:r>
+          </a:p>
+          <a:p>
+            <a:r>
+              <a:rPr lang="en-US" dirty="0">
+                <a:solidFill>
+                  <a:srgbClr val="0070C0"/>
+                </a:solidFill>
+              </a:rPr>
+              <a:t>library(</a:t>
+            </a:r>
+            <a:r>
+              <a:rPr lang="en-US" dirty="0" err="1">
+                <a:solidFill>
+                  <a:srgbClr val="0070C0"/>
+                </a:solidFill>
+              </a:rPr>
+              <a:t>readr</a:t>
+            </a:r>
+            <a:r>
+              <a:rPr lang="en-US" dirty="0">
+                <a:solidFill>
+                  <a:srgbClr val="0070C0"/>
+                </a:solidFill>
+              </a:rPr>
+              <a:t>)</a:t>
+            </a:r>
+          </a:p>
+          <a:p>
+            <a:endParaRPr lang="en-US" dirty="0">
+              <a:solidFill>
+                <a:srgbClr val="0070C0"/>
+              </a:solidFill>
+            </a:endParaRPr>
+          </a:p>
+          <a:p>
+            <a:r>
+              <a:rPr lang="en-US" dirty="0">
+                <a:solidFill>
+                  <a:srgbClr val="0070C0"/>
+                </a:solidFill>
+              </a:rPr>
+              <a:t># Import the csv file: pools</a:t>
+            </a:r>
+          </a:p>
+          <a:p>
+            <a:r>
+              <a:rPr lang="en-US" dirty="0" err="1">
+                <a:solidFill>
+                  <a:srgbClr val="0070C0"/>
+                </a:solidFill>
+              </a:rPr>
+              <a:t>url_csv</a:t>
+            </a:r>
+            <a:r>
+              <a:rPr lang="en-US" dirty="0">
+                <a:solidFill>
+                  <a:srgbClr val="0070C0"/>
+                </a:solidFill>
+              </a:rPr>
+              <a:t> &lt;- "http://s3.amazonaws.com/assets.datacamp.com/production/course_1478/datasets/swimming_pools.csv"</a:t>
+            </a:r>
+          </a:p>
+          <a:p>
+            <a:r>
+              <a:rPr lang="en-US" dirty="0">
+                <a:solidFill>
+                  <a:srgbClr val="0070C0"/>
+                </a:solidFill>
+              </a:rPr>
+              <a:t>pools &lt;- </a:t>
+            </a:r>
+            <a:r>
+              <a:rPr lang="en-US" dirty="0" err="1">
+                <a:solidFill>
+                  <a:srgbClr val="0070C0"/>
+                </a:solidFill>
+              </a:rPr>
+              <a:t>read_csv</a:t>
+            </a:r>
+            <a:r>
+              <a:rPr lang="en-US" dirty="0">
+                <a:solidFill>
+                  <a:srgbClr val="0070C0"/>
+                </a:solidFill>
+              </a:rPr>
+              <a:t>(</a:t>
+            </a:r>
+            <a:r>
+              <a:rPr lang="en-US" dirty="0" err="1">
+                <a:solidFill>
+                  <a:srgbClr val="0070C0"/>
+                </a:solidFill>
+              </a:rPr>
+              <a:t>url_csv</a:t>
+            </a:r>
+            <a:r>
+              <a:rPr lang="en-US" dirty="0">
+                <a:solidFill>
+                  <a:srgbClr val="0070C0"/>
+                </a:solidFill>
+              </a:rPr>
+              <a:t>)</a:t>
+            </a:r>
+          </a:p>
+          <a:p>
+            <a:endParaRPr lang="en-US" dirty="0">
+              <a:solidFill>
+                <a:srgbClr val="0070C0"/>
+              </a:solidFill>
+            </a:endParaRPr>
+          </a:p>
+          <a:p>
+            <a:r>
+              <a:rPr lang="en-US" dirty="0">
+                <a:solidFill>
+                  <a:srgbClr val="0070C0"/>
+                </a:solidFill>
+              </a:rPr>
+              <a:t># Import the txt file: potatoes</a:t>
+            </a:r>
+          </a:p>
+          <a:p>
+            <a:r>
+              <a:rPr lang="en-US" dirty="0" err="1">
+                <a:solidFill>
+                  <a:srgbClr val="0070C0"/>
+                </a:solidFill>
+              </a:rPr>
+              <a:t>url_delim</a:t>
+            </a:r>
+            <a:r>
+              <a:rPr lang="en-US" dirty="0">
+                <a:solidFill>
+                  <a:srgbClr val="0070C0"/>
+                </a:solidFill>
+              </a:rPr>
+              <a:t> &lt;- "http://s3.amazonaws.com/assets.datacamp.com/production/course_1478/datasets/potatoes.txt"</a:t>
+            </a:r>
+          </a:p>
+          <a:p>
+            <a:r>
+              <a:rPr lang="en-US" dirty="0">
+                <a:solidFill>
+                  <a:srgbClr val="0070C0"/>
+                </a:solidFill>
+              </a:rPr>
+              <a:t>potatoes &lt;- </a:t>
+            </a:r>
+            <a:r>
+              <a:rPr lang="en-US" dirty="0" err="1">
+                <a:solidFill>
+                  <a:srgbClr val="0070C0"/>
+                </a:solidFill>
+              </a:rPr>
+              <a:t>read_tsv</a:t>
+            </a:r>
+            <a:r>
+              <a:rPr lang="en-US" dirty="0">
+                <a:solidFill>
+                  <a:srgbClr val="0070C0"/>
+                </a:solidFill>
+              </a:rPr>
+              <a:t>(</a:t>
+            </a:r>
+            <a:r>
+              <a:rPr lang="en-US" dirty="0" err="1">
+                <a:solidFill>
+                  <a:srgbClr val="0070C0"/>
+                </a:solidFill>
+              </a:rPr>
+              <a:t>url_delim</a:t>
+            </a:r>
+            <a:r>
+              <a:rPr lang="en-US" dirty="0">
+                <a:solidFill>
+                  <a:srgbClr val="0070C0"/>
+                </a:solidFill>
+              </a:rPr>
+              <a:t>)</a:t>
+            </a:r>
+          </a:p>
+          <a:p>
+            <a:endParaRPr lang="en-US" dirty="0">
+              <a:solidFill>
+                <a:srgbClr val="0070C0"/>
+              </a:solidFill>
+            </a:endParaRPr>
+          </a:p>
+          <a:p>
+            <a:r>
+              <a:rPr lang="en-US" dirty="0">
+                <a:solidFill>
+                  <a:srgbClr val="0070C0"/>
+                </a:solidFill>
+              </a:rPr>
+              <a:t># Print pools and potatoes</a:t>
+            </a:r>
+          </a:p>
+          <a:p>
+            <a:r>
+              <a:rPr lang="en-US" dirty="0">
+                <a:solidFill>
+                  <a:srgbClr val="0070C0"/>
+                </a:solidFill>
+              </a:rPr>
+              <a:t>pools</a:t>
+            </a:r>
+          </a:p>
+          <a:p>
+            <a:r>
+              <a:rPr lang="en-US" dirty="0">
+                <a:solidFill>
+                  <a:srgbClr val="0070C0"/>
+                </a:solidFill>
+              </a:rPr>
+              <a:t>potatoes</a:t>
+            </a:r>
+          </a:p>
+        </p:txBody>
+      </p:sp>
+    </p:spTree>
+    <p:extLst>
+      <p:ext uri="{BB962C8B-B14F-4D97-AF65-F5344CB8AC3E}">
+        <p14:creationId xmlns:p14="http://schemas.microsoft.com/office/powerpoint/2010/main" val="1610028711"/>
+      </p:ext>
+    </p:extLst>
+  </p:cSld>
+  <p:clrMapOvr>
+    <a:masterClrMapping/>
+  </p:clrMapOvr>
+</p:sld>
+</file>
+
 <file path=ppt/slides/slide16.xml><?xml version="1.0" encoding="utf-8"?>
 <p:sld xmlns:a="http://schemas.openxmlformats.org/drawingml/2006/main" xmlns:r="http://schemas.openxmlformats.org/officeDocument/2006/relationships" xmlns:p="http://schemas.openxmlformats.org/presentationml/2006/main">
   <p:cSld>
@@ -23278,6 +30251,1715 @@
     <p:extLst>
       <p:ext uri="{BB962C8B-B14F-4D97-AF65-F5344CB8AC3E}">
         <p14:creationId xmlns:p14="http://schemas.microsoft.com/office/powerpoint/2010/main" val="608833852"/>
+      </p:ext>
+    </p:extLst>
+  </p:cSld>
+  <p:clrMapOvr>
+    <a:masterClrMapping/>
+  </p:clrMapOvr>
+</p:sld>
+</file>
+
+<file path=ppt/slides/slide160.xml><?xml version="1.0" encoding="utf-8"?>
+<p:sld xmlns:a="http://schemas.openxmlformats.org/drawingml/2006/main" xmlns:r="http://schemas.openxmlformats.org/officeDocument/2006/relationships" xmlns:p="http://schemas.openxmlformats.org/presentationml/2006/main">
+  <p:cSld>
+    <p:spTree>
+      <p:nvGrpSpPr>
+        <p:cNvPr id="1" name=""/>
+        <p:cNvGrpSpPr/>
+        <p:nvPr/>
+      </p:nvGrpSpPr>
+      <p:grpSpPr>
+        <a:xfrm>
+          <a:off x="0" y="0"/>
+          <a:ext cx="0" cy="0"/>
+          <a:chOff x="0" y="0"/>
+          <a:chExt cx="0" cy="0"/>
+        </a:xfrm>
+      </p:grpSpPr>
+      <p:sp>
+        <p:nvSpPr>
+          <p:cNvPr id="2" name="Title 1">
+            <a:extLst>
+              <a:ext uri="{FF2B5EF4-FFF2-40B4-BE49-F238E27FC236}">
+                <a16:creationId xmlns:a16="http://schemas.microsoft.com/office/drawing/2014/main" id="{8A11538D-CFF1-4364-A303-6ABFC8008139}"/>
+              </a:ext>
+            </a:extLst>
+          </p:cNvPr>
+          <p:cNvSpPr>
+            <a:spLocks noGrp="1"/>
+          </p:cNvSpPr>
+          <p:nvPr>
+            <p:ph type="title"/>
+          </p:nvPr>
+        </p:nvSpPr>
+        <p:spPr/>
+        <p:txBody>
+          <a:bodyPr/>
+          <a:lstStyle/>
+          <a:p>
+            <a:r>
+              <a:rPr lang="en-US" dirty="0"/>
+              <a:t>Import from JSON</a:t>
+            </a:r>
+          </a:p>
+        </p:txBody>
+      </p:sp>
+      <p:sp>
+        <p:nvSpPr>
+          <p:cNvPr id="4" name="Rectangle 3">
+            <a:extLst>
+              <a:ext uri="{FF2B5EF4-FFF2-40B4-BE49-F238E27FC236}">
+                <a16:creationId xmlns:a16="http://schemas.microsoft.com/office/drawing/2014/main" id="{F4452C8B-D475-4161-8AFA-1BA4B447D2E3}"/>
+              </a:ext>
+            </a:extLst>
+          </p:cNvPr>
+          <p:cNvSpPr/>
+          <p:nvPr/>
+        </p:nvSpPr>
+        <p:spPr>
+          <a:xfrm>
+            <a:off x="1245140" y="1720840"/>
+            <a:ext cx="10632332" cy="3416320"/>
+          </a:xfrm>
+          <a:prstGeom prst="rect">
+            <a:avLst/>
+          </a:prstGeom>
+        </p:spPr>
+        <p:txBody>
+          <a:bodyPr wrap="square">
+            <a:spAutoFit/>
+          </a:bodyPr>
+          <a:lstStyle/>
+          <a:p>
+            <a:r>
+              <a:rPr lang="en-US" dirty="0">
+                <a:solidFill>
+                  <a:srgbClr val="0070C0"/>
+                </a:solidFill>
+              </a:rPr>
+              <a:t># Load the </a:t>
+            </a:r>
+            <a:r>
+              <a:rPr lang="en-US" dirty="0" err="1">
+                <a:solidFill>
+                  <a:srgbClr val="0070C0"/>
+                </a:solidFill>
+              </a:rPr>
+              <a:t>jsonlite</a:t>
+            </a:r>
+            <a:r>
+              <a:rPr lang="en-US" dirty="0">
+                <a:solidFill>
+                  <a:srgbClr val="0070C0"/>
+                </a:solidFill>
+              </a:rPr>
+              <a:t> package</a:t>
+            </a:r>
+          </a:p>
+          <a:p>
+            <a:r>
+              <a:rPr lang="en-US" dirty="0">
+                <a:solidFill>
+                  <a:srgbClr val="0070C0"/>
+                </a:solidFill>
+              </a:rPr>
+              <a:t>library(</a:t>
+            </a:r>
+            <a:r>
+              <a:rPr lang="en-US" dirty="0" err="1">
+                <a:solidFill>
+                  <a:srgbClr val="0070C0"/>
+                </a:solidFill>
+              </a:rPr>
+              <a:t>jsonlite</a:t>
+            </a:r>
+            <a:r>
+              <a:rPr lang="en-US" dirty="0">
+                <a:solidFill>
+                  <a:srgbClr val="0070C0"/>
+                </a:solidFill>
+              </a:rPr>
+              <a:t>)</a:t>
+            </a:r>
+          </a:p>
+          <a:p>
+            <a:endParaRPr lang="en-US" dirty="0">
+              <a:solidFill>
+                <a:srgbClr val="0070C0"/>
+              </a:solidFill>
+            </a:endParaRPr>
+          </a:p>
+          <a:p>
+            <a:r>
+              <a:rPr lang="en-US" dirty="0">
+                <a:solidFill>
+                  <a:srgbClr val="0070C0"/>
+                </a:solidFill>
+              </a:rPr>
+              <a:t># </a:t>
+            </a:r>
+            <a:r>
+              <a:rPr lang="en-US" dirty="0" err="1">
+                <a:solidFill>
+                  <a:srgbClr val="0070C0"/>
+                </a:solidFill>
+              </a:rPr>
+              <a:t>wine_json</a:t>
+            </a:r>
+            <a:r>
+              <a:rPr lang="en-US" dirty="0">
+                <a:solidFill>
+                  <a:srgbClr val="0070C0"/>
+                </a:solidFill>
+              </a:rPr>
+              <a:t> is a JSON</a:t>
+            </a:r>
+          </a:p>
+          <a:p>
+            <a:r>
+              <a:rPr lang="en-US" dirty="0" err="1">
+                <a:solidFill>
+                  <a:srgbClr val="0070C0"/>
+                </a:solidFill>
+              </a:rPr>
+              <a:t>wine_json</a:t>
+            </a:r>
+            <a:r>
+              <a:rPr lang="en-US" dirty="0">
+                <a:solidFill>
+                  <a:srgbClr val="0070C0"/>
+                </a:solidFill>
+              </a:rPr>
+              <a:t> &lt;- '{"</a:t>
+            </a:r>
+            <a:r>
+              <a:rPr lang="en-US" dirty="0" err="1">
+                <a:solidFill>
+                  <a:srgbClr val="0070C0"/>
+                </a:solidFill>
+              </a:rPr>
+              <a:t>name":"Chateau</a:t>
+            </a:r>
+            <a:r>
+              <a:rPr lang="en-US" dirty="0">
+                <a:solidFill>
+                  <a:srgbClr val="0070C0"/>
+                </a:solidFill>
+              </a:rPr>
+              <a:t> Migraine", "year":1997, "alcohol_pct":12.4, "</a:t>
+            </a:r>
+            <a:r>
+              <a:rPr lang="en-US" dirty="0" err="1">
+                <a:solidFill>
+                  <a:srgbClr val="0070C0"/>
+                </a:solidFill>
+              </a:rPr>
+              <a:t>color":"red</a:t>
+            </a:r>
+            <a:r>
+              <a:rPr lang="en-US" dirty="0">
+                <a:solidFill>
+                  <a:srgbClr val="0070C0"/>
+                </a:solidFill>
+              </a:rPr>
+              <a:t>", "</a:t>
+            </a:r>
+            <a:r>
+              <a:rPr lang="en-US" dirty="0" err="1">
+                <a:solidFill>
+                  <a:srgbClr val="0070C0"/>
+                </a:solidFill>
+              </a:rPr>
+              <a:t>awarded":false</a:t>
+            </a:r>
+            <a:r>
+              <a:rPr lang="en-US" dirty="0">
+                <a:solidFill>
+                  <a:srgbClr val="0070C0"/>
+                </a:solidFill>
+              </a:rPr>
+              <a:t>}'</a:t>
+            </a:r>
+          </a:p>
+          <a:p>
+            <a:endParaRPr lang="en-US" dirty="0">
+              <a:solidFill>
+                <a:srgbClr val="0070C0"/>
+              </a:solidFill>
+            </a:endParaRPr>
+          </a:p>
+          <a:p>
+            <a:r>
+              <a:rPr lang="en-US" dirty="0">
+                <a:solidFill>
+                  <a:srgbClr val="0070C0"/>
+                </a:solidFill>
+              </a:rPr>
+              <a:t># Convert </a:t>
+            </a:r>
+            <a:r>
+              <a:rPr lang="en-US" dirty="0" err="1">
+                <a:solidFill>
+                  <a:srgbClr val="0070C0"/>
+                </a:solidFill>
+              </a:rPr>
+              <a:t>wine_json</a:t>
+            </a:r>
+            <a:r>
+              <a:rPr lang="en-US" dirty="0">
+                <a:solidFill>
+                  <a:srgbClr val="0070C0"/>
+                </a:solidFill>
+              </a:rPr>
+              <a:t> into a list: wine</a:t>
+            </a:r>
+          </a:p>
+          <a:p>
+            <a:r>
+              <a:rPr lang="en-US" dirty="0">
+                <a:solidFill>
+                  <a:srgbClr val="0070C0"/>
+                </a:solidFill>
+              </a:rPr>
+              <a:t>wine &lt;- </a:t>
+            </a:r>
+            <a:r>
+              <a:rPr lang="en-US" dirty="0" err="1">
+                <a:solidFill>
+                  <a:srgbClr val="0070C0"/>
+                </a:solidFill>
+              </a:rPr>
+              <a:t>fromJSON</a:t>
+            </a:r>
+            <a:r>
+              <a:rPr lang="en-US" dirty="0">
+                <a:solidFill>
+                  <a:srgbClr val="0070C0"/>
+                </a:solidFill>
+              </a:rPr>
+              <a:t>(</a:t>
+            </a:r>
+            <a:r>
+              <a:rPr lang="en-US" dirty="0" err="1">
+                <a:solidFill>
+                  <a:srgbClr val="0070C0"/>
+                </a:solidFill>
+              </a:rPr>
+              <a:t>wine_json</a:t>
+            </a:r>
+            <a:r>
+              <a:rPr lang="en-US" dirty="0">
+                <a:solidFill>
+                  <a:srgbClr val="0070C0"/>
+                </a:solidFill>
+              </a:rPr>
+              <a:t>)</a:t>
+            </a:r>
+          </a:p>
+          <a:p>
+            <a:endParaRPr lang="en-US" dirty="0">
+              <a:solidFill>
+                <a:srgbClr val="0070C0"/>
+              </a:solidFill>
+            </a:endParaRPr>
+          </a:p>
+          <a:p>
+            <a:r>
+              <a:rPr lang="en-US" dirty="0">
+                <a:solidFill>
+                  <a:srgbClr val="0070C0"/>
+                </a:solidFill>
+              </a:rPr>
+              <a:t># Print structure of wine</a:t>
+            </a:r>
+          </a:p>
+          <a:p>
+            <a:r>
+              <a:rPr lang="en-US" dirty="0">
+                <a:solidFill>
+                  <a:srgbClr val="0070C0"/>
+                </a:solidFill>
+              </a:rPr>
+              <a:t>str(wine)</a:t>
+            </a:r>
+          </a:p>
+        </p:txBody>
+      </p:sp>
+    </p:spTree>
+    <p:extLst>
+      <p:ext uri="{BB962C8B-B14F-4D97-AF65-F5344CB8AC3E}">
+        <p14:creationId xmlns:p14="http://schemas.microsoft.com/office/powerpoint/2010/main" val="1518478008"/>
+      </p:ext>
+    </p:extLst>
+  </p:cSld>
+  <p:clrMapOvr>
+    <a:masterClrMapping/>
+  </p:clrMapOvr>
+</p:sld>
+</file>
+
+<file path=ppt/slides/slide161.xml><?xml version="1.0" encoding="utf-8"?>
+<p:sld xmlns:a="http://schemas.openxmlformats.org/drawingml/2006/main" xmlns:r="http://schemas.openxmlformats.org/officeDocument/2006/relationships" xmlns:p="http://schemas.openxmlformats.org/presentationml/2006/main">
+  <p:cSld>
+    <p:spTree>
+      <p:nvGrpSpPr>
+        <p:cNvPr id="1" name=""/>
+        <p:cNvGrpSpPr/>
+        <p:nvPr/>
+      </p:nvGrpSpPr>
+      <p:grpSpPr>
+        <a:xfrm>
+          <a:off x="0" y="0"/>
+          <a:ext cx="0" cy="0"/>
+          <a:chOff x="0" y="0"/>
+          <a:chExt cx="0" cy="0"/>
+        </a:xfrm>
+      </p:grpSpPr>
+      <p:sp>
+        <p:nvSpPr>
+          <p:cNvPr id="2" name="Title 1">
+            <a:extLst>
+              <a:ext uri="{FF2B5EF4-FFF2-40B4-BE49-F238E27FC236}">
+                <a16:creationId xmlns:a16="http://schemas.microsoft.com/office/drawing/2014/main" id="{206682A4-869E-48A1-AE3C-E7943666097E}"/>
+              </a:ext>
+            </a:extLst>
+          </p:cNvPr>
+          <p:cNvSpPr>
+            <a:spLocks noGrp="1"/>
+          </p:cNvSpPr>
+          <p:nvPr>
+            <p:ph type="title"/>
+          </p:nvPr>
+        </p:nvSpPr>
+        <p:spPr/>
+        <p:txBody>
+          <a:bodyPr/>
+          <a:lstStyle/>
+          <a:p>
+            <a:r>
+              <a:rPr lang="en-US" dirty="0"/>
+              <a:t>Join Data</a:t>
+            </a:r>
+          </a:p>
+        </p:txBody>
+      </p:sp>
+      <p:pic>
+        <p:nvPicPr>
+          <p:cNvPr id="4" name="Picture 3">
+            <a:extLst>
+              <a:ext uri="{FF2B5EF4-FFF2-40B4-BE49-F238E27FC236}">
+                <a16:creationId xmlns:a16="http://schemas.microsoft.com/office/drawing/2014/main" id="{4C75F196-BAF1-4ABE-89CA-E33F28B2B509}"/>
+              </a:ext>
+            </a:extLst>
+          </p:cNvPr>
+          <p:cNvPicPr>
+            <a:picLocks noChangeAspect="1"/>
+          </p:cNvPicPr>
+          <p:nvPr/>
+        </p:nvPicPr>
+        <p:blipFill>
+          <a:blip r:embed="rId2"/>
+          <a:stretch>
+            <a:fillRect/>
+          </a:stretch>
+        </p:blipFill>
+        <p:spPr>
+          <a:xfrm>
+            <a:off x="739302" y="2473664"/>
+            <a:ext cx="11338398" cy="2022135"/>
+          </a:xfrm>
+          <a:prstGeom prst="rect">
+            <a:avLst/>
+          </a:prstGeom>
+        </p:spPr>
+      </p:pic>
+    </p:spTree>
+    <p:extLst>
+      <p:ext uri="{BB962C8B-B14F-4D97-AF65-F5344CB8AC3E}">
+        <p14:creationId xmlns:p14="http://schemas.microsoft.com/office/powerpoint/2010/main" val="2764608390"/>
+      </p:ext>
+    </p:extLst>
+  </p:cSld>
+  <p:clrMapOvr>
+    <a:masterClrMapping/>
+  </p:clrMapOvr>
+</p:sld>
+</file>
+
+<file path=ppt/slides/slide162.xml><?xml version="1.0" encoding="utf-8"?>
+<p:sld xmlns:a="http://schemas.openxmlformats.org/drawingml/2006/main" xmlns:r="http://schemas.openxmlformats.org/officeDocument/2006/relationships" xmlns:p="http://schemas.openxmlformats.org/presentationml/2006/main">
+  <p:cSld>
+    <p:spTree>
+      <p:nvGrpSpPr>
+        <p:cNvPr id="1" name=""/>
+        <p:cNvGrpSpPr/>
+        <p:nvPr/>
+      </p:nvGrpSpPr>
+      <p:grpSpPr>
+        <a:xfrm>
+          <a:off x="0" y="0"/>
+          <a:ext cx="0" cy="0"/>
+          <a:chOff x="0" y="0"/>
+          <a:chExt cx="0" cy="0"/>
+        </a:xfrm>
+      </p:grpSpPr>
+      <p:sp>
+        <p:nvSpPr>
+          <p:cNvPr id="2" name="Title 1">
+            <a:extLst>
+              <a:ext uri="{FF2B5EF4-FFF2-40B4-BE49-F238E27FC236}">
+                <a16:creationId xmlns:a16="http://schemas.microsoft.com/office/drawing/2014/main" id="{0F12E323-0488-4C01-B97B-F651451CEB17}"/>
+              </a:ext>
+            </a:extLst>
+          </p:cNvPr>
+          <p:cNvSpPr>
+            <a:spLocks noGrp="1"/>
+          </p:cNvSpPr>
+          <p:nvPr>
+            <p:ph type="title"/>
+          </p:nvPr>
+        </p:nvSpPr>
+        <p:spPr/>
+        <p:txBody>
+          <a:bodyPr/>
+          <a:lstStyle/>
+          <a:p>
+            <a:r>
+              <a:rPr lang="en-US" dirty="0" err="1"/>
+              <a:t>Data.tables</a:t>
+            </a:r>
+            <a:r>
+              <a:rPr lang="en-US" dirty="0"/>
+              <a:t> create 2 tables</a:t>
+            </a:r>
+          </a:p>
+        </p:txBody>
+      </p:sp>
+      <p:sp>
+        <p:nvSpPr>
+          <p:cNvPr id="3" name="Rectangle 2">
+            <a:extLst>
+              <a:ext uri="{FF2B5EF4-FFF2-40B4-BE49-F238E27FC236}">
+                <a16:creationId xmlns:a16="http://schemas.microsoft.com/office/drawing/2014/main" id="{074D718C-A36D-4342-BA1A-E3010422A093}"/>
+              </a:ext>
+            </a:extLst>
+          </p:cNvPr>
+          <p:cNvSpPr/>
+          <p:nvPr/>
+        </p:nvSpPr>
+        <p:spPr>
+          <a:xfrm>
+            <a:off x="3048000" y="1443841"/>
+            <a:ext cx="6096000" cy="4247317"/>
+          </a:xfrm>
+          <a:prstGeom prst="rect">
+            <a:avLst/>
+          </a:prstGeom>
+        </p:spPr>
+        <p:txBody>
+          <a:bodyPr>
+            <a:spAutoFit/>
+          </a:bodyPr>
+          <a:lstStyle/>
+          <a:p>
+            <a:r>
+              <a:rPr lang="en-US" dirty="0">
+                <a:solidFill>
+                  <a:srgbClr val="0070C0"/>
+                </a:solidFill>
+              </a:rPr>
+              <a:t>library(</a:t>
+            </a:r>
+            <a:r>
+              <a:rPr lang="en-US" dirty="0" err="1">
+                <a:solidFill>
+                  <a:srgbClr val="0070C0"/>
+                </a:solidFill>
+              </a:rPr>
+              <a:t>data.table</a:t>
+            </a:r>
+            <a:r>
+              <a:rPr lang="en-US" dirty="0">
+                <a:solidFill>
+                  <a:srgbClr val="0070C0"/>
+                </a:solidFill>
+              </a:rPr>
+              <a:t>)</a:t>
+            </a:r>
+          </a:p>
+          <a:p>
+            <a:r>
+              <a:rPr lang="en-US" dirty="0">
+                <a:solidFill>
+                  <a:srgbClr val="0070C0"/>
+                </a:solidFill>
+              </a:rPr>
+              <a:t>demographics &lt;- </a:t>
+            </a:r>
+            <a:r>
+              <a:rPr lang="en-US" dirty="0" err="1">
+                <a:solidFill>
+                  <a:srgbClr val="0070C0"/>
+                </a:solidFill>
+              </a:rPr>
+              <a:t>data.table</a:t>
+            </a:r>
+            <a:r>
+              <a:rPr lang="en-US" dirty="0">
+                <a:solidFill>
+                  <a:srgbClr val="0070C0"/>
+                </a:solidFill>
+              </a:rPr>
+              <a:t>(name = c("Trey",</a:t>
+            </a:r>
+          </a:p>
+          <a:p>
+            <a:r>
+              <a:rPr lang="en-US" dirty="0">
+                <a:solidFill>
+                  <a:srgbClr val="0070C0"/>
+                </a:solidFill>
+              </a:rPr>
+              <a:t>                                    "Matthew",</a:t>
+            </a:r>
+          </a:p>
+          <a:p>
+            <a:r>
+              <a:rPr lang="en-US" dirty="0">
+                <a:solidFill>
+                  <a:srgbClr val="0070C0"/>
+                </a:solidFill>
+              </a:rPr>
+              <a:t>                                    "Angela"),</a:t>
+            </a:r>
+          </a:p>
+          <a:p>
+            <a:r>
+              <a:rPr lang="en-US" dirty="0">
+                <a:solidFill>
+                  <a:srgbClr val="0070C0"/>
+                </a:solidFill>
+              </a:rPr>
+              <a:t>                           gender = c(NA,</a:t>
+            </a:r>
+          </a:p>
+          <a:p>
+            <a:r>
+              <a:rPr lang="en-US" dirty="0">
+                <a:solidFill>
+                  <a:srgbClr val="0070C0"/>
+                </a:solidFill>
+              </a:rPr>
+              <a:t>                                      "M",</a:t>
+            </a:r>
+          </a:p>
+          <a:p>
+            <a:r>
+              <a:rPr lang="en-US" dirty="0">
+                <a:solidFill>
+                  <a:srgbClr val="0070C0"/>
+                </a:solidFill>
+              </a:rPr>
+              <a:t>                                      "F"),</a:t>
+            </a:r>
+          </a:p>
+          <a:p>
+            <a:r>
+              <a:rPr lang="en-US" dirty="0">
+                <a:solidFill>
+                  <a:srgbClr val="0070C0"/>
+                </a:solidFill>
+              </a:rPr>
+              <a:t>                           age = c(54, 43, 39))</a:t>
+            </a:r>
+          </a:p>
+          <a:p>
+            <a:endParaRPr lang="en-US" dirty="0">
+              <a:solidFill>
+                <a:srgbClr val="0070C0"/>
+              </a:solidFill>
+            </a:endParaRPr>
+          </a:p>
+          <a:p>
+            <a:r>
+              <a:rPr lang="en-US" dirty="0">
+                <a:solidFill>
+                  <a:srgbClr val="0070C0"/>
+                </a:solidFill>
+              </a:rPr>
+              <a:t>shipping &lt;- </a:t>
+            </a:r>
+            <a:r>
+              <a:rPr lang="en-US" dirty="0" err="1">
+                <a:solidFill>
+                  <a:srgbClr val="0070C0"/>
+                </a:solidFill>
+              </a:rPr>
+              <a:t>data.table</a:t>
+            </a:r>
+            <a:r>
+              <a:rPr lang="en-US" dirty="0">
+                <a:solidFill>
+                  <a:srgbClr val="0070C0"/>
+                </a:solidFill>
+              </a:rPr>
+              <a:t>(name = c("Matthew",</a:t>
+            </a:r>
+          </a:p>
+          <a:p>
+            <a:r>
+              <a:rPr lang="en-US" dirty="0">
+                <a:solidFill>
+                  <a:srgbClr val="0070C0"/>
+                </a:solidFill>
+              </a:rPr>
+              <a:t>                                "Trey",</a:t>
+            </a:r>
+          </a:p>
+          <a:p>
+            <a:r>
+              <a:rPr lang="en-US" dirty="0">
+                <a:solidFill>
+                  <a:srgbClr val="0070C0"/>
+                </a:solidFill>
+              </a:rPr>
+              <a:t>                                "Angela"),</a:t>
+            </a:r>
+          </a:p>
+          <a:p>
+            <a:r>
+              <a:rPr lang="en-US" dirty="0">
+                <a:solidFill>
+                  <a:srgbClr val="0070C0"/>
+                </a:solidFill>
+              </a:rPr>
+              <a:t>                       address = c("7 Mill road",</a:t>
+            </a:r>
+          </a:p>
+          <a:p>
+            <a:r>
+              <a:rPr lang="en-US" dirty="0">
+                <a:solidFill>
+                  <a:srgbClr val="0070C0"/>
+                </a:solidFill>
+              </a:rPr>
+              <a:t>                                   "12 High street",</a:t>
+            </a:r>
+          </a:p>
+          <a:p>
+            <a:r>
+              <a:rPr lang="en-US" dirty="0">
+                <a:solidFill>
+                  <a:srgbClr val="0070C0"/>
+                </a:solidFill>
+              </a:rPr>
+              <a:t>                                   "33 Pacific boulevard"))</a:t>
+            </a:r>
+          </a:p>
+        </p:txBody>
+      </p:sp>
+    </p:spTree>
+    <p:extLst>
+      <p:ext uri="{BB962C8B-B14F-4D97-AF65-F5344CB8AC3E}">
+        <p14:creationId xmlns:p14="http://schemas.microsoft.com/office/powerpoint/2010/main" val="35475723"/>
+      </p:ext>
+    </p:extLst>
+  </p:cSld>
+  <p:clrMapOvr>
+    <a:masterClrMapping/>
+  </p:clrMapOvr>
+</p:sld>
+</file>
+
+<file path=ppt/slides/slide163.xml><?xml version="1.0" encoding="utf-8"?>
+<p:sld xmlns:a="http://schemas.openxmlformats.org/drawingml/2006/main" xmlns:r="http://schemas.openxmlformats.org/officeDocument/2006/relationships" xmlns:p="http://schemas.openxmlformats.org/presentationml/2006/main">
+  <p:cSld>
+    <p:spTree>
+      <p:nvGrpSpPr>
+        <p:cNvPr id="1" name=""/>
+        <p:cNvGrpSpPr/>
+        <p:nvPr/>
+      </p:nvGrpSpPr>
+      <p:grpSpPr>
+        <a:xfrm>
+          <a:off x="0" y="0"/>
+          <a:ext cx="0" cy="0"/>
+          <a:chOff x="0" y="0"/>
+          <a:chExt cx="0" cy="0"/>
+        </a:xfrm>
+      </p:grpSpPr>
+      <p:sp>
+        <p:nvSpPr>
+          <p:cNvPr id="2" name="Title 1">
+            <a:extLst>
+              <a:ext uri="{FF2B5EF4-FFF2-40B4-BE49-F238E27FC236}">
+                <a16:creationId xmlns:a16="http://schemas.microsoft.com/office/drawing/2014/main" id="{FBE99B13-1D9A-471B-96CC-AE333750F3DB}"/>
+              </a:ext>
+            </a:extLst>
+          </p:cNvPr>
+          <p:cNvSpPr>
+            <a:spLocks noGrp="1"/>
+          </p:cNvSpPr>
+          <p:nvPr>
+            <p:ph type="title"/>
+          </p:nvPr>
+        </p:nvSpPr>
+        <p:spPr/>
+        <p:txBody>
+          <a:bodyPr/>
+          <a:lstStyle/>
+          <a:p>
+            <a:r>
+              <a:rPr lang="en-US" dirty="0"/>
+              <a:t>Join Tables</a:t>
+            </a:r>
+          </a:p>
+        </p:txBody>
+      </p:sp>
+      <p:sp>
+        <p:nvSpPr>
+          <p:cNvPr id="5" name="Rectangle 4">
+            <a:extLst>
+              <a:ext uri="{FF2B5EF4-FFF2-40B4-BE49-F238E27FC236}">
+                <a16:creationId xmlns:a16="http://schemas.microsoft.com/office/drawing/2014/main" id="{51A9BA4C-3F80-4546-B255-1422093DC1C6}"/>
+              </a:ext>
+            </a:extLst>
+          </p:cNvPr>
+          <p:cNvSpPr/>
+          <p:nvPr/>
+        </p:nvSpPr>
+        <p:spPr>
+          <a:xfrm>
+            <a:off x="1073284" y="1535536"/>
+            <a:ext cx="9870333" cy="3416320"/>
+          </a:xfrm>
+          <a:prstGeom prst="rect">
+            <a:avLst/>
+          </a:prstGeom>
+        </p:spPr>
+        <p:txBody>
+          <a:bodyPr wrap="square">
+            <a:spAutoFit/>
+          </a:bodyPr>
+          <a:lstStyle/>
+          <a:p>
+            <a:r>
+              <a:rPr lang="en-US" sz="2400" dirty="0"/>
+              <a:t>Concept of joins come from database query languages (e.g. SQL)</a:t>
+            </a:r>
+          </a:p>
+          <a:p>
+            <a:endParaRPr lang="en-US" sz="2400" dirty="0"/>
+          </a:p>
+          <a:p>
+            <a:r>
+              <a:rPr lang="en-US" sz="2400" dirty="0"/>
+              <a:t>Four standard joins:</a:t>
+            </a:r>
+          </a:p>
+          <a:p>
+            <a:pPr marL="742950" lvl="1" indent="-285750">
+              <a:buFont typeface="Arial" panose="020B0604020202020204" pitchFamily="34" charset="0"/>
+              <a:buChar char="•"/>
+            </a:pPr>
+            <a:r>
+              <a:rPr lang="en-US" sz="2400" dirty="0"/>
+              <a:t>inner</a:t>
+            </a:r>
+          </a:p>
+          <a:p>
+            <a:pPr marL="742950" lvl="1" indent="-285750">
+              <a:buFont typeface="Arial" panose="020B0604020202020204" pitchFamily="34" charset="0"/>
+              <a:buChar char="•"/>
+            </a:pPr>
+            <a:r>
+              <a:rPr lang="en-US" sz="2400" dirty="0"/>
+              <a:t>full</a:t>
+            </a:r>
+          </a:p>
+          <a:p>
+            <a:pPr marL="742950" lvl="1" indent="-285750">
+              <a:buFont typeface="Arial" panose="020B0604020202020204" pitchFamily="34" charset="0"/>
+              <a:buChar char="•"/>
+            </a:pPr>
+            <a:r>
+              <a:rPr lang="en-US" sz="2400" dirty="0"/>
+              <a:t>left</a:t>
+            </a:r>
+          </a:p>
+          <a:p>
+            <a:pPr marL="742950" lvl="1" indent="-285750">
+              <a:buFont typeface="Arial" panose="020B0604020202020204" pitchFamily="34" charset="0"/>
+              <a:buChar char="•"/>
+            </a:pPr>
+            <a:r>
+              <a:rPr lang="en-US" sz="2400" dirty="0"/>
+              <a:t>Right</a:t>
+            </a:r>
+          </a:p>
+          <a:p>
+            <a:pPr lvl="1"/>
+            <a:endParaRPr lang="en-US" sz="2400" dirty="0"/>
+          </a:p>
+          <a:p>
+            <a:r>
+              <a:rPr lang="en-US" sz="2400" dirty="0"/>
+              <a:t>All four can be done using merge()</a:t>
+            </a:r>
+          </a:p>
+        </p:txBody>
+      </p:sp>
+    </p:spTree>
+    <p:extLst>
+      <p:ext uri="{BB962C8B-B14F-4D97-AF65-F5344CB8AC3E}">
+        <p14:creationId xmlns:p14="http://schemas.microsoft.com/office/powerpoint/2010/main" val="1223266103"/>
+      </p:ext>
+    </p:extLst>
+  </p:cSld>
+  <p:clrMapOvr>
+    <a:masterClrMapping/>
+  </p:clrMapOvr>
+</p:sld>
+</file>
+
+<file path=ppt/slides/slide164.xml><?xml version="1.0" encoding="utf-8"?>
+<p:sld xmlns:a="http://schemas.openxmlformats.org/drawingml/2006/main" xmlns:r="http://schemas.openxmlformats.org/officeDocument/2006/relationships" xmlns:p="http://schemas.openxmlformats.org/presentationml/2006/main">
+  <p:cSld>
+    <p:spTree>
+      <p:nvGrpSpPr>
+        <p:cNvPr id="1" name=""/>
+        <p:cNvGrpSpPr/>
+        <p:nvPr/>
+      </p:nvGrpSpPr>
+      <p:grpSpPr>
+        <a:xfrm>
+          <a:off x="0" y="0"/>
+          <a:ext cx="0" cy="0"/>
+          <a:chOff x="0" y="0"/>
+          <a:chExt cx="0" cy="0"/>
+        </a:xfrm>
+      </p:grpSpPr>
+      <p:sp>
+        <p:nvSpPr>
+          <p:cNvPr id="2" name="Title 1">
+            <a:extLst>
+              <a:ext uri="{FF2B5EF4-FFF2-40B4-BE49-F238E27FC236}">
+                <a16:creationId xmlns:a16="http://schemas.microsoft.com/office/drawing/2014/main" id="{26DBE759-1F04-4029-BEC8-A66F7898347C}"/>
+              </a:ext>
+            </a:extLst>
+          </p:cNvPr>
+          <p:cNvSpPr>
+            <a:spLocks noGrp="1"/>
+          </p:cNvSpPr>
+          <p:nvPr>
+            <p:ph type="title"/>
+          </p:nvPr>
+        </p:nvSpPr>
+        <p:spPr/>
+        <p:txBody>
+          <a:bodyPr/>
+          <a:lstStyle/>
+          <a:p>
+            <a:r>
+              <a:rPr lang="en-US" dirty="0"/>
+              <a:t>Inner join</a:t>
+            </a:r>
+          </a:p>
+        </p:txBody>
+      </p:sp>
+      <p:sp>
+        <p:nvSpPr>
+          <p:cNvPr id="3" name="Rectangle 2">
+            <a:extLst>
+              <a:ext uri="{FF2B5EF4-FFF2-40B4-BE49-F238E27FC236}">
+                <a16:creationId xmlns:a16="http://schemas.microsoft.com/office/drawing/2014/main" id="{56B3F469-6720-4F5B-A9F1-5C93137921A6}"/>
+              </a:ext>
+            </a:extLst>
+          </p:cNvPr>
+          <p:cNvSpPr/>
+          <p:nvPr/>
+        </p:nvSpPr>
+        <p:spPr>
+          <a:xfrm>
+            <a:off x="1452664" y="1564241"/>
+            <a:ext cx="6096000" cy="1200329"/>
+          </a:xfrm>
+          <a:prstGeom prst="rect">
+            <a:avLst/>
+          </a:prstGeom>
+        </p:spPr>
+        <p:txBody>
+          <a:bodyPr>
+            <a:spAutoFit/>
+          </a:bodyPr>
+          <a:lstStyle/>
+          <a:p>
+            <a:r>
+              <a:rPr lang="en-US" dirty="0">
+                <a:solidFill>
+                  <a:srgbClr val="0070C0"/>
+                </a:solidFill>
+              </a:rPr>
+              <a:t>merge(x = demographics, </a:t>
+            </a:r>
+          </a:p>
+          <a:p>
+            <a:r>
+              <a:rPr lang="en-US" dirty="0">
+                <a:solidFill>
+                  <a:srgbClr val="0070C0"/>
+                </a:solidFill>
+              </a:rPr>
+              <a:t>      y = shipping,</a:t>
+            </a:r>
+          </a:p>
+          <a:p>
+            <a:r>
+              <a:rPr lang="en-US" dirty="0">
+                <a:solidFill>
+                  <a:srgbClr val="0070C0"/>
+                </a:solidFill>
+              </a:rPr>
+              <a:t>      </a:t>
+            </a:r>
+            <a:r>
+              <a:rPr lang="en-US" dirty="0" err="1">
+                <a:solidFill>
+                  <a:srgbClr val="0070C0"/>
+                </a:solidFill>
+              </a:rPr>
+              <a:t>by.x</a:t>
+            </a:r>
+            <a:r>
+              <a:rPr lang="en-US" dirty="0">
+                <a:solidFill>
+                  <a:srgbClr val="0070C0"/>
+                </a:solidFill>
+              </a:rPr>
+              <a:t> = "name",</a:t>
+            </a:r>
+          </a:p>
+          <a:p>
+            <a:r>
+              <a:rPr lang="en-US" dirty="0">
+                <a:solidFill>
+                  <a:srgbClr val="0070C0"/>
+                </a:solidFill>
+              </a:rPr>
+              <a:t>      </a:t>
+            </a:r>
+            <a:r>
+              <a:rPr lang="en-US" dirty="0" err="1">
+                <a:solidFill>
+                  <a:srgbClr val="0070C0"/>
+                </a:solidFill>
+              </a:rPr>
+              <a:t>by.y</a:t>
+            </a:r>
+            <a:r>
+              <a:rPr lang="en-US" dirty="0">
+                <a:solidFill>
+                  <a:srgbClr val="0070C0"/>
+                </a:solidFill>
+              </a:rPr>
+              <a:t> = "name")</a:t>
+            </a:r>
+          </a:p>
+        </p:txBody>
+      </p:sp>
+      <p:pic>
+        <p:nvPicPr>
+          <p:cNvPr id="4" name="Picture 3">
+            <a:extLst>
+              <a:ext uri="{FF2B5EF4-FFF2-40B4-BE49-F238E27FC236}">
+                <a16:creationId xmlns:a16="http://schemas.microsoft.com/office/drawing/2014/main" id="{4CD56210-C6AF-4A3A-8837-9C3F6BD13B27}"/>
+              </a:ext>
+            </a:extLst>
+          </p:cNvPr>
+          <p:cNvPicPr>
+            <a:picLocks noChangeAspect="1"/>
+          </p:cNvPicPr>
+          <p:nvPr/>
+        </p:nvPicPr>
+        <p:blipFill>
+          <a:blip r:embed="rId2"/>
+          <a:stretch>
+            <a:fillRect/>
+          </a:stretch>
+        </p:blipFill>
+        <p:spPr>
+          <a:xfrm>
+            <a:off x="1452664" y="3517157"/>
+            <a:ext cx="9058275" cy="1885950"/>
+          </a:xfrm>
+          <a:prstGeom prst="rect">
+            <a:avLst/>
+          </a:prstGeom>
+        </p:spPr>
+      </p:pic>
+    </p:spTree>
+    <p:extLst>
+      <p:ext uri="{BB962C8B-B14F-4D97-AF65-F5344CB8AC3E}">
+        <p14:creationId xmlns:p14="http://schemas.microsoft.com/office/powerpoint/2010/main" val="3673629247"/>
+      </p:ext>
+    </p:extLst>
+  </p:cSld>
+  <p:clrMapOvr>
+    <a:masterClrMapping/>
+  </p:clrMapOvr>
+</p:sld>
+</file>
+
+<file path=ppt/slides/slide165.xml><?xml version="1.0" encoding="utf-8"?>
+<p:sld xmlns:a="http://schemas.openxmlformats.org/drawingml/2006/main" xmlns:r="http://schemas.openxmlformats.org/officeDocument/2006/relationships" xmlns:p="http://schemas.openxmlformats.org/presentationml/2006/main">
+  <p:cSld>
+    <p:spTree>
+      <p:nvGrpSpPr>
+        <p:cNvPr id="1" name=""/>
+        <p:cNvGrpSpPr/>
+        <p:nvPr/>
+      </p:nvGrpSpPr>
+      <p:grpSpPr>
+        <a:xfrm>
+          <a:off x="0" y="0"/>
+          <a:ext cx="0" cy="0"/>
+          <a:chOff x="0" y="0"/>
+          <a:chExt cx="0" cy="0"/>
+        </a:xfrm>
+      </p:grpSpPr>
+      <p:sp>
+        <p:nvSpPr>
+          <p:cNvPr id="2" name="Title 1">
+            <a:extLst>
+              <a:ext uri="{FF2B5EF4-FFF2-40B4-BE49-F238E27FC236}">
+                <a16:creationId xmlns:a16="http://schemas.microsoft.com/office/drawing/2014/main" id="{B5810B39-65C3-4A0C-8C6D-6F8D08B0EFCD}"/>
+              </a:ext>
+            </a:extLst>
+          </p:cNvPr>
+          <p:cNvSpPr>
+            <a:spLocks noGrp="1"/>
+          </p:cNvSpPr>
+          <p:nvPr>
+            <p:ph type="title"/>
+          </p:nvPr>
+        </p:nvSpPr>
+        <p:spPr/>
+        <p:txBody>
+          <a:bodyPr/>
+          <a:lstStyle/>
+          <a:p>
+            <a:r>
+              <a:rPr lang="en-US" dirty="0"/>
+              <a:t>Full join</a:t>
+            </a:r>
+          </a:p>
+        </p:txBody>
+      </p:sp>
+      <p:sp>
+        <p:nvSpPr>
+          <p:cNvPr id="3" name="Rectangle 2">
+            <a:extLst>
+              <a:ext uri="{FF2B5EF4-FFF2-40B4-BE49-F238E27FC236}">
+                <a16:creationId xmlns:a16="http://schemas.microsoft.com/office/drawing/2014/main" id="{213E851F-1430-4674-8F49-5D322024C2A8}"/>
+              </a:ext>
+            </a:extLst>
+          </p:cNvPr>
+          <p:cNvSpPr/>
+          <p:nvPr/>
+        </p:nvSpPr>
+        <p:spPr>
+          <a:xfrm>
+            <a:off x="1024647" y="1576279"/>
+            <a:ext cx="6096000" cy="923330"/>
+          </a:xfrm>
+          <a:prstGeom prst="rect">
+            <a:avLst/>
+          </a:prstGeom>
+        </p:spPr>
+        <p:txBody>
+          <a:bodyPr>
+            <a:spAutoFit/>
+          </a:bodyPr>
+          <a:lstStyle/>
+          <a:p>
+            <a:r>
+              <a:rPr lang="en-US" dirty="0">
+                <a:solidFill>
+                  <a:srgbClr val="0070C0"/>
+                </a:solidFill>
+              </a:rPr>
+              <a:t>merge(x = demographics, y = shipping,</a:t>
+            </a:r>
+          </a:p>
+          <a:p>
+            <a:r>
+              <a:rPr lang="en-US" dirty="0">
+                <a:solidFill>
+                  <a:srgbClr val="0070C0"/>
+                </a:solidFill>
+              </a:rPr>
+              <a:t>      by = "name",</a:t>
+            </a:r>
+          </a:p>
+          <a:p>
+            <a:r>
+              <a:rPr lang="en-US" dirty="0">
+                <a:solidFill>
+                  <a:srgbClr val="0070C0"/>
+                </a:solidFill>
+              </a:rPr>
+              <a:t>      all = TRUE)</a:t>
+            </a:r>
+          </a:p>
+        </p:txBody>
+      </p:sp>
+      <p:pic>
+        <p:nvPicPr>
+          <p:cNvPr id="4" name="Picture 3">
+            <a:extLst>
+              <a:ext uri="{FF2B5EF4-FFF2-40B4-BE49-F238E27FC236}">
+                <a16:creationId xmlns:a16="http://schemas.microsoft.com/office/drawing/2014/main" id="{525C9AE8-F349-484C-8B9E-CC1EDDE1E0AD}"/>
+              </a:ext>
+            </a:extLst>
+          </p:cNvPr>
+          <p:cNvPicPr>
+            <a:picLocks noChangeAspect="1"/>
+          </p:cNvPicPr>
+          <p:nvPr/>
+        </p:nvPicPr>
+        <p:blipFill>
+          <a:blip r:embed="rId2"/>
+          <a:stretch>
+            <a:fillRect/>
+          </a:stretch>
+        </p:blipFill>
+        <p:spPr>
+          <a:xfrm>
+            <a:off x="1562100" y="3228063"/>
+            <a:ext cx="9067800" cy="1685925"/>
+          </a:xfrm>
+          <a:prstGeom prst="rect">
+            <a:avLst/>
+          </a:prstGeom>
+        </p:spPr>
+      </p:pic>
+    </p:spTree>
+    <p:extLst>
+      <p:ext uri="{BB962C8B-B14F-4D97-AF65-F5344CB8AC3E}">
+        <p14:creationId xmlns:p14="http://schemas.microsoft.com/office/powerpoint/2010/main" val="442193224"/>
+      </p:ext>
+    </p:extLst>
+  </p:cSld>
+  <p:clrMapOvr>
+    <a:masterClrMapping/>
+  </p:clrMapOvr>
+</p:sld>
+</file>
+
+<file path=ppt/slides/slide166.xml><?xml version="1.0" encoding="utf-8"?>
+<p:sld xmlns:a="http://schemas.openxmlformats.org/drawingml/2006/main" xmlns:r="http://schemas.openxmlformats.org/officeDocument/2006/relationships" xmlns:p="http://schemas.openxmlformats.org/presentationml/2006/main">
+  <p:cSld>
+    <p:spTree>
+      <p:nvGrpSpPr>
+        <p:cNvPr id="1" name=""/>
+        <p:cNvGrpSpPr/>
+        <p:nvPr/>
+      </p:nvGrpSpPr>
+      <p:grpSpPr>
+        <a:xfrm>
+          <a:off x="0" y="0"/>
+          <a:ext cx="0" cy="0"/>
+          <a:chOff x="0" y="0"/>
+          <a:chExt cx="0" cy="0"/>
+        </a:xfrm>
+      </p:grpSpPr>
+      <p:sp>
+        <p:nvSpPr>
+          <p:cNvPr id="2" name="Title 1">
+            <a:extLst>
+              <a:ext uri="{FF2B5EF4-FFF2-40B4-BE49-F238E27FC236}">
+                <a16:creationId xmlns:a16="http://schemas.microsoft.com/office/drawing/2014/main" id="{B33E882D-5C83-4B84-81C8-AF1768DD9F74}"/>
+              </a:ext>
+            </a:extLst>
+          </p:cNvPr>
+          <p:cNvSpPr>
+            <a:spLocks noGrp="1"/>
+          </p:cNvSpPr>
+          <p:nvPr>
+            <p:ph type="title"/>
+          </p:nvPr>
+        </p:nvSpPr>
+        <p:spPr/>
+        <p:txBody>
+          <a:bodyPr/>
+          <a:lstStyle/>
+          <a:p>
+            <a:r>
+              <a:rPr lang="en-US" dirty="0"/>
+              <a:t>Left joins</a:t>
+            </a:r>
+          </a:p>
+        </p:txBody>
+      </p:sp>
+      <p:sp>
+        <p:nvSpPr>
+          <p:cNvPr id="3" name="Rectangle 2">
+            <a:extLst>
+              <a:ext uri="{FF2B5EF4-FFF2-40B4-BE49-F238E27FC236}">
+                <a16:creationId xmlns:a16="http://schemas.microsoft.com/office/drawing/2014/main" id="{F11D89E3-76ED-434B-9282-56FCEBB05365}"/>
+              </a:ext>
+            </a:extLst>
+          </p:cNvPr>
+          <p:cNvSpPr/>
+          <p:nvPr/>
+        </p:nvSpPr>
+        <p:spPr>
+          <a:xfrm>
+            <a:off x="1481846" y="1675869"/>
+            <a:ext cx="8741923" cy="369332"/>
+          </a:xfrm>
+          <a:prstGeom prst="rect">
+            <a:avLst/>
+          </a:prstGeom>
+        </p:spPr>
+        <p:txBody>
+          <a:bodyPr wrap="square">
+            <a:spAutoFit/>
+          </a:bodyPr>
+          <a:lstStyle/>
+          <a:p>
+            <a:r>
+              <a:rPr lang="en-US" dirty="0">
+                <a:solidFill>
+                  <a:srgbClr val="0070C0"/>
+                </a:solidFill>
+              </a:rPr>
+              <a:t>merge(x = demographics, y = shipping, by = "name" , </a:t>
+            </a:r>
+            <a:r>
+              <a:rPr lang="en-US" dirty="0" err="1">
+                <a:solidFill>
+                  <a:srgbClr val="0070C0"/>
+                </a:solidFill>
+              </a:rPr>
+              <a:t>all.x</a:t>
+            </a:r>
+            <a:r>
+              <a:rPr lang="en-US" dirty="0">
+                <a:solidFill>
+                  <a:srgbClr val="0070C0"/>
+                </a:solidFill>
+              </a:rPr>
+              <a:t> = TRUE)</a:t>
+            </a:r>
+          </a:p>
+        </p:txBody>
+      </p:sp>
+      <p:pic>
+        <p:nvPicPr>
+          <p:cNvPr id="4" name="Picture 3">
+            <a:extLst>
+              <a:ext uri="{FF2B5EF4-FFF2-40B4-BE49-F238E27FC236}">
+                <a16:creationId xmlns:a16="http://schemas.microsoft.com/office/drawing/2014/main" id="{58D9502A-CF2A-4E11-985D-B81C4BAD9255}"/>
+              </a:ext>
+            </a:extLst>
+          </p:cNvPr>
+          <p:cNvPicPr>
+            <a:picLocks noChangeAspect="1"/>
+          </p:cNvPicPr>
+          <p:nvPr/>
+        </p:nvPicPr>
+        <p:blipFill>
+          <a:blip r:embed="rId2"/>
+          <a:stretch>
+            <a:fillRect/>
+          </a:stretch>
+        </p:blipFill>
+        <p:spPr>
+          <a:xfrm>
+            <a:off x="1342719" y="2950723"/>
+            <a:ext cx="9020175" cy="1676400"/>
+          </a:xfrm>
+          <a:prstGeom prst="rect">
+            <a:avLst/>
+          </a:prstGeom>
+        </p:spPr>
+      </p:pic>
+    </p:spTree>
+    <p:extLst>
+      <p:ext uri="{BB962C8B-B14F-4D97-AF65-F5344CB8AC3E}">
+        <p14:creationId xmlns:p14="http://schemas.microsoft.com/office/powerpoint/2010/main" val="2937852668"/>
+      </p:ext>
+    </p:extLst>
+  </p:cSld>
+  <p:clrMapOvr>
+    <a:masterClrMapping/>
+  </p:clrMapOvr>
+</p:sld>
+</file>
+
+<file path=ppt/slides/slide167.xml><?xml version="1.0" encoding="utf-8"?>
+<p:sld xmlns:a="http://schemas.openxmlformats.org/drawingml/2006/main" xmlns:r="http://schemas.openxmlformats.org/officeDocument/2006/relationships" xmlns:p="http://schemas.openxmlformats.org/presentationml/2006/main">
+  <p:cSld>
+    <p:spTree>
+      <p:nvGrpSpPr>
+        <p:cNvPr id="1" name=""/>
+        <p:cNvGrpSpPr/>
+        <p:nvPr/>
+      </p:nvGrpSpPr>
+      <p:grpSpPr>
+        <a:xfrm>
+          <a:off x="0" y="0"/>
+          <a:ext cx="0" cy="0"/>
+          <a:chOff x="0" y="0"/>
+          <a:chExt cx="0" cy="0"/>
+        </a:xfrm>
+      </p:grpSpPr>
+      <p:sp>
+        <p:nvSpPr>
+          <p:cNvPr id="2" name="Title 1">
+            <a:extLst>
+              <a:ext uri="{FF2B5EF4-FFF2-40B4-BE49-F238E27FC236}">
+                <a16:creationId xmlns:a16="http://schemas.microsoft.com/office/drawing/2014/main" id="{C766F182-9E0B-4039-AFD8-6BEED6240B3C}"/>
+              </a:ext>
+            </a:extLst>
+          </p:cNvPr>
+          <p:cNvSpPr>
+            <a:spLocks noGrp="1"/>
+          </p:cNvSpPr>
+          <p:nvPr>
+            <p:ph type="title"/>
+          </p:nvPr>
+        </p:nvSpPr>
+        <p:spPr/>
+        <p:txBody>
+          <a:bodyPr/>
+          <a:lstStyle/>
+          <a:p>
+            <a:r>
+              <a:rPr lang="en-US" dirty="0"/>
+              <a:t>Right joins</a:t>
+            </a:r>
+          </a:p>
+        </p:txBody>
+      </p:sp>
+      <p:sp>
+        <p:nvSpPr>
+          <p:cNvPr id="3" name="Rectangle 2">
+            <a:extLst>
+              <a:ext uri="{FF2B5EF4-FFF2-40B4-BE49-F238E27FC236}">
+                <a16:creationId xmlns:a16="http://schemas.microsoft.com/office/drawing/2014/main" id="{4042B871-402D-480A-A575-CCB3F745309A}"/>
+              </a:ext>
+            </a:extLst>
+          </p:cNvPr>
+          <p:cNvSpPr/>
+          <p:nvPr/>
+        </p:nvSpPr>
+        <p:spPr>
+          <a:xfrm>
+            <a:off x="1726506" y="2135380"/>
+            <a:ext cx="7046160" cy="369332"/>
+          </a:xfrm>
+          <a:prstGeom prst="rect">
+            <a:avLst/>
+          </a:prstGeom>
+        </p:spPr>
+        <p:txBody>
+          <a:bodyPr wrap="none">
+            <a:spAutoFit/>
+          </a:bodyPr>
+          <a:lstStyle/>
+          <a:p>
+            <a:r>
+              <a:rPr lang="en-US" dirty="0">
+                <a:solidFill>
+                  <a:srgbClr val="0070C0"/>
+                </a:solidFill>
+              </a:rPr>
+              <a:t>merge(x = demographics, y = shipping, by = "name“, </a:t>
+            </a:r>
+            <a:r>
+              <a:rPr lang="en-US" dirty="0" err="1">
+                <a:solidFill>
+                  <a:srgbClr val="0070C0"/>
+                </a:solidFill>
+              </a:rPr>
+              <a:t>all.y</a:t>
+            </a:r>
+            <a:r>
+              <a:rPr lang="en-US" dirty="0">
+                <a:solidFill>
+                  <a:srgbClr val="0070C0"/>
+                </a:solidFill>
+              </a:rPr>
+              <a:t> = TRUE) </a:t>
+            </a:r>
+          </a:p>
+        </p:txBody>
+      </p:sp>
+      <p:pic>
+        <p:nvPicPr>
+          <p:cNvPr id="4" name="Picture 3">
+            <a:extLst>
+              <a:ext uri="{FF2B5EF4-FFF2-40B4-BE49-F238E27FC236}">
+                <a16:creationId xmlns:a16="http://schemas.microsoft.com/office/drawing/2014/main" id="{DACF81AB-2DC5-445A-9842-FA89D08CF72A}"/>
+              </a:ext>
+            </a:extLst>
+          </p:cNvPr>
+          <p:cNvPicPr>
+            <a:picLocks noChangeAspect="1"/>
+          </p:cNvPicPr>
+          <p:nvPr/>
+        </p:nvPicPr>
+        <p:blipFill>
+          <a:blip r:embed="rId2"/>
+          <a:stretch>
+            <a:fillRect/>
+          </a:stretch>
+        </p:blipFill>
+        <p:spPr>
+          <a:xfrm>
+            <a:off x="1584291" y="3241945"/>
+            <a:ext cx="8867775" cy="1619250"/>
+          </a:xfrm>
+          <a:prstGeom prst="rect">
+            <a:avLst/>
+          </a:prstGeom>
+        </p:spPr>
+      </p:pic>
+    </p:spTree>
+    <p:extLst>
+      <p:ext uri="{BB962C8B-B14F-4D97-AF65-F5344CB8AC3E}">
+        <p14:creationId xmlns:p14="http://schemas.microsoft.com/office/powerpoint/2010/main" val="3871768551"/>
+      </p:ext>
+    </p:extLst>
+  </p:cSld>
+  <p:clrMapOvr>
+    <a:masterClrMapping/>
+  </p:clrMapOvr>
+</p:sld>
+</file>
+
+<file path=ppt/slides/slide168.xml><?xml version="1.0" encoding="utf-8"?>
+<p:sld xmlns:a="http://schemas.openxmlformats.org/drawingml/2006/main" xmlns:r="http://schemas.openxmlformats.org/officeDocument/2006/relationships" xmlns:p="http://schemas.openxmlformats.org/presentationml/2006/main">
+  <p:cSld>
+    <p:spTree>
+      <p:nvGrpSpPr>
+        <p:cNvPr id="1" name=""/>
+        <p:cNvGrpSpPr/>
+        <p:nvPr/>
+      </p:nvGrpSpPr>
+      <p:grpSpPr>
+        <a:xfrm>
+          <a:off x="0" y="0"/>
+          <a:ext cx="0" cy="0"/>
+          <a:chOff x="0" y="0"/>
+          <a:chExt cx="0" cy="0"/>
+        </a:xfrm>
+      </p:grpSpPr>
+      <p:sp>
+        <p:nvSpPr>
+          <p:cNvPr id="2" name="Title 1">
+            <a:extLst>
+              <a:ext uri="{FF2B5EF4-FFF2-40B4-BE49-F238E27FC236}">
+                <a16:creationId xmlns:a16="http://schemas.microsoft.com/office/drawing/2014/main" id="{C8F2E4FB-DE46-455B-827A-62C2064F1678}"/>
+              </a:ext>
+            </a:extLst>
+          </p:cNvPr>
+          <p:cNvSpPr>
+            <a:spLocks noGrp="1"/>
+          </p:cNvSpPr>
+          <p:nvPr>
+            <p:ph type="title"/>
+          </p:nvPr>
+        </p:nvSpPr>
+        <p:spPr/>
+        <p:txBody>
+          <a:bodyPr/>
+          <a:lstStyle/>
+          <a:p>
+            <a:r>
+              <a:rPr lang="en-US" dirty="0"/>
+              <a:t>Right joins - Left joins</a:t>
+            </a:r>
+          </a:p>
+        </p:txBody>
+      </p:sp>
+      <p:sp>
+        <p:nvSpPr>
+          <p:cNvPr id="5" name="Rectangle 4">
+            <a:extLst>
+              <a:ext uri="{FF2B5EF4-FFF2-40B4-BE49-F238E27FC236}">
+                <a16:creationId xmlns:a16="http://schemas.microsoft.com/office/drawing/2014/main" id="{D1C34D66-EA2E-4B58-B713-DFCE4C650287}"/>
+              </a:ext>
+            </a:extLst>
+          </p:cNvPr>
+          <p:cNvSpPr/>
+          <p:nvPr/>
+        </p:nvSpPr>
+        <p:spPr>
+          <a:xfrm>
+            <a:off x="609600" y="1887166"/>
+            <a:ext cx="8534400" cy="1477328"/>
+          </a:xfrm>
+          <a:prstGeom prst="rect">
+            <a:avLst/>
+          </a:prstGeom>
+        </p:spPr>
+        <p:txBody>
+          <a:bodyPr wrap="square">
+            <a:spAutoFit/>
+          </a:bodyPr>
+          <a:lstStyle/>
+          <a:p>
+            <a:r>
+              <a:rPr lang="en-US" dirty="0">
+                <a:solidFill>
+                  <a:srgbClr val="0070C0"/>
+                </a:solidFill>
+              </a:rPr>
+              <a:t># Right join</a:t>
+            </a:r>
+          </a:p>
+          <a:p>
+            <a:r>
+              <a:rPr lang="en-US" dirty="0">
+                <a:solidFill>
+                  <a:srgbClr val="0070C0"/>
+                </a:solidFill>
+              </a:rPr>
+              <a:t>merge(x = demographics, y = shipping, by = "name", </a:t>
+            </a:r>
+            <a:r>
+              <a:rPr lang="en-US" dirty="0" err="1">
+                <a:solidFill>
+                  <a:srgbClr val="0070C0"/>
+                </a:solidFill>
+              </a:rPr>
+              <a:t>all.y</a:t>
+            </a:r>
+            <a:r>
+              <a:rPr lang="en-US" dirty="0">
+                <a:solidFill>
+                  <a:srgbClr val="0070C0"/>
+                </a:solidFill>
+              </a:rPr>
+              <a:t> = TRUE)</a:t>
+            </a:r>
+          </a:p>
+          <a:p>
+            <a:endParaRPr lang="en-US" dirty="0">
+              <a:solidFill>
+                <a:srgbClr val="0070C0"/>
+              </a:solidFill>
+            </a:endParaRPr>
+          </a:p>
+          <a:p>
+            <a:r>
+              <a:rPr lang="en-US" dirty="0">
+                <a:solidFill>
+                  <a:srgbClr val="0070C0"/>
+                </a:solidFill>
+              </a:rPr>
+              <a:t># Same as</a:t>
+            </a:r>
+          </a:p>
+          <a:p>
+            <a:r>
+              <a:rPr lang="en-US" dirty="0">
+                <a:solidFill>
+                  <a:srgbClr val="0070C0"/>
+                </a:solidFill>
+              </a:rPr>
+              <a:t>merge(x = shipping, y = demographics, by = "name", </a:t>
+            </a:r>
+            <a:r>
+              <a:rPr lang="en-US" dirty="0" err="1">
+                <a:solidFill>
+                  <a:srgbClr val="0070C0"/>
+                </a:solidFill>
+              </a:rPr>
+              <a:t>all.x</a:t>
+            </a:r>
+            <a:r>
+              <a:rPr lang="en-US" dirty="0">
+                <a:solidFill>
+                  <a:srgbClr val="0070C0"/>
+                </a:solidFill>
+              </a:rPr>
+              <a:t> = TRUE)</a:t>
+            </a:r>
+          </a:p>
+        </p:txBody>
+      </p:sp>
+    </p:spTree>
+    <p:extLst>
+      <p:ext uri="{BB962C8B-B14F-4D97-AF65-F5344CB8AC3E}">
+        <p14:creationId xmlns:p14="http://schemas.microsoft.com/office/powerpoint/2010/main" val="3434454703"/>
+      </p:ext>
+    </p:extLst>
+  </p:cSld>
+  <p:clrMapOvr>
+    <a:masterClrMapping/>
+  </p:clrMapOvr>
+</p:sld>
+</file>
+
+<file path=ppt/slides/slide169.xml><?xml version="1.0" encoding="utf-8"?>
+<p:sld xmlns:a="http://schemas.openxmlformats.org/drawingml/2006/main" xmlns:r="http://schemas.openxmlformats.org/officeDocument/2006/relationships" xmlns:p="http://schemas.openxmlformats.org/presentationml/2006/main">
+  <p:cSld>
+    <p:spTree>
+      <p:nvGrpSpPr>
+        <p:cNvPr id="1" name=""/>
+        <p:cNvGrpSpPr/>
+        <p:nvPr/>
+      </p:nvGrpSpPr>
+      <p:grpSpPr>
+        <a:xfrm>
+          <a:off x="0" y="0"/>
+          <a:ext cx="0" cy="0"/>
+          <a:chOff x="0" y="0"/>
+          <a:chExt cx="0" cy="0"/>
+        </a:xfrm>
+      </p:grpSpPr>
+      <p:sp>
+        <p:nvSpPr>
+          <p:cNvPr id="2" name="Title 1">
+            <a:extLst>
+              <a:ext uri="{FF2B5EF4-FFF2-40B4-BE49-F238E27FC236}">
+                <a16:creationId xmlns:a16="http://schemas.microsoft.com/office/drawing/2014/main" id="{D7760514-1BA4-415E-9E77-5F309DF2876D}"/>
+              </a:ext>
+            </a:extLst>
+          </p:cNvPr>
+          <p:cNvSpPr>
+            <a:spLocks noGrp="1"/>
+          </p:cNvSpPr>
+          <p:nvPr>
+            <p:ph type="title"/>
+          </p:nvPr>
+        </p:nvSpPr>
+        <p:spPr>
+          <a:xfrm>
+            <a:off x="3751634" y="2115766"/>
+            <a:ext cx="4088860" cy="1066800"/>
+          </a:xfrm>
+        </p:spPr>
+        <p:txBody>
+          <a:bodyPr/>
+          <a:lstStyle/>
+          <a:p>
+            <a:r>
+              <a:rPr lang="en-US" dirty="0"/>
+              <a:t>QUESTIONS?</a:t>
+            </a:r>
+          </a:p>
+        </p:txBody>
+      </p:sp>
+    </p:spTree>
+    <p:extLst>
+      <p:ext uri="{BB962C8B-B14F-4D97-AF65-F5344CB8AC3E}">
+        <p14:creationId xmlns:p14="http://schemas.microsoft.com/office/powerpoint/2010/main" val="2227294295"/>
       </p:ext>
     </p:extLst>
   </p:cSld>
@@ -23882,36 +32564,34 @@
             </a:endParaRPr>
           </a:p>
           <a:p>
-            <a:pPr marL="457200" lvl="1" indent="0">
-              <a:buNone/>
+            <a:pPr lvl="1" indent="-285750">
+              <a:buFont typeface="Wingdings" panose="05000000000000000000" pitchFamily="2" charset="2"/>
+              <a:buChar char="Ø"/>
             </a:pPr>
             <a:r>
+              <a:rPr lang="en-US" altLang="en-US" dirty="0" err="1">
+                <a:solidFill>
+                  <a:srgbClr val="0000FF"/>
+                </a:solidFill>
+                <a:latin typeface="Lucida Console" panose="020B0609040504020204" pitchFamily="49" charset="0"/>
+              </a:rPr>
+              <a:t>poker_vector</a:t>
+            </a:r>
+            <a:r>
               <a:rPr lang="en-US" altLang="en-US" dirty="0">
                 <a:solidFill>
                   <a:srgbClr val="0000FF"/>
                 </a:solidFill>
                 <a:latin typeface="Lucida Console" panose="020B0609040504020204" pitchFamily="49" charset="0"/>
               </a:rPr>
-              <a:t>&gt; </a:t>
-            </a:r>
-            <a:r>
-              <a:rPr lang="en-US" altLang="en-US" dirty="0" err="1">
-                <a:solidFill>
-                  <a:srgbClr val="0000FF"/>
-                </a:solidFill>
-                <a:latin typeface="Lucida Console" panose="020B0609040504020204" pitchFamily="49" charset="0"/>
-              </a:rPr>
-              <a:t>poker_vector</a:t>
-            </a:r>
-            <a:r>
-              <a:rPr lang="en-US" altLang="en-US" dirty="0">
-                <a:solidFill>
-                  <a:srgbClr val="0000FF"/>
-                </a:solidFill>
-                <a:latin typeface="Lucida Console" panose="020B0609040504020204" pitchFamily="49" charset="0"/>
-              </a:rPr>
               <a:t> </a:t>
             </a:r>
+          </a:p>
+          <a:p>
+            <a:pPr lvl="1" indent="-285750">
+              <a:buFont typeface="Wingdings" panose="05000000000000000000" pitchFamily="2" charset="2"/>
+              <a:buChar char="Ø"/>
+            </a:pPr>
             <a:r>
               <a:rPr lang="en-US" altLang="en-US" dirty="0">
                 <a:solidFill>
@@ -27453,7 +36133,7 @@
                   <a:srgbClr val="0070C0"/>
                 </a:solidFill>
               </a:rPr>
-              <a:t> &lt;- </a:t>
+              <a:t> &lt;-</a:t>
             </a:r>
             <a:r>
               <a:rPr lang="en-US" sz="2800" dirty="0" err="1">
@@ -27575,7 +36255,7 @@
         </p:blipFill>
         <p:spPr>
           <a:xfrm>
-            <a:off x="2299516" y="5906164"/>
+            <a:off x="3314700" y="6049279"/>
             <a:ext cx="2781300" cy="742950"/>
           </a:xfrm>
           <a:prstGeom prst="rect">
@@ -27659,76 +36339,76 @@
         </p:nvSpPr>
         <p:spPr>
           <a:xfrm>
-            <a:off x="838200" y="1690688"/>
+            <a:off x="1203960" y="1253331"/>
             <a:ext cx="10515600" cy="4351338"/>
           </a:xfrm>
         </p:spPr>
         <p:txBody>
           <a:bodyPr>
-            <a:normAutofit fontScale="40000" lnSpcReduction="20000"/>
+            <a:noAutofit/>
           </a:bodyPr>
           <a:lstStyle/>
           <a:p>
             <a:r>
-              <a:rPr lang="en-US" dirty="0"/>
+              <a:rPr lang="en-US" sz="1800" dirty="0"/>
               <a:t>Matrices are vectors with a dimension attribute.</a:t>
             </a:r>
           </a:p>
           <a:p>
             <a:r>
-              <a:rPr lang="en-US" altLang="en-US" dirty="0"/>
+              <a:rPr lang="en-US" altLang="en-US" sz="1800" dirty="0"/>
               <a:t>Use the </a:t>
             </a:r>
             <a:r>
-              <a:rPr lang="en-US" altLang="en-US" i="1" dirty="0"/>
+              <a:rPr lang="en-US" altLang="en-US" sz="1800" i="1" dirty="0"/>
               <a:t>matrix()</a:t>
             </a:r>
             <a:r>
-              <a:rPr lang="en-US" altLang="en-US" dirty="0"/>
+              <a:rPr lang="en-US" altLang="en-US" sz="1800" dirty="0"/>
               <a:t> function. </a:t>
             </a:r>
           </a:p>
           <a:p>
             <a:r>
-              <a:rPr lang="en-US" altLang="en-US" dirty="0"/>
+              <a:rPr lang="en-US" altLang="en-US" sz="1800" dirty="0"/>
               <a:t>The first argument is the vector </a:t>
             </a:r>
             <a:r>
-              <a:rPr lang="en-US" altLang="en-US" dirty="0" err="1"/>
+              <a:rPr lang="en-US" altLang="en-US" sz="1800" dirty="0" err="1"/>
               <a:t>box_office</a:t>
             </a:r>
             <a:r>
-              <a:rPr lang="en-US" altLang="en-US" dirty="0"/>
+              <a:rPr lang="en-US" altLang="en-US" sz="1800" dirty="0"/>
               <a:t>, containing all box office figures. </a:t>
             </a:r>
           </a:p>
           <a:p>
             <a:r>
-              <a:rPr lang="en-US" altLang="en-US" dirty="0"/>
+              <a:rPr lang="en-US" altLang="en-US" sz="1800" dirty="0"/>
               <a:t>Specify </a:t>
             </a:r>
             <a:r>
-              <a:rPr lang="en-US" altLang="en-US" dirty="0" err="1"/>
+              <a:rPr lang="en-US" altLang="en-US" sz="1800" dirty="0" err="1"/>
               <a:t>nrow</a:t>
             </a:r>
             <a:r>
-              <a:rPr lang="en-US" altLang="en-US" dirty="0"/>
+              <a:rPr lang="en-US" altLang="en-US" sz="1800" dirty="0"/>
               <a:t> and/or </a:t>
             </a:r>
             <a:r>
-              <a:rPr lang="en-US" altLang="en-US" dirty="0" err="1"/>
+              <a:rPr lang="en-US" altLang="en-US" sz="1800" dirty="0" err="1"/>
               <a:t>ncol</a:t>
             </a:r>
             <a:r>
-              <a:rPr lang="en-US" altLang="en-US" dirty="0"/>
+              <a:rPr lang="en-US" altLang="en-US" sz="1800" dirty="0"/>
               <a:t> and/or </a:t>
             </a:r>
             <a:r>
-              <a:rPr lang="en-US" altLang="en-US" dirty="0" err="1"/>
+              <a:rPr lang="en-US" altLang="en-US" sz="1800" dirty="0" err="1"/>
               <a:t>byrow</a:t>
             </a:r>
             <a:r>
-              <a:rPr lang="en-US" altLang="en-US" dirty="0"/>
+              <a:rPr lang="en-US" altLang="en-US" sz="1800" dirty="0"/>
               <a:t> = TRUE/FALSE</a:t>
             </a:r>
           </a:p>
@@ -27736,23 +36416,26 @@
             <a:pPr marL="0" indent="0">
               <a:buNone/>
             </a:pPr>
-            <a:endParaRPr lang="en-US" dirty="0"/>
+            <a:r>
+              <a:rPr lang="pl-PL" sz="1800" dirty="0"/>
+              <a:t> </a:t>
+            </a:r>
+            <a:r>
+              <a:rPr lang="pl-PL" sz="1800" dirty="0">
+                <a:solidFill>
+                  <a:srgbClr val="0070C0"/>
+                </a:solidFill>
+              </a:rPr>
+              <a:t>m &lt;- matrix(nrow = 2, ncol = 3)</a:t>
+            </a:r>
           </a:p>
           <a:p>
             <a:pPr marL="0" indent="0">
               <a:buNone/>
             </a:pPr>
             <a:r>
-              <a:rPr lang="pl-PL" dirty="0"/>
-              <a:t> </a:t>
-            </a:r>
-            <a:r>
-              <a:rPr lang="pl-PL" dirty="0">
-                <a:solidFill>
-                  <a:srgbClr val="0070C0"/>
-                </a:solidFill>
-              </a:rPr>
-              <a:t>m &lt;- matrix(nrow = 2, ncol = 3)</a:t>
+              <a:rPr lang="pl-PL" sz="1800" dirty="0"/>
+              <a:t>&gt; m</a:t>
             </a:r>
           </a:p>
           <a:p>
@@ -27760,8 +36443,12 @@
               <a:buNone/>
             </a:pPr>
             <a:r>
-              <a:rPr lang="pl-PL" dirty="0"/>
-              <a:t>&gt; m</a:t>
+              <a:rPr lang="en-US" sz="1800" dirty="0"/>
+              <a:t>      </a:t>
+            </a:r>
+            <a:r>
+              <a:rPr lang="pl-PL" sz="1800" dirty="0"/>
+              <a:t>[,1] [,2] [,3]</a:t>
             </a:r>
           </a:p>
           <a:p>
@@ -27769,12 +36456,8 @@
               <a:buNone/>
             </a:pPr>
             <a:r>
-              <a:rPr lang="en-US" dirty="0"/>
-              <a:t>      </a:t>
-            </a:r>
-            <a:r>
-              <a:rPr lang="pl-PL" dirty="0"/>
-              <a:t>[,1] [,2] [,3]</a:t>
+              <a:rPr lang="pl-PL" sz="1800" dirty="0"/>
+              <a:t>[1,] NA NA NA</a:t>
             </a:r>
           </a:p>
           <a:p>
@@ -27782,50 +36465,35 @@
               <a:buNone/>
             </a:pPr>
             <a:r>
-              <a:rPr lang="pl-PL" dirty="0"/>
-              <a:t>[1,] NA NA NA</a:t>
-            </a:r>
+              <a:rPr lang="pl-PL" sz="1800" dirty="0"/>
+              <a:t>[2,] NA NA NA</a:t>
+            </a:r>
+            <a:endParaRPr lang="en-US" sz="1800" dirty="0"/>
           </a:p>
           <a:p>
             <a:pPr marL="0" indent="0">
               <a:buNone/>
             </a:pPr>
             <a:r>
-              <a:rPr lang="pl-PL" dirty="0"/>
-              <a:t>[2,] NA NA NA</a:t>
-            </a:r>
-            <a:endParaRPr lang="en-US" dirty="0"/>
+              <a:rPr lang="pl-PL" sz="1800" dirty="0">
+                <a:solidFill>
+                  <a:schemeClr val="accent1">
+                    <a:lumMod val="75000"/>
+                  </a:schemeClr>
+                </a:solidFill>
+              </a:rPr>
+              <a:t>&gt; dim(m)</a:t>
+            </a:r>
           </a:p>
           <a:p>
             <a:pPr marL="0" indent="0">
               <a:buNone/>
             </a:pPr>
-            <a:endParaRPr lang="pl-PL" dirty="0"/>
-          </a:p>
-          <a:p>
-            <a:pPr marL="0" indent="0">
-              <a:buNone/>
-            </a:pPr>
-            <a:r>
-              <a:rPr lang="pl-PL" dirty="0">
-                <a:solidFill>
-                  <a:schemeClr val="accent1">
-                    <a:lumMod val="75000"/>
-                  </a:schemeClr>
-                </a:solidFill>
-              </a:rPr>
-              <a:t>&gt; dim(m)</a:t>
-            </a:r>
-          </a:p>
-          <a:p>
-            <a:pPr marL="0" indent="0">
-              <a:buNone/>
-            </a:pPr>
-            <a:r>
-              <a:rPr lang="pl-PL" dirty="0"/>
+            <a:r>
+              <a:rPr lang="pl-PL" sz="1800" dirty="0"/>
               <a:t>[1] 2 3</a:t>
             </a:r>
-            <a:endParaRPr lang="en-US" dirty="0"/>
+            <a:endParaRPr lang="en-US" sz="1800" dirty="0"/>
           </a:p>
         </p:txBody>
       </p:sp>
@@ -29091,7 +37759,7 @@
         </p:blipFill>
         <p:spPr>
           <a:xfrm>
-            <a:off x="8779733" y="4265913"/>
+            <a:off x="6501353" y="5214104"/>
             <a:ext cx="2343150" cy="1390650"/>
           </a:xfrm>
           <a:prstGeom prst="rect">
@@ -30500,7 +39168,7 @@
         </p:blipFill>
         <p:spPr>
           <a:xfrm>
-            <a:off x="1088167" y="5348288"/>
+            <a:off x="1840007" y="5510727"/>
             <a:ext cx="8705850" cy="828675"/>
           </a:xfrm>
           <a:prstGeom prst="rect">
@@ -35790,7 +44458,7 @@
             </a:r>
             <a:r>
               <a:rPr lang="en-US" sz="1800" dirty="0"/>
-              <a:t> 5 rows - default</a:t>
+              <a:t> 6 rows - default</a:t>
             </a:r>
           </a:p>
           <a:p>
@@ -37543,7 +46211,7 @@
         </p:blipFill>
         <p:spPr>
           <a:xfrm>
-            <a:off x="1898489" y="5689157"/>
+            <a:off x="1777909" y="5838911"/>
             <a:ext cx="8863850" cy="803717"/>
           </a:xfrm>
           <a:prstGeom prst="rect">
@@ -37673,7 +46341,7 @@
         </p:nvSpPr>
         <p:spPr>
           <a:xfrm>
-            <a:off x="1242349" y="1832620"/>
+            <a:off x="1120429" y="1456700"/>
             <a:ext cx="7542836" cy="954107"/>
           </a:xfrm>
           <a:prstGeom prst="rect">
@@ -37973,8 +46641,8 @@
         </p:nvSpPr>
         <p:spPr>
           <a:xfrm>
-            <a:off x="838200" y="199892"/>
-            <a:ext cx="10515600" cy="1325563"/>
+            <a:off x="676155" y="183853"/>
+            <a:ext cx="10515600" cy="937550"/>
           </a:xfrm>
         </p:spPr>
         <p:txBody>
@@ -38630,7 +47298,7 @@
         </p:blipFill>
         <p:spPr>
           <a:xfrm>
-            <a:off x="2257305" y="4728006"/>
+            <a:off x="2115065" y="5231325"/>
             <a:ext cx="3676650" cy="428625"/>
           </a:xfrm>
           <a:prstGeom prst="rect">
@@ -38659,7 +47327,7 @@
         </p:blipFill>
         <p:spPr>
           <a:xfrm>
-            <a:off x="2359427" y="5694284"/>
+            <a:off x="6220227" y="2233116"/>
             <a:ext cx="4560425" cy="937550"/>
           </a:xfrm>
           <a:prstGeom prst="rect">
@@ -38689,7 +47357,7 @@
         </p:blipFill>
         <p:spPr>
           <a:xfrm>
-            <a:off x="7036986" y="4613706"/>
+            <a:off x="7890426" y="4456543"/>
             <a:ext cx="1914525" cy="542925"/>
           </a:xfrm>
           <a:prstGeom prst="rect">
@@ -38757,14 +47425,14 @@
           <a:p>
             <a:pPr algn="ctr"/>
             <a:r>
-              <a:rPr lang="en-US" sz="5400" b="1">
+              <a:rPr lang="en-US" sz="5400" b="1" dirty="0">
                 <a:solidFill>
                   <a:srgbClr val="FFFFFF"/>
                 </a:solidFill>
               </a:rPr>
               <a:t>List</a:t>
             </a:r>
-            <a:endParaRPr lang="en-US" sz="5400">
+            <a:endParaRPr lang="en-US" sz="5400" dirty="0">
               <a:solidFill>
                 <a:srgbClr val="FFFFFF"/>
               </a:solidFill>
@@ -38794,7 +47462,7 @@
         </p:blipFill>
         <p:spPr>
           <a:xfrm>
-            <a:off x="6432218" y="2858128"/>
+            <a:off x="6230288" y="2810388"/>
             <a:ext cx="5455917" cy="3396308"/>
           </a:xfrm>
           <a:prstGeom prst="rect">
@@ -40543,7 +49211,7 @@
               <a:t>#Create a matrix called </a:t>
             </a:r>
             <a:r>
-              <a:rPr lang="en-US" altLang="en-US" dirty="0">
+              <a:rPr lang="en-US" altLang="en-US" i="1" dirty="0">
                 <a:solidFill>
                   <a:schemeClr val="accent1">
                     <a:lumMod val="75000"/>
@@ -40634,7 +49302,7 @@
               <a:t> exactly equal to 13? Use the </a:t>
             </a:r>
             <a:r>
-              <a:rPr lang="en-US" altLang="en-US" sz="1200" dirty="0">
+              <a:rPr lang="en-US" altLang="en-US" dirty="0">
                 <a:solidFill>
                   <a:srgbClr val="3D4251"/>
                 </a:solidFill>
@@ -41024,7 +49692,7 @@
         </p:blipFill>
         <p:spPr>
           <a:xfrm>
-            <a:off x="3395662" y="3922572"/>
+            <a:off x="4421822" y="4254008"/>
             <a:ext cx="5400675" cy="847725"/>
           </a:xfrm>
           <a:prstGeom prst="rect">
@@ -41054,7 +49722,7 @@
         </p:blipFill>
         <p:spPr>
           <a:xfrm>
-            <a:off x="3341043" y="5386388"/>
+            <a:off x="5017443" y="5852053"/>
             <a:ext cx="5000625" cy="790575"/>
           </a:xfrm>
           <a:prstGeom prst="rect">
@@ -41797,7 +50465,7 @@
         </p:blipFill>
         <p:spPr>
           <a:xfrm>
-            <a:off x="4758701" y="5904463"/>
+            <a:off x="5510541" y="5811334"/>
             <a:ext cx="5267325" cy="800100"/>
           </a:xfrm>
           <a:prstGeom prst="rect">
@@ -42346,6 +51014,35 @@
         <p:spPr>
           <a:xfrm>
             <a:off x="4564101" y="2232055"/>
+            <a:ext cx="4834541" cy="2319689"/>
+          </a:xfrm>
+          <a:prstGeom prst="rect">
+            <a:avLst/>
+          </a:prstGeom>
+        </p:spPr>
+      </p:pic>
+      <p:pic>
+        <p:nvPicPr>
+          <p:cNvPr id="5" name="Picture 4">
+            <a:extLst>
+              <a:ext uri="{FF2B5EF4-FFF2-40B4-BE49-F238E27FC236}">
+                <a16:creationId xmlns:a16="http://schemas.microsoft.com/office/drawing/2014/main" id="{7A3F69EB-A242-4F9F-A372-4A01441D8C92}"/>
+              </a:ext>
+            </a:extLst>
+          </p:cNvPr>
+          <p:cNvPicPr>
+            <a:picLocks noChangeAspect="1"/>
+          </p:cNvPicPr>
+          <p:nvPr/>
+        </p:nvPicPr>
+        <p:blipFill rotWithShape="1">
+          <a:blip r:embed="rId2"/>
+          <a:srcRect t="10130" b="29011"/>
+          <a:stretch/>
+        </p:blipFill>
+        <p:spPr>
+          <a:xfrm>
+            <a:off x="4487901" y="2938110"/>
             <a:ext cx="4834541" cy="2319689"/>
           </a:xfrm>
           <a:prstGeom prst="rect">
@@ -44446,6 +53143,32 @@
             </a:r>
           </a:p>
           <a:p>
+            <a:pPr marL="857250" lvl="2" indent="0">
+              <a:buNone/>
+            </a:pPr>
+            <a:r>
+              <a:rPr lang="en-US" dirty="0">
+                <a:solidFill>
+                  <a:srgbClr val="0070C0"/>
+                </a:solidFill>
+              </a:rPr>
+              <a:t>print("Hi there!")  </a:t>
+            </a:r>
+          </a:p>
+          <a:p>
+            <a:pPr marL="857250" lvl="2" indent="0">
+              <a:buNone/>
+            </a:pPr>
+            <a:r>
+              <a:rPr lang="en-US" dirty="0">
+                <a:solidFill>
+                  <a:srgbClr val="0070C0"/>
+                </a:solidFill>
+              </a:rPr>
+              <a:t>TRUE</a:t>
+            </a:r>
+          </a:p>
+          <a:p>
             <a:pPr marL="457200" lvl="1" indent="0">
               <a:buNone/>
             </a:pPr>
@@ -44455,32 +53178,6 @@
                   <a:srgbClr val="0070C0"/>
                 </a:solidFill>
               </a:rPr>
-              <a:t>print("Hi there!")  </a:t>
-            </a:r>
-          </a:p>
-          <a:p>
-            <a:pPr marL="457200" lvl="1" indent="0">
-              <a:buNone/>
-            </a:pPr>
-            <a:r>
-              <a:rPr lang="en-US" dirty="0">
-                <a:solidFill>
-                  <a:srgbClr val="0070C0"/>
-                </a:solidFill>
-              </a:rPr>
-              <a:t>TRUE</a:t>
-            </a:r>
-          </a:p>
-          <a:p>
-            <a:pPr marL="457200" lvl="1" indent="0">
-              <a:buNone/>
-            </a:pPr>
-            <a:r>
-              <a:rPr lang="en-US" dirty="0">
-                <a:solidFill>
-                  <a:srgbClr val="0070C0"/>
-                </a:solidFill>
-              </a:rPr>
               <a:t>}</a:t>
             </a:r>
           </a:p>
@@ -44498,12 +53195,20 @@
               <a:buNone/>
             </a:pPr>
             <a:r>
+              <a:rPr lang="en-US" b="1" dirty="0" err="1">
+                <a:solidFill>
+                  <a:srgbClr val="0070C0"/>
+                </a:solidFill>
+              </a:rPr>
+              <a:t>my_string</a:t>
+            </a:r>
+            <a:r>
               <a:rPr lang="en-US" b="1" dirty="0">
                 <a:solidFill>
                   <a:srgbClr val="0070C0"/>
                 </a:solidFill>
               </a:rPr>
-              <a:t>hello()</a:t>
+              <a:t> &lt;- hello()</a:t>
             </a:r>
           </a:p>
           <a:p>
@@ -46706,7 +55411,7 @@
           <p:nvPr>
             <p:extLst>
               <p:ext uri="{D42A27DB-BD31-4B8C-83A1-F6EECF244321}">
-                <p14:modId xmlns:p14="http://schemas.microsoft.com/office/powerpoint/2010/main" val="1466348895"/>
+                <p14:modId xmlns:p14="http://schemas.microsoft.com/office/powerpoint/2010/main" val="2627491167"/>
               </p:ext>
             </p:extLst>
           </p:nvPr>
@@ -46722,14 +55427,14 @@
                 <a:tableStyleId>{5C22544A-7EE6-4342-B048-85BDC9FD1C3A}</a:tableStyleId>
               </a:tblPr>
               <a:tblGrid>
-                <a:gridCol w="5267124">
+                <a:gridCol w="5255508">
                   <a:extLst>
                     <a:ext uri="{9D8B030D-6E8A-4147-A177-3AD203B41FA5}">
                       <a16:colId xmlns:a16="http://schemas.microsoft.com/office/drawing/2014/main" val="1338302398"/>
                     </a:ext>
                   </a:extLst>
                 </a:gridCol>
-                <a:gridCol w="5267124">
+                <a:gridCol w="5278740">
                   <a:extLst>
                     <a:ext uri="{9D8B030D-6E8A-4147-A177-3AD203B41FA5}">
                       <a16:colId xmlns:a16="http://schemas.microsoft.com/office/drawing/2014/main" val="2936039321"/>
@@ -49944,7 +58649,7 @@
                   <a:srgbClr val="0070C0"/>
                 </a:solidFill>
               </a:rPr>
-              <a:t>split_lowsplit_low</a:t>
+              <a:t>split_low</a:t>
             </a:r>
             <a:r>
               <a:rPr lang="en-US" dirty="0">
@@ -53253,7 +61958,11 @@
               <a:t>#Do the same thing but this time with </a:t>
             </a:r>
             <a:r>
-              <a:rPr lang="en-US" dirty="0" err="1"/>
+              <a:rPr lang="en-US" dirty="0" err="1">
+                <a:solidFill>
+                  <a:srgbClr val="0070C0"/>
+                </a:solidFill>
+              </a:rPr>
               <a:t>sapply</a:t>
             </a:r>
             <a:r>
